--- a/slides/django_slides.pptx
+++ b/slides/django_slides.pptx
@@ -5,7 +5,7 @@
     <p:sldMasterId id="2147483648" r:id="rId1"/>
   </p:sldMasterIdLst>
   <p:notesMasterIdLst>
-    <p:notesMasterId r:id="rId22"/>
+    <p:notesMasterId r:id="rId34"/>
   </p:notesMasterIdLst>
   <p:sldIdLst>
     <p:sldId id="296" r:id="rId2"/>
@@ -27,7 +27,19 @@
     <p:sldId id="321" r:id="rId18"/>
     <p:sldId id="323" r:id="rId19"/>
     <p:sldId id="322" r:id="rId20"/>
-    <p:sldId id="306" r:id="rId21"/>
+    <p:sldId id="324" r:id="rId21"/>
+    <p:sldId id="325" r:id="rId22"/>
+    <p:sldId id="331" r:id="rId23"/>
+    <p:sldId id="328" r:id="rId24"/>
+    <p:sldId id="327" r:id="rId25"/>
+    <p:sldId id="329" r:id="rId26"/>
+    <p:sldId id="326" r:id="rId27"/>
+    <p:sldId id="332" r:id="rId28"/>
+    <p:sldId id="330" r:id="rId29"/>
+    <p:sldId id="334" r:id="rId30"/>
+    <p:sldId id="335" r:id="rId31"/>
+    <p:sldId id="333" r:id="rId32"/>
+    <p:sldId id="306" r:id="rId33"/>
   </p:sldIdLst>
   <p:sldSz cx="9144000" cy="6858000" type="screen4x3"/>
   <p:notesSz cx="6858000" cy="9144000"/>
@@ -1527,6 +1539,50 @@
               <a:buFont typeface="Arial"/>
               <a:buChar char="•"/>
             </a:pPr>
+            <a:r>
+              <a:rPr lang="en-US" baseline="0" dirty="0" err="1" smtClean="0"/>
+              <a:t>Manage.py</a:t>
+            </a:r>
+            <a:r>
+              <a:rPr lang="en-US" baseline="0" dirty="0" smtClean="0"/>
+              <a:t> is what you will mostly interact with, what we ran in last step</a:t>
+            </a:r>
+          </a:p>
+          <a:p>
+            <a:pPr marL="171450" indent="-171450">
+              <a:buFont typeface="Arial"/>
+              <a:buChar char="•"/>
+            </a:pPr>
+            <a:r>
+              <a:rPr lang="en-US" baseline="0" dirty="0" err="1" smtClean="0"/>
+              <a:t>Settings.py</a:t>
+            </a:r>
+            <a:r>
+              <a:rPr lang="en-US" baseline="0" dirty="0" smtClean="0"/>
+              <a:t> file is an important one to edit, we’ll look at that a little later</a:t>
+            </a:r>
+          </a:p>
+          <a:p>
+            <a:pPr marL="171450" indent="-171450">
+              <a:buFont typeface="Arial"/>
+              <a:buChar char="•"/>
+            </a:pPr>
+            <a:r>
+              <a:rPr lang="en-US" baseline="0" dirty="0" err="1" smtClean="0"/>
+              <a:t>Urls.py</a:t>
+            </a:r>
+            <a:r>
+              <a:rPr lang="en-US" baseline="0" dirty="0" smtClean="0"/>
+              <a:t> has our </a:t>
+            </a:r>
+            <a:r>
+              <a:rPr lang="en-US" baseline="0" dirty="0" err="1" smtClean="0"/>
+              <a:t>url</a:t>
+            </a:r>
+            <a:r>
+              <a:rPr lang="en-US" baseline="0" dirty="0" smtClean="0"/>
+              <a:t> configurations in it, also look at that later</a:t>
+            </a:r>
             <a:endParaRPr lang="en-US" baseline="0" dirty="0" smtClean="0"/>
           </a:p>
         </p:txBody>
@@ -1695,7 +1751,15 @@
           <a:bodyPr/>
           <a:lstStyle/>
           <a:p>
-            <a:endParaRPr lang="en-US" dirty="0"/>
+            <a:pPr marL="171450" indent="-171450">
+              <a:buFont typeface="Arial"/>
+              <a:buChar char="•"/>
+            </a:pPr>
+            <a:r>
+              <a:rPr lang="en-US" baseline="0" dirty="0" smtClean="0"/>
+              <a:t>our project looks a bit different, we added an events app</a:t>
+            </a:r>
+            <a:endParaRPr lang="en-US" baseline="0" dirty="0" smtClean="0"/>
           </a:p>
         </p:txBody>
       </p:sp>
@@ -1717,6 +1781,898 @@
             <a:fld id="{B697064E-5C75-394A-929D-1CE8C5F3027E}" type="slidenum">
               <a:rPr lang="en-US" smtClean="0"/>
               <a:t>20</a:t>
+            </a:fld>
+            <a:endParaRPr lang="en-US"/>
+          </a:p>
+        </p:txBody>
+      </p:sp>
+    </p:spTree>
+    <p:extLst>
+      <p:ext uri="{BB962C8B-B14F-4D97-AF65-F5344CB8AC3E}">
+        <p14:creationId xmlns:p14="http://schemas.microsoft.com/office/powerpoint/2010/main" val="3684274790"/>
+      </p:ext>
+    </p:extLst>
+  </p:cSld>
+  <p:clrMapOvr>
+    <a:masterClrMapping/>
+  </p:clrMapOvr>
+</p:notes>
+</file>
+
+<file path=ppt/notesSlides/notesSlide21.xml><?xml version="1.0" encoding="utf-8"?>
+<p:notes xmlns:a="http://schemas.openxmlformats.org/drawingml/2006/main" xmlns:r="http://schemas.openxmlformats.org/officeDocument/2006/relationships" xmlns:p="http://schemas.openxmlformats.org/presentationml/2006/main">
+  <p:cSld>
+    <p:spTree>
+      <p:nvGrpSpPr>
+        <p:cNvPr id="1" name=""/>
+        <p:cNvGrpSpPr/>
+        <p:nvPr/>
+      </p:nvGrpSpPr>
+      <p:grpSpPr>
+        <a:xfrm>
+          <a:off x="0" y="0"/>
+          <a:ext cx="0" cy="0"/>
+          <a:chOff x="0" y="0"/>
+          <a:chExt cx="0" cy="0"/>
+        </a:xfrm>
+      </p:grpSpPr>
+      <p:sp>
+        <p:nvSpPr>
+          <p:cNvPr id="2" name="Slide Image Placeholder 1"/>
+          <p:cNvSpPr>
+            <a:spLocks noGrp="1" noRot="1" noChangeAspect="1"/>
+          </p:cNvSpPr>
+          <p:nvPr>
+            <p:ph type="sldImg"/>
+          </p:nvPr>
+        </p:nvSpPr>
+        <p:spPr/>
+      </p:sp>
+      <p:sp>
+        <p:nvSpPr>
+          <p:cNvPr id="3" name="Notes Placeholder 2"/>
+          <p:cNvSpPr>
+            <a:spLocks noGrp="1"/>
+          </p:cNvSpPr>
+          <p:nvPr>
+            <p:ph type="body" idx="1"/>
+          </p:nvPr>
+        </p:nvSpPr>
+        <p:spPr/>
+        <p:txBody>
+          <a:bodyPr/>
+          <a:lstStyle/>
+          <a:p>
+            <a:r>
+              <a:rPr lang="en-US" dirty="0" smtClean="0"/>
+              <a:t>Go to your</a:t>
+            </a:r>
+            <a:r>
+              <a:rPr lang="en-US" baseline="0" dirty="0" smtClean="0"/>
+              <a:t> browser and explore the site a bit.</a:t>
+            </a:r>
+            <a:endParaRPr lang="en-US" dirty="0"/>
+          </a:p>
+        </p:txBody>
+      </p:sp>
+      <p:sp>
+        <p:nvSpPr>
+          <p:cNvPr id="4" name="Slide Number Placeholder 3"/>
+          <p:cNvSpPr>
+            <a:spLocks noGrp="1"/>
+          </p:cNvSpPr>
+          <p:nvPr>
+            <p:ph type="sldNum" sz="quarter" idx="10"/>
+          </p:nvPr>
+        </p:nvSpPr>
+        <p:spPr/>
+        <p:txBody>
+          <a:bodyPr/>
+          <a:lstStyle/>
+          <a:p>
+            <a:fld id="{B697064E-5C75-394A-929D-1CE8C5F3027E}" type="slidenum">
+              <a:rPr lang="en-US" smtClean="0"/>
+              <a:t>21</a:t>
+            </a:fld>
+            <a:endParaRPr lang="en-US"/>
+          </a:p>
+        </p:txBody>
+      </p:sp>
+    </p:spTree>
+    <p:extLst>
+      <p:ext uri="{BB962C8B-B14F-4D97-AF65-F5344CB8AC3E}">
+        <p14:creationId xmlns:p14="http://schemas.microsoft.com/office/powerpoint/2010/main" val="3684274790"/>
+      </p:ext>
+    </p:extLst>
+  </p:cSld>
+  <p:clrMapOvr>
+    <a:masterClrMapping/>
+  </p:clrMapOvr>
+</p:notes>
+</file>
+
+<file path=ppt/notesSlides/notesSlide22.xml><?xml version="1.0" encoding="utf-8"?>
+<p:notes xmlns:a="http://schemas.openxmlformats.org/drawingml/2006/main" xmlns:r="http://schemas.openxmlformats.org/officeDocument/2006/relationships" xmlns:p="http://schemas.openxmlformats.org/presentationml/2006/main">
+  <p:cSld>
+    <p:spTree>
+      <p:nvGrpSpPr>
+        <p:cNvPr id="1" name=""/>
+        <p:cNvGrpSpPr/>
+        <p:nvPr/>
+      </p:nvGrpSpPr>
+      <p:grpSpPr>
+        <a:xfrm>
+          <a:off x="0" y="0"/>
+          <a:ext cx="0" cy="0"/>
+          <a:chOff x="0" y="0"/>
+          <a:chExt cx="0" cy="0"/>
+        </a:xfrm>
+      </p:grpSpPr>
+      <p:sp>
+        <p:nvSpPr>
+          <p:cNvPr id="2" name="Slide Image Placeholder 1"/>
+          <p:cNvSpPr>
+            <a:spLocks noGrp="1" noRot="1" noChangeAspect="1"/>
+          </p:cNvSpPr>
+          <p:nvPr>
+            <p:ph type="sldImg"/>
+          </p:nvPr>
+        </p:nvSpPr>
+        <p:spPr/>
+      </p:sp>
+      <p:sp>
+        <p:nvSpPr>
+          <p:cNvPr id="3" name="Notes Placeholder 2"/>
+          <p:cNvSpPr>
+            <a:spLocks noGrp="1"/>
+          </p:cNvSpPr>
+          <p:nvPr>
+            <p:ph type="body" idx="1"/>
+          </p:nvPr>
+        </p:nvSpPr>
+        <p:spPr/>
+        <p:txBody>
+          <a:bodyPr/>
+          <a:lstStyle/>
+          <a:p>
+            <a:pPr marL="171450" indent="-171450">
+              <a:buFont typeface="Arial"/>
+              <a:buChar char="•"/>
+            </a:pPr>
+            <a:endParaRPr lang="en-US" baseline="0" dirty="0" smtClean="0"/>
+          </a:p>
+        </p:txBody>
+      </p:sp>
+      <p:sp>
+        <p:nvSpPr>
+          <p:cNvPr id="4" name="Slide Number Placeholder 3"/>
+          <p:cNvSpPr>
+            <a:spLocks noGrp="1"/>
+          </p:cNvSpPr>
+          <p:nvPr>
+            <p:ph type="sldNum" sz="quarter" idx="10"/>
+          </p:nvPr>
+        </p:nvSpPr>
+        <p:spPr/>
+        <p:txBody>
+          <a:bodyPr/>
+          <a:lstStyle/>
+          <a:p>
+            <a:fld id="{B697064E-5C75-394A-929D-1CE8C5F3027E}" type="slidenum">
+              <a:rPr lang="en-US" smtClean="0"/>
+              <a:t>22</a:t>
+            </a:fld>
+            <a:endParaRPr lang="en-US"/>
+          </a:p>
+        </p:txBody>
+      </p:sp>
+    </p:spTree>
+    <p:extLst>
+      <p:ext uri="{BB962C8B-B14F-4D97-AF65-F5344CB8AC3E}">
+        <p14:creationId xmlns:p14="http://schemas.microsoft.com/office/powerpoint/2010/main" val="3684274790"/>
+      </p:ext>
+    </p:extLst>
+  </p:cSld>
+  <p:clrMapOvr>
+    <a:masterClrMapping/>
+  </p:clrMapOvr>
+</p:notes>
+</file>
+
+<file path=ppt/notesSlides/notesSlide23.xml><?xml version="1.0" encoding="utf-8"?>
+<p:notes xmlns:a="http://schemas.openxmlformats.org/drawingml/2006/main" xmlns:r="http://schemas.openxmlformats.org/officeDocument/2006/relationships" xmlns:p="http://schemas.openxmlformats.org/presentationml/2006/main">
+  <p:cSld>
+    <p:spTree>
+      <p:nvGrpSpPr>
+        <p:cNvPr id="1" name=""/>
+        <p:cNvGrpSpPr/>
+        <p:nvPr/>
+      </p:nvGrpSpPr>
+      <p:grpSpPr>
+        <a:xfrm>
+          <a:off x="0" y="0"/>
+          <a:ext cx="0" cy="0"/>
+          <a:chOff x="0" y="0"/>
+          <a:chExt cx="0" cy="0"/>
+        </a:xfrm>
+      </p:grpSpPr>
+      <p:sp>
+        <p:nvSpPr>
+          <p:cNvPr id="2" name="Slide Image Placeholder 1"/>
+          <p:cNvSpPr>
+            <a:spLocks noGrp="1" noRot="1" noChangeAspect="1"/>
+          </p:cNvSpPr>
+          <p:nvPr>
+            <p:ph type="sldImg"/>
+          </p:nvPr>
+        </p:nvSpPr>
+        <p:spPr/>
+      </p:sp>
+      <p:sp>
+        <p:nvSpPr>
+          <p:cNvPr id="3" name="Notes Placeholder 2"/>
+          <p:cNvSpPr>
+            <a:spLocks noGrp="1"/>
+          </p:cNvSpPr>
+          <p:nvPr>
+            <p:ph type="body" idx="1"/>
+          </p:nvPr>
+        </p:nvSpPr>
+        <p:spPr/>
+        <p:txBody>
+          <a:bodyPr/>
+          <a:lstStyle/>
+          <a:p>
+            <a:pPr marL="171450" indent="-171450">
+              <a:buFont typeface="Arial"/>
+              <a:buChar char="•"/>
+            </a:pPr>
+            <a:r>
+              <a:rPr lang="en-US" baseline="0" dirty="0" smtClean="0"/>
+              <a:t>our project looks a bit different, we added an events app</a:t>
+            </a:r>
+            <a:endParaRPr lang="en-US" baseline="0" dirty="0" smtClean="0"/>
+          </a:p>
+        </p:txBody>
+      </p:sp>
+      <p:sp>
+        <p:nvSpPr>
+          <p:cNvPr id="4" name="Slide Number Placeholder 3"/>
+          <p:cNvSpPr>
+            <a:spLocks noGrp="1"/>
+          </p:cNvSpPr>
+          <p:nvPr>
+            <p:ph type="sldNum" sz="quarter" idx="10"/>
+          </p:nvPr>
+        </p:nvSpPr>
+        <p:spPr/>
+        <p:txBody>
+          <a:bodyPr/>
+          <a:lstStyle/>
+          <a:p>
+            <a:fld id="{B697064E-5C75-394A-929D-1CE8C5F3027E}" type="slidenum">
+              <a:rPr lang="en-US" smtClean="0"/>
+              <a:t>23</a:t>
+            </a:fld>
+            <a:endParaRPr lang="en-US"/>
+          </a:p>
+        </p:txBody>
+      </p:sp>
+    </p:spTree>
+    <p:extLst>
+      <p:ext uri="{BB962C8B-B14F-4D97-AF65-F5344CB8AC3E}">
+        <p14:creationId xmlns:p14="http://schemas.microsoft.com/office/powerpoint/2010/main" val="3684274790"/>
+      </p:ext>
+    </p:extLst>
+  </p:cSld>
+  <p:clrMapOvr>
+    <a:masterClrMapping/>
+  </p:clrMapOvr>
+</p:notes>
+</file>
+
+<file path=ppt/notesSlides/notesSlide24.xml><?xml version="1.0" encoding="utf-8"?>
+<p:notes xmlns:a="http://schemas.openxmlformats.org/drawingml/2006/main" xmlns:r="http://schemas.openxmlformats.org/officeDocument/2006/relationships" xmlns:p="http://schemas.openxmlformats.org/presentationml/2006/main">
+  <p:cSld>
+    <p:spTree>
+      <p:nvGrpSpPr>
+        <p:cNvPr id="1" name=""/>
+        <p:cNvGrpSpPr/>
+        <p:nvPr/>
+      </p:nvGrpSpPr>
+      <p:grpSpPr>
+        <a:xfrm>
+          <a:off x="0" y="0"/>
+          <a:ext cx="0" cy="0"/>
+          <a:chOff x="0" y="0"/>
+          <a:chExt cx="0" cy="0"/>
+        </a:xfrm>
+      </p:grpSpPr>
+      <p:sp>
+        <p:nvSpPr>
+          <p:cNvPr id="2" name="Slide Image Placeholder 1"/>
+          <p:cNvSpPr>
+            <a:spLocks noGrp="1" noRot="1" noChangeAspect="1"/>
+          </p:cNvSpPr>
+          <p:nvPr>
+            <p:ph type="sldImg"/>
+          </p:nvPr>
+        </p:nvSpPr>
+        <p:spPr/>
+      </p:sp>
+      <p:sp>
+        <p:nvSpPr>
+          <p:cNvPr id="3" name="Notes Placeholder 2"/>
+          <p:cNvSpPr>
+            <a:spLocks noGrp="1"/>
+          </p:cNvSpPr>
+          <p:nvPr>
+            <p:ph type="body" idx="1"/>
+          </p:nvPr>
+        </p:nvSpPr>
+        <p:spPr/>
+        <p:txBody>
+          <a:bodyPr/>
+          <a:lstStyle/>
+          <a:p>
+            <a:pPr marL="171450" indent="-171450">
+              <a:buFont typeface="Arial"/>
+              <a:buChar char="•"/>
+            </a:pPr>
+            <a:r>
+              <a:rPr lang="en-US" baseline="0" dirty="0" smtClean="0"/>
+              <a:t>our project looks a bit different, we added an events app</a:t>
+            </a:r>
+          </a:p>
+          <a:p>
+            <a:pPr marL="171450" indent="-171450">
+              <a:buFont typeface="Arial"/>
+              <a:buChar char="•"/>
+            </a:pPr>
+            <a:r>
+              <a:rPr lang="en-US" baseline="0" dirty="0" smtClean="0"/>
+              <a:t>Must register this app in </a:t>
+            </a:r>
+            <a:r>
+              <a:rPr lang="en-US" baseline="0" dirty="0" err="1" smtClean="0"/>
+              <a:t>settings.py</a:t>
+            </a:r>
+            <a:r>
+              <a:rPr lang="en-US" baseline="0" dirty="0" smtClean="0"/>
+              <a:t>!</a:t>
+            </a:r>
+            <a:endParaRPr lang="en-US" baseline="0" dirty="0" smtClean="0"/>
+          </a:p>
+        </p:txBody>
+      </p:sp>
+      <p:sp>
+        <p:nvSpPr>
+          <p:cNvPr id="4" name="Slide Number Placeholder 3"/>
+          <p:cNvSpPr>
+            <a:spLocks noGrp="1"/>
+          </p:cNvSpPr>
+          <p:nvPr>
+            <p:ph type="sldNum" sz="quarter" idx="10"/>
+          </p:nvPr>
+        </p:nvSpPr>
+        <p:spPr/>
+        <p:txBody>
+          <a:bodyPr/>
+          <a:lstStyle/>
+          <a:p>
+            <a:fld id="{B697064E-5C75-394A-929D-1CE8C5F3027E}" type="slidenum">
+              <a:rPr lang="en-US" smtClean="0"/>
+              <a:t>24</a:t>
+            </a:fld>
+            <a:endParaRPr lang="en-US"/>
+          </a:p>
+        </p:txBody>
+      </p:sp>
+    </p:spTree>
+    <p:extLst>
+      <p:ext uri="{BB962C8B-B14F-4D97-AF65-F5344CB8AC3E}">
+        <p14:creationId xmlns:p14="http://schemas.microsoft.com/office/powerpoint/2010/main" val="3684274790"/>
+      </p:ext>
+    </p:extLst>
+  </p:cSld>
+  <p:clrMapOvr>
+    <a:masterClrMapping/>
+  </p:clrMapOvr>
+</p:notes>
+</file>
+
+<file path=ppt/notesSlides/notesSlide25.xml><?xml version="1.0" encoding="utf-8"?>
+<p:notes xmlns:a="http://schemas.openxmlformats.org/drawingml/2006/main" xmlns:r="http://schemas.openxmlformats.org/officeDocument/2006/relationships" xmlns:p="http://schemas.openxmlformats.org/presentationml/2006/main">
+  <p:cSld>
+    <p:spTree>
+      <p:nvGrpSpPr>
+        <p:cNvPr id="1" name=""/>
+        <p:cNvGrpSpPr/>
+        <p:nvPr/>
+      </p:nvGrpSpPr>
+      <p:grpSpPr>
+        <a:xfrm>
+          <a:off x="0" y="0"/>
+          <a:ext cx="0" cy="0"/>
+          <a:chOff x="0" y="0"/>
+          <a:chExt cx="0" cy="0"/>
+        </a:xfrm>
+      </p:grpSpPr>
+      <p:sp>
+        <p:nvSpPr>
+          <p:cNvPr id="2" name="Slide Image Placeholder 1"/>
+          <p:cNvSpPr>
+            <a:spLocks noGrp="1" noRot="1" noChangeAspect="1"/>
+          </p:cNvSpPr>
+          <p:nvPr>
+            <p:ph type="sldImg"/>
+          </p:nvPr>
+        </p:nvSpPr>
+        <p:spPr/>
+      </p:sp>
+      <p:sp>
+        <p:nvSpPr>
+          <p:cNvPr id="3" name="Notes Placeholder 2"/>
+          <p:cNvSpPr>
+            <a:spLocks noGrp="1"/>
+          </p:cNvSpPr>
+          <p:nvPr>
+            <p:ph type="body" idx="1"/>
+          </p:nvPr>
+        </p:nvSpPr>
+        <p:spPr/>
+        <p:txBody>
+          <a:bodyPr/>
+          <a:lstStyle/>
+          <a:p>
+            <a:pPr marL="0" indent="0">
+              <a:buFont typeface="Arial"/>
+              <a:buNone/>
+            </a:pPr>
+            <a:r>
+              <a:rPr lang="en-US" baseline="0" dirty="0" smtClean="0"/>
+              <a:t>Regex matching for </a:t>
+            </a:r>
+            <a:r>
+              <a:rPr lang="en-US" baseline="0" dirty="0" err="1" smtClean="0"/>
+              <a:t>url</a:t>
+            </a:r>
+            <a:r>
+              <a:rPr lang="en-US" baseline="0" dirty="0" smtClean="0"/>
+              <a:t>, can also pass in variables via </a:t>
+            </a:r>
+            <a:r>
+              <a:rPr lang="en-US" baseline="0" dirty="0" err="1" smtClean="0"/>
+              <a:t>url</a:t>
+            </a:r>
+            <a:endParaRPr lang="en-US" baseline="0" dirty="0" smtClean="0"/>
+          </a:p>
+        </p:txBody>
+      </p:sp>
+      <p:sp>
+        <p:nvSpPr>
+          <p:cNvPr id="4" name="Slide Number Placeholder 3"/>
+          <p:cNvSpPr>
+            <a:spLocks noGrp="1"/>
+          </p:cNvSpPr>
+          <p:nvPr>
+            <p:ph type="sldNum" sz="quarter" idx="10"/>
+          </p:nvPr>
+        </p:nvSpPr>
+        <p:spPr/>
+        <p:txBody>
+          <a:bodyPr/>
+          <a:lstStyle/>
+          <a:p>
+            <a:fld id="{B697064E-5C75-394A-929D-1CE8C5F3027E}" type="slidenum">
+              <a:rPr lang="en-US" smtClean="0"/>
+              <a:t>25</a:t>
+            </a:fld>
+            <a:endParaRPr lang="en-US"/>
+          </a:p>
+        </p:txBody>
+      </p:sp>
+    </p:spTree>
+    <p:extLst>
+      <p:ext uri="{BB962C8B-B14F-4D97-AF65-F5344CB8AC3E}">
+        <p14:creationId xmlns:p14="http://schemas.microsoft.com/office/powerpoint/2010/main" val="3684274790"/>
+      </p:ext>
+    </p:extLst>
+  </p:cSld>
+  <p:clrMapOvr>
+    <a:masterClrMapping/>
+  </p:clrMapOvr>
+</p:notes>
+</file>
+
+<file path=ppt/notesSlides/notesSlide26.xml><?xml version="1.0" encoding="utf-8"?>
+<p:notes xmlns:a="http://schemas.openxmlformats.org/drawingml/2006/main" xmlns:r="http://schemas.openxmlformats.org/officeDocument/2006/relationships" xmlns:p="http://schemas.openxmlformats.org/presentationml/2006/main">
+  <p:cSld>
+    <p:spTree>
+      <p:nvGrpSpPr>
+        <p:cNvPr id="1" name=""/>
+        <p:cNvGrpSpPr/>
+        <p:nvPr/>
+      </p:nvGrpSpPr>
+      <p:grpSpPr>
+        <a:xfrm>
+          <a:off x="0" y="0"/>
+          <a:ext cx="0" cy="0"/>
+          <a:chOff x="0" y="0"/>
+          <a:chExt cx="0" cy="0"/>
+        </a:xfrm>
+      </p:grpSpPr>
+      <p:sp>
+        <p:nvSpPr>
+          <p:cNvPr id="2" name="Slide Image Placeholder 1"/>
+          <p:cNvSpPr>
+            <a:spLocks noGrp="1" noRot="1" noChangeAspect="1"/>
+          </p:cNvSpPr>
+          <p:nvPr>
+            <p:ph type="sldImg"/>
+          </p:nvPr>
+        </p:nvSpPr>
+        <p:spPr/>
+      </p:sp>
+      <p:sp>
+        <p:nvSpPr>
+          <p:cNvPr id="3" name="Notes Placeholder 2"/>
+          <p:cNvSpPr>
+            <a:spLocks noGrp="1"/>
+          </p:cNvSpPr>
+          <p:nvPr>
+            <p:ph type="body" idx="1"/>
+          </p:nvPr>
+        </p:nvSpPr>
+        <p:spPr/>
+        <p:txBody>
+          <a:bodyPr/>
+          <a:lstStyle/>
+          <a:p>
+            <a:r>
+              <a:rPr lang="en-US" dirty="0" smtClean="0"/>
+              <a:t>I’ve set in </a:t>
+            </a:r>
+            <a:r>
+              <a:rPr lang="en-US" dirty="0" err="1" smtClean="0"/>
+              <a:t>settings.py</a:t>
+            </a:r>
+            <a:r>
+              <a:rPr lang="en-US" dirty="0" smtClean="0"/>
+              <a:t> where my</a:t>
+            </a:r>
+            <a:r>
+              <a:rPr lang="en-US" baseline="0" dirty="0" smtClean="0"/>
+              <a:t> templates folder is</a:t>
+            </a:r>
+            <a:endParaRPr lang="en-US" dirty="0"/>
+          </a:p>
+        </p:txBody>
+      </p:sp>
+      <p:sp>
+        <p:nvSpPr>
+          <p:cNvPr id="4" name="Slide Number Placeholder 3"/>
+          <p:cNvSpPr>
+            <a:spLocks noGrp="1"/>
+          </p:cNvSpPr>
+          <p:nvPr>
+            <p:ph type="sldNum" sz="quarter" idx="10"/>
+          </p:nvPr>
+        </p:nvSpPr>
+        <p:spPr/>
+        <p:txBody>
+          <a:bodyPr/>
+          <a:lstStyle/>
+          <a:p>
+            <a:fld id="{B697064E-5C75-394A-929D-1CE8C5F3027E}" type="slidenum">
+              <a:rPr lang="en-US" smtClean="0"/>
+              <a:t>26</a:t>
+            </a:fld>
+            <a:endParaRPr lang="en-US"/>
+          </a:p>
+        </p:txBody>
+      </p:sp>
+    </p:spTree>
+    <p:extLst>
+      <p:ext uri="{BB962C8B-B14F-4D97-AF65-F5344CB8AC3E}">
+        <p14:creationId xmlns:p14="http://schemas.microsoft.com/office/powerpoint/2010/main" val="3684274790"/>
+      </p:ext>
+    </p:extLst>
+  </p:cSld>
+  <p:clrMapOvr>
+    <a:masterClrMapping/>
+  </p:clrMapOvr>
+</p:notes>
+</file>
+
+<file path=ppt/notesSlides/notesSlide27.xml><?xml version="1.0" encoding="utf-8"?>
+<p:notes xmlns:a="http://schemas.openxmlformats.org/drawingml/2006/main" xmlns:r="http://schemas.openxmlformats.org/officeDocument/2006/relationships" xmlns:p="http://schemas.openxmlformats.org/presentationml/2006/main">
+  <p:cSld>
+    <p:spTree>
+      <p:nvGrpSpPr>
+        <p:cNvPr id="1" name=""/>
+        <p:cNvGrpSpPr/>
+        <p:nvPr/>
+      </p:nvGrpSpPr>
+      <p:grpSpPr>
+        <a:xfrm>
+          <a:off x="0" y="0"/>
+          <a:ext cx="0" cy="0"/>
+          <a:chOff x="0" y="0"/>
+          <a:chExt cx="0" cy="0"/>
+        </a:xfrm>
+      </p:grpSpPr>
+      <p:sp>
+        <p:nvSpPr>
+          <p:cNvPr id="2" name="Slide Image Placeholder 1"/>
+          <p:cNvSpPr>
+            <a:spLocks noGrp="1" noRot="1" noChangeAspect="1"/>
+          </p:cNvSpPr>
+          <p:nvPr>
+            <p:ph type="sldImg"/>
+          </p:nvPr>
+        </p:nvSpPr>
+        <p:spPr/>
+      </p:sp>
+      <p:sp>
+        <p:nvSpPr>
+          <p:cNvPr id="3" name="Notes Placeholder 2"/>
+          <p:cNvSpPr>
+            <a:spLocks noGrp="1"/>
+          </p:cNvSpPr>
+          <p:nvPr>
+            <p:ph type="body" idx="1"/>
+          </p:nvPr>
+        </p:nvSpPr>
+        <p:spPr/>
+        <p:txBody>
+          <a:bodyPr/>
+          <a:lstStyle/>
+          <a:p>
+            <a:r>
+              <a:rPr lang="en-US" dirty="0" smtClean="0"/>
+              <a:t>Everyone good so far? It’s fast paced, I know, but this is a crash course. I want to resolve big questions now!</a:t>
+            </a:r>
+            <a:endParaRPr lang="en-US" dirty="0"/>
+          </a:p>
+        </p:txBody>
+      </p:sp>
+      <p:sp>
+        <p:nvSpPr>
+          <p:cNvPr id="4" name="Slide Number Placeholder 3"/>
+          <p:cNvSpPr>
+            <a:spLocks noGrp="1"/>
+          </p:cNvSpPr>
+          <p:nvPr>
+            <p:ph type="sldNum" sz="quarter" idx="10"/>
+          </p:nvPr>
+        </p:nvSpPr>
+        <p:spPr/>
+        <p:txBody>
+          <a:bodyPr/>
+          <a:lstStyle/>
+          <a:p>
+            <a:fld id="{B697064E-5C75-394A-929D-1CE8C5F3027E}" type="slidenum">
+              <a:rPr lang="en-US" smtClean="0"/>
+              <a:t>27</a:t>
+            </a:fld>
+            <a:endParaRPr lang="en-US"/>
+          </a:p>
+        </p:txBody>
+      </p:sp>
+    </p:spTree>
+    <p:extLst>
+      <p:ext uri="{BB962C8B-B14F-4D97-AF65-F5344CB8AC3E}">
+        <p14:creationId xmlns:p14="http://schemas.microsoft.com/office/powerpoint/2010/main" val="3684274790"/>
+      </p:ext>
+    </p:extLst>
+  </p:cSld>
+  <p:clrMapOvr>
+    <a:masterClrMapping/>
+  </p:clrMapOvr>
+</p:notes>
+</file>
+
+<file path=ppt/notesSlides/notesSlide28.xml><?xml version="1.0" encoding="utf-8"?>
+<p:notes xmlns:a="http://schemas.openxmlformats.org/drawingml/2006/main" xmlns:r="http://schemas.openxmlformats.org/officeDocument/2006/relationships" xmlns:p="http://schemas.openxmlformats.org/presentationml/2006/main">
+  <p:cSld>
+    <p:spTree>
+      <p:nvGrpSpPr>
+        <p:cNvPr id="1" name=""/>
+        <p:cNvGrpSpPr/>
+        <p:nvPr/>
+      </p:nvGrpSpPr>
+      <p:grpSpPr>
+        <a:xfrm>
+          <a:off x="0" y="0"/>
+          <a:ext cx="0" cy="0"/>
+          <a:chOff x="0" y="0"/>
+          <a:chExt cx="0" cy="0"/>
+        </a:xfrm>
+      </p:grpSpPr>
+      <p:sp>
+        <p:nvSpPr>
+          <p:cNvPr id="2" name="Slide Image Placeholder 1"/>
+          <p:cNvSpPr>
+            <a:spLocks noGrp="1" noRot="1" noChangeAspect="1"/>
+          </p:cNvSpPr>
+          <p:nvPr>
+            <p:ph type="sldImg"/>
+          </p:nvPr>
+        </p:nvSpPr>
+        <p:spPr/>
+      </p:sp>
+      <p:sp>
+        <p:nvSpPr>
+          <p:cNvPr id="3" name="Notes Placeholder 2"/>
+          <p:cNvSpPr>
+            <a:spLocks noGrp="1"/>
+          </p:cNvSpPr>
+          <p:nvPr>
+            <p:ph type="body" idx="1"/>
+          </p:nvPr>
+        </p:nvSpPr>
+        <p:spPr/>
+        <p:txBody>
+          <a:bodyPr/>
+          <a:lstStyle/>
+          <a:p>
+            <a:pPr marL="171450" indent="-171450">
+              <a:buFont typeface="Arial"/>
+              <a:buChar char="•"/>
+            </a:pPr>
+            <a:endParaRPr lang="en-US" baseline="0" dirty="0" smtClean="0"/>
+          </a:p>
+        </p:txBody>
+      </p:sp>
+      <p:sp>
+        <p:nvSpPr>
+          <p:cNvPr id="4" name="Slide Number Placeholder 3"/>
+          <p:cNvSpPr>
+            <a:spLocks noGrp="1"/>
+          </p:cNvSpPr>
+          <p:nvPr>
+            <p:ph type="sldNum" sz="quarter" idx="10"/>
+          </p:nvPr>
+        </p:nvSpPr>
+        <p:spPr/>
+        <p:txBody>
+          <a:bodyPr/>
+          <a:lstStyle/>
+          <a:p>
+            <a:fld id="{B697064E-5C75-394A-929D-1CE8C5F3027E}" type="slidenum">
+              <a:rPr lang="en-US" smtClean="0"/>
+              <a:t>28</a:t>
+            </a:fld>
+            <a:endParaRPr lang="en-US"/>
+          </a:p>
+        </p:txBody>
+      </p:sp>
+    </p:spTree>
+    <p:extLst>
+      <p:ext uri="{BB962C8B-B14F-4D97-AF65-F5344CB8AC3E}">
+        <p14:creationId xmlns:p14="http://schemas.microsoft.com/office/powerpoint/2010/main" val="3684274790"/>
+      </p:ext>
+    </p:extLst>
+  </p:cSld>
+  <p:clrMapOvr>
+    <a:masterClrMapping/>
+  </p:clrMapOvr>
+</p:notes>
+</file>
+
+<file path=ppt/notesSlides/notesSlide29.xml><?xml version="1.0" encoding="utf-8"?>
+<p:notes xmlns:a="http://schemas.openxmlformats.org/drawingml/2006/main" xmlns:r="http://schemas.openxmlformats.org/officeDocument/2006/relationships" xmlns:p="http://schemas.openxmlformats.org/presentationml/2006/main">
+  <p:cSld>
+    <p:spTree>
+      <p:nvGrpSpPr>
+        <p:cNvPr id="1" name=""/>
+        <p:cNvGrpSpPr/>
+        <p:nvPr/>
+      </p:nvGrpSpPr>
+      <p:grpSpPr>
+        <a:xfrm>
+          <a:off x="0" y="0"/>
+          <a:ext cx="0" cy="0"/>
+          <a:chOff x="0" y="0"/>
+          <a:chExt cx="0" cy="0"/>
+        </a:xfrm>
+      </p:grpSpPr>
+      <p:sp>
+        <p:nvSpPr>
+          <p:cNvPr id="2" name="Slide Image Placeholder 1"/>
+          <p:cNvSpPr>
+            <a:spLocks noGrp="1" noRot="1" noChangeAspect="1"/>
+          </p:cNvSpPr>
+          <p:nvPr>
+            <p:ph type="sldImg"/>
+          </p:nvPr>
+        </p:nvSpPr>
+        <p:spPr/>
+      </p:sp>
+      <p:sp>
+        <p:nvSpPr>
+          <p:cNvPr id="3" name="Notes Placeholder 2"/>
+          <p:cNvSpPr>
+            <a:spLocks noGrp="1"/>
+          </p:cNvSpPr>
+          <p:nvPr>
+            <p:ph type="body" idx="1"/>
+          </p:nvPr>
+        </p:nvSpPr>
+        <p:spPr/>
+        <p:txBody>
+          <a:bodyPr/>
+          <a:lstStyle/>
+          <a:p>
+            <a:pPr marL="171450" indent="-171450">
+              <a:buFont typeface="Arial"/>
+              <a:buChar char="•"/>
+            </a:pPr>
+            <a:r>
+              <a:rPr lang="en-US" baseline="0" dirty="0" smtClean="0"/>
+              <a:t>When you add a new model must update </a:t>
+            </a:r>
+            <a:r>
+              <a:rPr lang="en-US" baseline="0" dirty="0" err="1" smtClean="0"/>
+              <a:t>db</a:t>
+            </a:r>
+            <a:r>
+              <a:rPr lang="en-US" baseline="0" dirty="0" smtClean="0"/>
+              <a:t> with </a:t>
+            </a:r>
+            <a:r>
+              <a:rPr lang="en-US" baseline="0" dirty="0" err="1" smtClean="0"/>
+              <a:t>manage.py</a:t>
+            </a:r>
+            <a:r>
+              <a:rPr lang="en-US" baseline="0" dirty="0" smtClean="0"/>
+              <a:t> </a:t>
+            </a:r>
+            <a:r>
+              <a:rPr lang="en-US" baseline="0" dirty="0" err="1" smtClean="0"/>
+              <a:t>syncdb</a:t>
+            </a:r>
+            <a:endParaRPr lang="en-US" baseline="0" dirty="0" smtClean="0"/>
+          </a:p>
+          <a:p>
+            <a:pPr marL="171450" indent="-171450">
+              <a:buFont typeface="Arial"/>
+              <a:buChar char="•"/>
+            </a:pPr>
+            <a:r>
+              <a:rPr lang="en-US" baseline="0" dirty="0" smtClean="0"/>
+              <a:t>Django provides a rich ability to search for objects by calling </a:t>
+            </a:r>
+            <a:r>
+              <a:rPr lang="en-US" baseline="0" dirty="0" err="1" smtClean="0"/>
+              <a:t>Event.objects.filter</a:t>
+            </a:r>
+            <a:r>
+              <a:rPr lang="en-US" baseline="0" dirty="0" smtClean="0"/>
+              <a:t>()</a:t>
+            </a:r>
+          </a:p>
+        </p:txBody>
+      </p:sp>
+      <p:sp>
+        <p:nvSpPr>
+          <p:cNvPr id="4" name="Slide Number Placeholder 3"/>
+          <p:cNvSpPr>
+            <a:spLocks noGrp="1"/>
+          </p:cNvSpPr>
+          <p:nvPr>
+            <p:ph type="sldNum" sz="quarter" idx="10"/>
+          </p:nvPr>
+        </p:nvSpPr>
+        <p:spPr/>
+        <p:txBody>
+          <a:bodyPr/>
+          <a:lstStyle/>
+          <a:p>
+            <a:fld id="{B697064E-5C75-394A-929D-1CE8C5F3027E}" type="slidenum">
+              <a:rPr lang="en-US" smtClean="0"/>
+              <a:t>29</a:t>
             </a:fld>
             <a:endParaRPr lang="en-US"/>
           </a:p>
@@ -1808,6 +2764,328 @@
             <a:fld id="{B697064E-5C75-394A-929D-1CE8C5F3027E}" type="slidenum">
               <a:rPr lang="en-US" smtClean="0"/>
               <a:t>3</a:t>
+            </a:fld>
+            <a:endParaRPr lang="en-US"/>
+          </a:p>
+        </p:txBody>
+      </p:sp>
+    </p:spTree>
+    <p:extLst>
+      <p:ext uri="{BB962C8B-B14F-4D97-AF65-F5344CB8AC3E}">
+        <p14:creationId xmlns:p14="http://schemas.microsoft.com/office/powerpoint/2010/main" val="3684274790"/>
+      </p:ext>
+    </p:extLst>
+  </p:cSld>
+  <p:clrMapOvr>
+    <a:masterClrMapping/>
+  </p:clrMapOvr>
+</p:notes>
+</file>
+
+<file path=ppt/notesSlides/notesSlide30.xml><?xml version="1.0" encoding="utf-8"?>
+<p:notes xmlns:a="http://schemas.openxmlformats.org/drawingml/2006/main" xmlns:r="http://schemas.openxmlformats.org/officeDocument/2006/relationships" xmlns:p="http://schemas.openxmlformats.org/presentationml/2006/main">
+  <p:cSld>
+    <p:spTree>
+      <p:nvGrpSpPr>
+        <p:cNvPr id="1" name=""/>
+        <p:cNvGrpSpPr/>
+        <p:nvPr/>
+      </p:nvGrpSpPr>
+      <p:grpSpPr>
+        <a:xfrm>
+          <a:off x="0" y="0"/>
+          <a:ext cx="0" cy="0"/>
+          <a:chOff x="0" y="0"/>
+          <a:chExt cx="0" cy="0"/>
+        </a:xfrm>
+      </p:grpSpPr>
+      <p:sp>
+        <p:nvSpPr>
+          <p:cNvPr id="2" name="Slide Image Placeholder 1"/>
+          <p:cNvSpPr>
+            <a:spLocks noGrp="1" noRot="1" noChangeAspect="1"/>
+          </p:cNvSpPr>
+          <p:nvPr>
+            <p:ph type="sldImg"/>
+          </p:nvPr>
+        </p:nvSpPr>
+        <p:spPr/>
+      </p:sp>
+      <p:sp>
+        <p:nvSpPr>
+          <p:cNvPr id="3" name="Notes Placeholder 2"/>
+          <p:cNvSpPr>
+            <a:spLocks noGrp="1"/>
+          </p:cNvSpPr>
+          <p:nvPr>
+            <p:ph type="body" idx="1"/>
+          </p:nvPr>
+        </p:nvSpPr>
+        <p:spPr/>
+        <p:txBody>
+          <a:bodyPr/>
+          <a:lstStyle/>
+          <a:p>
+            <a:pPr marL="171450" indent="-171450">
+              <a:buFont typeface="Arial"/>
+              <a:buChar char="•"/>
+            </a:pPr>
+            <a:r>
+              <a:rPr lang="en-US" baseline="0" dirty="0" smtClean="0"/>
+              <a:t>When you add a new model must update </a:t>
+            </a:r>
+            <a:r>
+              <a:rPr lang="en-US" baseline="0" dirty="0" err="1" smtClean="0"/>
+              <a:t>db</a:t>
+            </a:r>
+            <a:r>
+              <a:rPr lang="en-US" baseline="0" dirty="0" smtClean="0"/>
+              <a:t> with </a:t>
+            </a:r>
+            <a:r>
+              <a:rPr lang="en-US" baseline="0" dirty="0" err="1" smtClean="0"/>
+              <a:t>manage.py</a:t>
+            </a:r>
+            <a:r>
+              <a:rPr lang="en-US" baseline="0" dirty="0" smtClean="0"/>
+              <a:t> </a:t>
+            </a:r>
+            <a:r>
+              <a:rPr lang="en-US" baseline="0" dirty="0" err="1" smtClean="0"/>
+              <a:t>syncdb</a:t>
+            </a:r>
+            <a:endParaRPr lang="en-US" baseline="0" dirty="0" smtClean="0"/>
+          </a:p>
+          <a:p>
+            <a:pPr marL="171450" indent="-171450">
+              <a:buFont typeface="Arial"/>
+              <a:buChar char="•"/>
+            </a:pPr>
+            <a:r>
+              <a:rPr lang="en-US" baseline="0" dirty="0" smtClean="0"/>
+              <a:t>Django provides a rich ability to search for objects by calling </a:t>
+            </a:r>
+            <a:r>
+              <a:rPr lang="en-US" baseline="0" dirty="0" err="1" smtClean="0"/>
+              <a:t>Event.objects.filter</a:t>
+            </a:r>
+            <a:r>
+              <a:rPr lang="en-US" baseline="0" dirty="0" smtClean="0"/>
+              <a:t>()</a:t>
+            </a:r>
+          </a:p>
+        </p:txBody>
+      </p:sp>
+      <p:sp>
+        <p:nvSpPr>
+          <p:cNvPr id="4" name="Slide Number Placeholder 3"/>
+          <p:cNvSpPr>
+            <a:spLocks noGrp="1"/>
+          </p:cNvSpPr>
+          <p:nvPr>
+            <p:ph type="sldNum" sz="quarter" idx="10"/>
+          </p:nvPr>
+        </p:nvSpPr>
+        <p:spPr/>
+        <p:txBody>
+          <a:bodyPr/>
+          <a:lstStyle/>
+          <a:p>
+            <a:fld id="{B697064E-5C75-394A-929D-1CE8C5F3027E}" type="slidenum">
+              <a:rPr lang="en-US" smtClean="0"/>
+              <a:t>30</a:t>
+            </a:fld>
+            <a:endParaRPr lang="en-US"/>
+          </a:p>
+        </p:txBody>
+      </p:sp>
+    </p:spTree>
+    <p:extLst>
+      <p:ext uri="{BB962C8B-B14F-4D97-AF65-F5344CB8AC3E}">
+        <p14:creationId xmlns:p14="http://schemas.microsoft.com/office/powerpoint/2010/main" val="3684274790"/>
+      </p:ext>
+    </p:extLst>
+  </p:cSld>
+  <p:clrMapOvr>
+    <a:masterClrMapping/>
+  </p:clrMapOvr>
+</p:notes>
+</file>
+
+<file path=ppt/notesSlides/notesSlide31.xml><?xml version="1.0" encoding="utf-8"?>
+<p:notes xmlns:a="http://schemas.openxmlformats.org/drawingml/2006/main" xmlns:r="http://schemas.openxmlformats.org/officeDocument/2006/relationships" xmlns:p="http://schemas.openxmlformats.org/presentationml/2006/main">
+  <p:cSld>
+    <p:spTree>
+      <p:nvGrpSpPr>
+        <p:cNvPr id="1" name=""/>
+        <p:cNvGrpSpPr/>
+        <p:nvPr/>
+      </p:nvGrpSpPr>
+      <p:grpSpPr>
+        <a:xfrm>
+          <a:off x="0" y="0"/>
+          <a:ext cx="0" cy="0"/>
+          <a:chOff x="0" y="0"/>
+          <a:chExt cx="0" cy="0"/>
+        </a:xfrm>
+      </p:grpSpPr>
+      <p:sp>
+        <p:nvSpPr>
+          <p:cNvPr id="2" name="Slide Image Placeholder 1"/>
+          <p:cNvSpPr>
+            <a:spLocks noGrp="1" noRot="1" noChangeAspect="1"/>
+          </p:cNvSpPr>
+          <p:nvPr>
+            <p:ph type="sldImg"/>
+          </p:nvPr>
+        </p:nvSpPr>
+        <p:spPr/>
+      </p:sp>
+      <p:sp>
+        <p:nvSpPr>
+          <p:cNvPr id="3" name="Notes Placeholder 2"/>
+          <p:cNvSpPr>
+            <a:spLocks noGrp="1"/>
+          </p:cNvSpPr>
+          <p:nvPr>
+            <p:ph type="body" idx="1"/>
+          </p:nvPr>
+        </p:nvSpPr>
+        <p:spPr/>
+        <p:txBody>
+          <a:bodyPr/>
+          <a:lstStyle/>
+          <a:p>
+            <a:pPr marL="171450" indent="-171450">
+              <a:buFont typeface="Arial"/>
+              <a:buChar char="•"/>
+            </a:pPr>
+            <a:r>
+              <a:rPr lang="en-US" baseline="0" dirty="0" smtClean="0"/>
+              <a:t>https://</a:t>
+            </a:r>
+            <a:r>
+              <a:rPr lang="en-US" baseline="0" dirty="0" err="1" smtClean="0"/>
+              <a:t>docs.djangoproject.com</a:t>
+            </a:r>
+            <a:r>
+              <a:rPr lang="en-US" baseline="0" dirty="0" smtClean="0"/>
+              <a:t>/en/</a:t>
+            </a:r>
+            <a:r>
+              <a:rPr lang="en-US" baseline="0" dirty="0" err="1" smtClean="0"/>
+              <a:t>dev</a:t>
+            </a:r>
+            <a:r>
+              <a:rPr lang="en-US" baseline="0" dirty="0" smtClean="0"/>
+              <a:t>/intro/tutorial02/</a:t>
+            </a:r>
+            <a:endParaRPr lang="en-US" baseline="0" dirty="0" smtClean="0"/>
+          </a:p>
+        </p:txBody>
+      </p:sp>
+      <p:sp>
+        <p:nvSpPr>
+          <p:cNvPr id="4" name="Slide Number Placeholder 3"/>
+          <p:cNvSpPr>
+            <a:spLocks noGrp="1"/>
+          </p:cNvSpPr>
+          <p:nvPr>
+            <p:ph type="sldNum" sz="quarter" idx="10"/>
+          </p:nvPr>
+        </p:nvSpPr>
+        <p:spPr/>
+        <p:txBody>
+          <a:bodyPr/>
+          <a:lstStyle/>
+          <a:p>
+            <a:fld id="{B697064E-5C75-394A-929D-1CE8C5F3027E}" type="slidenum">
+              <a:rPr lang="en-US" smtClean="0"/>
+              <a:t>31</a:t>
+            </a:fld>
+            <a:endParaRPr lang="en-US"/>
+          </a:p>
+        </p:txBody>
+      </p:sp>
+    </p:spTree>
+    <p:extLst>
+      <p:ext uri="{BB962C8B-B14F-4D97-AF65-F5344CB8AC3E}">
+        <p14:creationId xmlns:p14="http://schemas.microsoft.com/office/powerpoint/2010/main" val="3684274790"/>
+      </p:ext>
+    </p:extLst>
+  </p:cSld>
+  <p:clrMapOvr>
+    <a:masterClrMapping/>
+  </p:clrMapOvr>
+</p:notes>
+</file>
+
+<file path=ppt/notesSlides/notesSlide32.xml><?xml version="1.0" encoding="utf-8"?>
+<p:notes xmlns:a="http://schemas.openxmlformats.org/drawingml/2006/main" xmlns:r="http://schemas.openxmlformats.org/officeDocument/2006/relationships" xmlns:p="http://schemas.openxmlformats.org/presentationml/2006/main">
+  <p:cSld>
+    <p:spTree>
+      <p:nvGrpSpPr>
+        <p:cNvPr id="1" name=""/>
+        <p:cNvGrpSpPr/>
+        <p:nvPr/>
+      </p:nvGrpSpPr>
+      <p:grpSpPr>
+        <a:xfrm>
+          <a:off x="0" y="0"/>
+          <a:ext cx="0" cy="0"/>
+          <a:chOff x="0" y="0"/>
+          <a:chExt cx="0" cy="0"/>
+        </a:xfrm>
+      </p:grpSpPr>
+      <p:sp>
+        <p:nvSpPr>
+          <p:cNvPr id="2" name="Slide Image Placeholder 1"/>
+          <p:cNvSpPr>
+            <a:spLocks noGrp="1" noRot="1" noChangeAspect="1"/>
+          </p:cNvSpPr>
+          <p:nvPr>
+            <p:ph type="sldImg"/>
+          </p:nvPr>
+        </p:nvSpPr>
+        <p:spPr/>
+      </p:sp>
+      <p:sp>
+        <p:nvSpPr>
+          <p:cNvPr id="3" name="Notes Placeholder 2"/>
+          <p:cNvSpPr>
+            <a:spLocks noGrp="1"/>
+          </p:cNvSpPr>
+          <p:nvPr>
+            <p:ph type="body" idx="1"/>
+          </p:nvPr>
+        </p:nvSpPr>
+        <p:spPr/>
+        <p:txBody>
+          <a:bodyPr/>
+          <a:lstStyle/>
+          <a:p>
+            <a:endParaRPr lang="en-US" dirty="0"/>
+          </a:p>
+        </p:txBody>
+      </p:sp>
+      <p:sp>
+        <p:nvSpPr>
+          <p:cNvPr id="4" name="Slide Number Placeholder 3"/>
+          <p:cNvSpPr>
+            <a:spLocks noGrp="1"/>
+          </p:cNvSpPr>
+          <p:nvPr>
+            <p:ph type="sldNum" sz="quarter" idx="10"/>
+          </p:nvPr>
+        </p:nvSpPr>
+        <p:spPr/>
+        <p:txBody>
+          <a:bodyPr/>
+          <a:lstStyle/>
+          <a:p>
+            <a:fld id="{B697064E-5C75-394A-929D-1CE8C5F3027E}" type="slidenum">
+              <a:rPr lang="en-US" smtClean="0"/>
+              <a:t>32</a:t>
             </a:fld>
             <a:endParaRPr lang="en-US"/>
           </a:p>
@@ -8579,7 +9857,7 @@
               <a:t>Quit the server with CONTROL-</a:t>
             </a:r>
             <a:r>
-              <a:rPr lang="en-US" sz="1600" i="1" dirty="0" err="1" smtClean="0">
+              <a:rPr lang="en-US" sz="1600" i="1" dirty="0" smtClean="0">
                 <a:solidFill>
                   <a:schemeClr val="bg1">
                     <a:lumMod val="75000"/>
@@ -8588,7 +9866,7 @@
                 <a:latin typeface="Consolas"/>
                 <a:cs typeface="Consolas"/>
               </a:rPr>
-              <a:t>C.z</a:t>
+              <a:t>C</a:t>
             </a:r>
             <a:endParaRPr lang="en-US" sz="1600" i="1" dirty="0">
               <a:solidFill>
@@ -8633,7 +9911,7 @@
                 <a:latin typeface="Helvetica Neue"/>
                 <a:cs typeface="Helvetica Neue"/>
               </a:rPr>
-              <a:t>In your terminal type:</a:t>
+              <a:t>In your terminal type, from the website directory:</a:t>
             </a:r>
             <a:endParaRPr lang="en-US" sz="2400" dirty="0" smtClean="0">
               <a:solidFill>
@@ -9025,7 +10303,7 @@
                 <a:latin typeface="Helvetica Neue"/>
                 <a:cs typeface="Helvetica Neue"/>
               </a:rPr>
-              <a:t>Django Project Structure</a:t>
+              <a:t>To start your own project later on:</a:t>
             </a:r>
           </a:p>
         </p:txBody>
@@ -9038,12 +10316,12 @@
         </p:nvSpPr>
         <p:spPr>
           <a:xfrm>
-            <a:off x="1376348" y="1541334"/>
-            <a:ext cx="6391304" cy="1809047"/>
+            <a:off x="1533585" y="1541334"/>
+            <a:ext cx="6896796" cy="623714"/>
           </a:xfrm>
           <a:prstGeom prst="roundRect">
             <a:avLst>
-              <a:gd name="adj" fmla="val 4908"/>
+              <a:gd name="adj" fmla="val 16278"/>
             </a:avLst>
           </a:prstGeom>
           <a:solidFill>
@@ -9072,8 +10350,150 @@
           <a:bodyPr rtlCol="0" anchor="ctr"/>
           <a:lstStyle/>
           <a:p>
-            <a:r>
-              <a:rPr lang="en-US" sz="1600" i="1" dirty="0" smtClean="0">
+            <a:pPr lvl="0"/>
+            <a:r>
+              <a:rPr lang="en-US" dirty="0">
+                <a:solidFill>
+                  <a:prstClr val="white">
+                    <a:lumMod val="50000"/>
+                  </a:prstClr>
+                </a:solidFill>
+                <a:latin typeface="Consolas"/>
+                <a:cs typeface="Consolas"/>
+              </a:rPr>
+              <a:t>&lt;your terminal&gt;$ </a:t>
+            </a:r>
+            <a:r>
+              <a:rPr lang="en-US" dirty="0" err="1" smtClean="0">
+                <a:solidFill>
+                  <a:prstClr val="white">
+                    <a:lumMod val="75000"/>
+                  </a:prstClr>
+                </a:solidFill>
+                <a:latin typeface="Consolas"/>
+                <a:cs typeface="Consolas"/>
+              </a:rPr>
+              <a:t>django-admin.py</a:t>
+            </a:r>
+            <a:r>
+              <a:rPr lang="en-US" dirty="0" smtClean="0">
+                <a:solidFill>
+                  <a:prstClr val="white">
+                    <a:lumMod val="75000"/>
+                  </a:prstClr>
+                </a:solidFill>
+                <a:latin typeface="Consolas"/>
+                <a:cs typeface="Consolas"/>
+              </a:rPr>
+              <a:t> </a:t>
+            </a:r>
+            <a:r>
+              <a:rPr lang="en-US" dirty="0" err="1" smtClean="0">
+                <a:solidFill>
+                  <a:prstClr val="white">
+                    <a:lumMod val="75000"/>
+                  </a:prstClr>
+                </a:solidFill>
+                <a:latin typeface="Consolas"/>
+                <a:cs typeface="Consolas"/>
+              </a:rPr>
+              <a:t>startproject</a:t>
+            </a:r>
+            <a:r>
+              <a:rPr lang="en-US" dirty="0" smtClean="0">
+                <a:solidFill>
+                  <a:prstClr val="white">
+                    <a:lumMod val="75000"/>
+                  </a:prstClr>
+                </a:solidFill>
+                <a:latin typeface="Consolas"/>
+                <a:cs typeface="Consolas"/>
+              </a:rPr>
+              <a:t> &lt;name&gt;</a:t>
+            </a:r>
+          </a:p>
+        </p:txBody>
+      </p:sp>
+      <p:sp>
+        <p:nvSpPr>
+          <p:cNvPr id="9" name="TextBox 8"/>
+          <p:cNvSpPr txBox="1"/>
+          <p:nvPr/>
+        </p:nvSpPr>
+        <p:spPr>
+          <a:xfrm>
+            <a:off x="499999" y="2242856"/>
+            <a:ext cx="8106786" cy="461665"/>
+          </a:xfrm>
+          <a:prstGeom prst="rect">
+            <a:avLst/>
+          </a:prstGeom>
+          <a:noFill/>
+        </p:spPr>
+        <p:txBody>
+          <a:bodyPr wrap="square" rtlCol="0">
+            <a:spAutoFit/>
+          </a:bodyPr>
+          <a:lstStyle/>
+          <a:p>
+            <a:pPr lvl="1"/>
+            <a:r>
+              <a:rPr lang="en-US" sz="2400" dirty="0" smtClean="0">
+                <a:solidFill>
+                  <a:srgbClr val="232323"/>
+                </a:solidFill>
+                <a:latin typeface="Helvetica Neue"/>
+                <a:cs typeface="Helvetica Neue"/>
+              </a:rPr>
+              <a:t>Creates following project structure:</a:t>
+            </a:r>
+          </a:p>
+        </p:txBody>
+      </p:sp>
+      <p:sp>
+        <p:nvSpPr>
+          <p:cNvPr id="10" name="Rounded Rectangle 9"/>
+          <p:cNvSpPr/>
+          <p:nvPr/>
+        </p:nvSpPr>
+        <p:spPr>
+          <a:xfrm>
+            <a:off x="1533585" y="2814261"/>
+            <a:ext cx="6896795" cy="2156882"/>
+          </a:xfrm>
+          <a:prstGeom prst="roundRect">
+            <a:avLst>
+              <a:gd name="adj" fmla="val 4908"/>
+            </a:avLst>
+          </a:prstGeom>
+          <a:solidFill>
+            <a:srgbClr val="232323"/>
+          </a:solidFill>
+          <a:ln>
+            <a:noFill/>
+          </a:ln>
+          <a:effectLst/>
+        </p:spPr>
+        <p:style>
+          <a:lnRef idx="1">
+            <a:schemeClr val="accent1"/>
+          </a:lnRef>
+          <a:fillRef idx="3">
+            <a:schemeClr val="accent1"/>
+          </a:fillRef>
+          <a:effectRef idx="2">
+            <a:schemeClr val="accent1"/>
+          </a:effectRef>
+          <a:fontRef idx="minor">
+            <a:schemeClr val="lt1"/>
+          </a:fontRef>
+        </p:style>
+        <p:txBody>
+          <a:bodyPr rtlCol="0" anchor="ctr"/>
+          <a:lstStyle/>
+          <a:p>
+            <a:r>
+              <a:rPr lang="en-US" sz="1600" dirty="0" smtClean="0">
                 <a:solidFill>
                   <a:schemeClr val="bg1">
                     <a:lumMod val="75000"/>
@@ -9082,12 +10502,12 @@
                 <a:latin typeface="Consolas"/>
                 <a:cs typeface="Consolas"/>
               </a:rPr>
-              <a:t>event/</a:t>
-            </a:r>
-          </a:p>
-          <a:p>
-            <a:r>
-              <a:rPr lang="en-US" sz="1600" i="1" dirty="0" err="1" smtClean="0">
+              <a:t>&lt;name&gt;/</a:t>
+            </a:r>
+          </a:p>
+          <a:p>
+            <a:r>
+              <a:rPr lang="en-US" sz="1600" dirty="0">
                 <a:solidFill>
                   <a:schemeClr val="bg1">
                     <a:lumMod val="75000"/>
@@ -9096,9 +10516,21 @@
                 <a:latin typeface="Consolas"/>
                 <a:cs typeface="Consolas"/>
               </a:rPr>
+              <a:t>	</a:t>
+            </a:r>
+            <a:r>
+              <a:rPr lang="en-US" sz="1600" dirty="0" err="1" smtClean="0">
+                <a:solidFill>
+                  <a:schemeClr val="bg1">
+                    <a:lumMod val="75000"/>
+                  </a:schemeClr>
+                </a:solidFill>
+                <a:latin typeface="Consolas"/>
+                <a:cs typeface="Consolas"/>
+              </a:rPr>
               <a:t>manage.py</a:t>
             </a:r>
-            <a:endParaRPr lang="en-US" sz="1600" i="1" dirty="0" smtClean="0">
+            <a:endParaRPr lang="en-US" sz="1600" dirty="0" smtClean="0">
               <a:solidFill>
                 <a:schemeClr val="bg1">
                   <a:lumMod val="75000"/>
@@ -9110,7 +10542,7 @@
           </a:p>
           <a:p>
             <a:r>
-              <a:rPr lang="en-US" sz="1600" i="1" dirty="0" smtClean="0">
+              <a:rPr lang="en-US" sz="1600" dirty="0" smtClean="0">
                 <a:solidFill>
                   <a:schemeClr val="bg1">
                     <a:lumMod val="75000"/>
@@ -9119,12 +10551,13 @@
                 <a:latin typeface="Consolas"/>
                 <a:cs typeface="Consolas"/>
               </a:rPr>
-              <a:t>rsvp/</a:t>
-            </a:r>
-          </a:p>
-          <a:p>
-            <a:r>
-              <a:rPr lang="en-US" sz="1600" i="1" dirty="0">
+              <a:t>	&lt;name&gt;/</a:t>
+            </a:r>
+          </a:p>
+          <a:p>
+            <a:pPr lvl="1"/>
+            <a:r>
+              <a:rPr lang="en-US" sz="1600" dirty="0">
                 <a:solidFill>
                   <a:schemeClr val="bg1">
                     <a:lumMod val="75000"/>
@@ -9136,7 +10569,7 @@
               <a:t>	</a:t>
             </a:r>
             <a:r>
-              <a:rPr lang="en-US" sz="1600" i="1" dirty="0" smtClean="0">
+              <a:rPr lang="en-US" sz="1600" dirty="0" smtClean="0">
                 <a:solidFill>
                   <a:schemeClr val="bg1">
                     <a:lumMod val="75000"/>
@@ -9148,7 +10581,7 @@
               <a:t>__</a:t>
             </a:r>
             <a:r>
-              <a:rPr lang="en-US" sz="1600" i="1" dirty="0" err="1" smtClean="0">
+              <a:rPr lang="en-US" sz="1600" dirty="0" err="1" smtClean="0">
                 <a:solidFill>
                   <a:schemeClr val="bg1">
                     <a:lumMod val="75000"/>
@@ -9160,7 +10593,7 @@
               <a:t>init</a:t>
             </a:r>
             <a:r>
-              <a:rPr lang="en-US" sz="1600" i="1" dirty="0" smtClean="0">
+              <a:rPr lang="en-US" sz="1600" dirty="0" smtClean="0">
                 <a:solidFill>
                   <a:schemeClr val="bg1">
                     <a:lumMod val="75000"/>
@@ -9172,7 +10605,7 @@
               <a:t>__.</a:t>
             </a:r>
             <a:r>
-              <a:rPr lang="en-US" sz="1600" i="1" dirty="0" err="1" smtClean="0">
+              <a:rPr lang="en-US" sz="1600" dirty="0" err="1" smtClean="0">
                 <a:solidFill>
                   <a:schemeClr val="bg1">
                     <a:lumMod val="75000"/>
@@ -9183,7 +10616,7 @@
               </a:rPr>
               <a:t>py</a:t>
             </a:r>
-            <a:endParaRPr lang="en-US" sz="1600" i="1" dirty="0" smtClean="0">
+            <a:endParaRPr lang="en-US" sz="1600" dirty="0" smtClean="0">
               <a:solidFill>
                 <a:schemeClr val="bg1">
                   <a:lumMod val="75000"/>
@@ -9194,8 +10627,9 @@
             </a:endParaRPr>
           </a:p>
           <a:p>
-            <a:r>
-              <a:rPr lang="en-US" sz="1600" i="1" dirty="0">
+            <a:pPr lvl="1"/>
+            <a:r>
+              <a:rPr lang="en-US" sz="1600" dirty="0">
                 <a:solidFill>
                   <a:schemeClr val="bg1">
                     <a:lumMod val="75000"/>
@@ -9207,7 +10641,7 @@
               <a:t>	</a:t>
             </a:r>
             <a:r>
-              <a:rPr lang="en-US" sz="1600" i="1" dirty="0" err="1" smtClean="0">
+              <a:rPr lang="en-US" sz="1600" dirty="0" err="1" smtClean="0">
                 <a:solidFill>
                   <a:schemeClr val="bg1">
                     <a:lumMod val="75000"/>
@@ -9218,7 +10652,7 @@
               </a:rPr>
               <a:t>settings.py</a:t>
             </a:r>
-            <a:endParaRPr lang="en-US" sz="1600" i="1" dirty="0" smtClean="0">
+            <a:endParaRPr lang="en-US" sz="1600" dirty="0" smtClean="0">
               <a:solidFill>
                 <a:schemeClr val="bg1">
                   <a:lumMod val="75000"/>
@@ -9229,8 +10663,9 @@
             </a:endParaRPr>
           </a:p>
           <a:p>
-            <a:r>
-              <a:rPr lang="en-US" sz="1600" i="1" dirty="0">
+            <a:pPr lvl="1"/>
+            <a:r>
+              <a:rPr lang="en-US" sz="1600" dirty="0">
                 <a:solidFill>
                   <a:schemeClr val="bg1">
                     <a:lumMod val="75000"/>
@@ -9242,7 +10677,7 @@
               <a:t>	</a:t>
             </a:r>
             <a:r>
-              <a:rPr lang="en-US" sz="1600" i="1" dirty="0" err="1" smtClean="0">
+              <a:rPr lang="en-US" sz="1600" dirty="0" err="1" smtClean="0">
                 <a:solidFill>
                   <a:schemeClr val="bg1">
                     <a:lumMod val="75000"/>
@@ -9253,7 +10688,7 @@
               </a:rPr>
               <a:t>urls.py</a:t>
             </a:r>
-            <a:endParaRPr lang="en-US" sz="1600" i="1" dirty="0" smtClean="0">
+            <a:endParaRPr lang="en-US" sz="1600" dirty="0" smtClean="0">
               <a:solidFill>
                 <a:schemeClr val="bg1">
                   <a:lumMod val="75000"/>
@@ -9264,8 +10699,9 @@
             </a:endParaRPr>
           </a:p>
           <a:p>
-            <a:r>
-              <a:rPr lang="en-US" sz="1600" i="1" dirty="0">
+            <a:pPr lvl="1"/>
+            <a:r>
+              <a:rPr lang="en-US" sz="1600" dirty="0">
                 <a:solidFill>
                   <a:schemeClr val="bg1">
                     <a:lumMod val="75000"/>
@@ -9277,7 +10713,7 @@
               <a:t>	</a:t>
             </a:r>
             <a:r>
-              <a:rPr lang="en-US" sz="1600" i="1" dirty="0" err="1" smtClean="0">
+              <a:rPr lang="en-US" sz="1600" dirty="0" err="1" smtClean="0">
                 <a:solidFill>
                   <a:schemeClr val="bg1">
                     <a:lumMod val="75000"/>
@@ -9286,9 +10722,9 @@
                 <a:latin typeface="Consolas"/>
                 <a:cs typeface="Consolas"/>
               </a:rPr>
-              <a:t>wsgi.py</a:t>
-            </a:r>
-            <a:endParaRPr lang="en-US" sz="1600" i="1" dirty="0">
+              <a:t>wsgi.pyls</a:t>
+            </a:r>
+            <a:endParaRPr lang="en-US" sz="1600" dirty="0" smtClean="0">
               <a:solidFill>
                 <a:schemeClr val="bg1">
                   <a:lumMod val="75000"/>
@@ -9854,7 +11290,7 @@
         </p:nvSpPr>
         <p:spPr>
           <a:xfrm>
-            <a:off x="-1" y="756006"/>
+            <a:off x="0" y="756006"/>
             <a:ext cx="9144000" cy="6101994"/>
           </a:xfrm>
           <a:prstGeom prst="roundRect">
@@ -9927,14 +11363,14 @@
       </p:sp>
       <p:sp>
         <p:nvSpPr>
-          <p:cNvPr id="15" name="TextBox 14"/>
+          <p:cNvPr id="8" name="TextBox 7"/>
           <p:cNvSpPr txBox="1"/>
           <p:nvPr/>
         </p:nvSpPr>
         <p:spPr>
           <a:xfrm>
-            <a:off x="499999" y="994118"/>
-            <a:ext cx="8106786" cy="3170099"/>
+            <a:off x="499999" y="1381158"/>
+            <a:ext cx="8106786" cy="461665"/>
           </a:xfrm>
           <a:prstGeom prst="rect">
             <a:avLst/>
@@ -9949,92 +11385,858 @@
           <a:p>
             <a:pPr lvl="1"/>
             <a:r>
-              <a:rPr lang="en-US" sz="3200" dirty="0" smtClean="0">
+              <a:rPr lang="en-US" sz="2400" dirty="0" smtClean="0">
                 <a:solidFill>
                   <a:srgbClr val="232323"/>
                 </a:solidFill>
                 <a:latin typeface="Helvetica Neue"/>
                 <a:cs typeface="Helvetica Neue"/>
               </a:rPr>
-              <a:t>What next?</a:t>
-            </a:r>
-          </a:p>
-          <a:p>
-            <a:pPr marL="1257300" lvl="2" indent="-342900">
-              <a:buFont typeface="Arial"/>
-              <a:buChar char="•"/>
-            </a:pPr>
+              <a:t>Our Django project:</a:t>
+            </a:r>
+          </a:p>
+        </p:txBody>
+      </p:sp>
+      <p:sp>
+        <p:nvSpPr>
+          <p:cNvPr id="7" name="Rounded Rectangle 6"/>
+          <p:cNvSpPr/>
+          <p:nvPr/>
+        </p:nvSpPr>
+        <p:spPr>
+          <a:xfrm>
+            <a:off x="1376348" y="1988848"/>
+            <a:ext cx="6391304" cy="3974104"/>
+          </a:xfrm>
+          <a:prstGeom prst="roundRect">
+            <a:avLst>
+              <a:gd name="adj" fmla="val 4908"/>
+            </a:avLst>
+          </a:prstGeom>
+          <a:solidFill>
+            <a:srgbClr val="232323"/>
+          </a:solidFill>
+          <a:ln>
+            <a:noFill/>
+          </a:ln>
+          <a:effectLst/>
+        </p:spPr>
+        <p:style>
+          <a:lnRef idx="1">
+            <a:schemeClr val="accent1"/>
+          </a:lnRef>
+          <a:fillRef idx="3">
+            <a:schemeClr val="accent1"/>
+          </a:fillRef>
+          <a:effectRef idx="2">
+            <a:schemeClr val="accent1"/>
+          </a:effectRef>
+          <a:fontRef idx="minor">
+            <a:schemeClr val="lt1"/>
+          </a:fontRef>
+        </p:style>
+        <p:txBody>
+          <a:bodyPr rtlCol="0" anchor="ctr"/>
+          <a:lstStyle/>
+          <a:p>
+            <a:r>
+              <a:rPr lang="en-US" dirty="0" smtClean="0">
+                <a:solidFill>
+                  <a:schemeClr val="bg1">
+                    <a:lumMod val="75000"/>
+                  </a:schemeClr>
+                </a:solidFill>
+                <a:latin typeface="Consolas"/>
+                <a:cs typeface="Consolas"/>
+              </a:rPr>
+              <a:t>event/ &lt;- developer added app</a:t>
+            </a:r>
+          </a:p>
+          <a:p>
+            <a:r>
+              <a:rPr lang="en-US" dirty="0" smtClean="0">
+                <a:solidFill>
+                  <a:schemeClr val="bg1">
+                    <a:lumMod val="75000"/>
+                  </a:schemeClr>
+                </a:solidFill>
+                <a:latin typeface="Consolas"/>
+                <a:cs typeface="Consolas"/>
+              </a:rPr>
+              <a:t>	__</a:t>
+            </a:r>
+            <a:r>
+              <a:rPr lang="en-US" dirty="0" err="1" smtClean="0">
+                <a:solidFill>
+                  <a:schemeClr val="bg1">
+                    <a:lumMod val="75000"/>
+                  </a:schemeClr>
+                </a:solidFill>
+                <a:latin typeface="Consolas"/>
+                <a:cs typeface="Consolas"/>
+              </a:rPr>
+              <a:t>init</a:t>
+            </a:r>
+            <a:r>
+              <a:rPr lang="en-US" dirty="0" smtClean="0">
+                <a:solidFill>
+                  <a:schemeClr val="bg1">
+                    <a:lumMod val="75000"/>
+                  </a:schemeClr>
+                </a:solidFill>
+                <a:latin typeface="Consolas"/>
+                <a:cs typeface="Consolas"/>
+              </a:rPr>
+              <a:t>__.</a:t>
+            </a:r>
+            <a:r>
+              <a:rPr lang="en-US" dirty="0" err="1" smtClean="0">
+                <a:solidFill>
+                  <a:schemeClr val="bg1">
+                    <a:lumMod val="75000"/>
+                  </a:schemeClr>
+                </a:solidFill>
+                <a:latin typeface="Consolas"/>
+                <a:cs typeface="Consolas"/>
+              </a:rPr>
+              <a:t>py</a:t>
+            </a:r>
+            <a:endParaRPr lang="en-US" dirty="0" smtClean="0">
+              <a:solidFill>
+                <a:schemeClr val="bg1">
+                  <a:lumMod val="75000"/>
+                </a:schemeClr>
+              </a:solidFill>
+              <a:latin typeface="Consolas"/>
+              <a:cs typeface="Consolas"/>
+            </a:endParaRPr>
+          </a:p>
+          <a:p>
+            <a:r>
+              <a:rPr lang="en-US" dirty="0">
+                <a:solidFill>
+                  <a:schemeClr val="bg1">
+                    <a:lumMod val="75000"/>
+                  </a:schemeClr>
+                </a:solidFill>
+                <a:latin typeface="Consolas"/>
+                <a:cs typeface="Consolas"/>
+              </a:rPr>
+              <a:t>	</a:t>
+            </a:r>
+            <a:r>
+              <a:rPr lang="en-US" dirty="0" err="1" smtClean="0">
+                <a:solidFill>
+                  <a:schemeClr val="bg1">
+                    <a:lumMod val="75000"/>
+                  </a:schemeClr>
+                </a:solidFill>
+                <a:latin typeface="Consolas"/>
+                <a:cs typeface="Consolas"/>
+              </a:rPr>
+              <a:t>models.py</a:t>
+            </a:r>
+            <a:endParaRPr lang="en-US" dirty="0" smtClean="0">
+              <a:solidFill>
+                <a:schemeClr val="bg1">
+                  <a:lumMod val="75000"/>
+                </a:schemeClr>
+              </a:solidFill>
+              <a:latin typeface="Consolas"/>
+              <a:cs typeface="Consolas"/>
+            </a:endParaRPr>
+          </a:p>
+          <a:p>
+            <a:r>
+              <a:rPr lang="en-US" dirty="0">
+                <a:solidFill>
+                  <a:schemeClr val="bg1">
+                    <a:lumMod val="75000"/>
+                  </a:schemeClr>
+                </a:solidFill>
+                <a:latin typeface="Consolas"/>
+                <a:cs typeface="Consolas"/>
+              </a:rPr>
+              <a:t>	</a:t>
+            </a:r>
+            <a:r>
+              <a:rPr lang="en-US" dirty="0" err="1" smtClean="0">
+                <a:solidFill>
+                  <a:schemeClr val="bg1">
+                    <a:lumMod val="75000"/>
+                  </a:schemeClr>
+                </a:solidFill>
+                <a:latin typeface="Consolas"/>
+                <a:cs typeface="Consolas"/>
+              </a:rPr>
+              <a:t>test.py</a:t>
+            </a:r>
+            <a:endParaRPr lang="en-US" dirty="0" smtClean="0">
+              <a:solidFill>
+                <a:schemeClr val="bg1">
+                  <a:lumMod val="75000"/>
+                </a:schemeClr>
+              </a:solidFill>
+              <a:latin typeface="Consolas"/>
+              <a:cs typeface="Consolas"/>
+            </a:endParaRPr>
+          </a:p>
+          <a:p>
+            <a:r>
+              <a:rPr lang="en-US" dirty="0">
+                <a:solidFill>
+                  <a:schemeClr val="bg1">
+                    <a:lumMod val="75000"/>
+                  </a:schemeClr>
+                </a:solidFill>
+                <a:latin typeface="Consolas"/>
+                <a:cs typeface="Consolas"/>
+              </a:rPr>
+              <a:t>	</a:t>
+            </a:r>
+            <a:r>
+              <a:rPr lang="en-US" dirty="0" err="1" smtClean="0">
+                <a:solidFill>
+                  <a:schemeClr val="bg1">
+                    <a:lumMod val="75000"/>
+                  </a:schemeClr>
+                </a:solidFill>
+                <a:latin typeface="Consolas"/>
+                <a:cs typeface="Consolas"/>
+              </a:rPr>
+              <a:t>views.py</a:t>
+            </a:r>
+            <a:endParaRPr lang="en-US" dirty="0" smtClean="0">
+              <a:solidFill>
+                <a:schemeClr val="bg1">
+                  <a:lumMod val="75000"/>
+                </a:schemeClr>
+              </a:solidFill>
+              <a:latin typeface="Consolas"/>
+              <a:cs typeface="Consolas"/>
+            </a:endParaRPr>
+          </a:p>
+          <a:p>
+            <a:r>
+              <a:rPr lang="en-US" dirty="0" err="1" smtClean="0">
+                <a:solidFill>
+                  <a:schemeClr val="bg1">
+                    <a:lumMod val="75000"/>
+                  </a:schemeClr>
+                </a:solidFill>
+                <a:latin typeface="Consolas"/>
+                <a:cs typeface="Consolas"/>
+              </a:rPr>
+              <a:t>manage.py</a:t>
+            </a:r>
+            <a:endParaRPr lang="en-US" dirty="0" smtClean="0">
+              <a:solidFill>
+                <a:schemeClr val="bg1">
+                  <a:lumMod val="75000"/>
+                </a:schemeClr>
+              </a:solidFill>
+              <a:latin typeface="Consolas"/>
+              <a:cs typeface="Consolas"/>
+            </a:endParaRPr>
+          </a:p>
+          <a:p>
+            <a:r>
+              <a:rPr lang="en-US" dirty="0" smtClean="0">
+                <a:solidFill>
+                  <a:schemeClr val="bg1">
+                    <a:lumMod val="75000"/>
+                  </a:schemeClr>
+                </a:solidFill>
+                <a:latin typeface="Consolas"/>
+                <a:cs typeface="Consolas"/>
+              </a:rPr>
+              <a:t>rsvp/</a:t>
+            </a:r>
+          </a:p>
+          <a:p>
+            <a:r>
+              <a:rPr lang="en-US" dirty="0">
+                <a:solidFill>
+                  <a:schemeClr val="bg1">
+                    <a:lumMod val="75000"/>
+                  </a:schemeClr>
+                </a:solidFill>
+                <a:latin typeface="Consolas"/>
+                <a:cs typeface="Consolas"/>
+              </a:rPr>
+              <a:t>	</a:t>
+            </a:r>
+            <a:r>
+              <a:rPr lang="en-US" dirty="0" smtClean="0">
+                <a:solidFill>
+                  <a:schemeClr val="bg1">
+                    <a:lumMod val="75000"/>
+                  </a:schemeClr>
+                </a:solidFill>
+                <a:latin typeface="Consolas"/>
+                <a:cs typeface="Consolas"/>
+              </a:rPr>
+              <a:t>__</a:t>
+            </a:r>
+            <a:r>
+              <a:rPr lang="en-US" dirty="0" err="1" smtClean="0">
+                <a:solidFill>
+                  <a:schemeClr val="bg1">
+                    <a:lumMod val="75000"/>
+                  </a:schemeClr>
+                </a:solidFill>
+                <a:latin typeface="Consolas"/>
+                <a:cs typeface="Consolas"/>
+              </a:rPr>
+              <a:t>init</a:t>
+            </a:r>
+            <a:r>
+              <a:rPr lang="en-US" dirty="0" smtClean="0">
+                <a:solidFill>
+                  <a:schemeClr val="bg1">
+                    <a:lumMod val="75000"/>
+                  </a:schemeClr>
+                </a:solidFill>
+                <a:latin typeface="Consolas"/>
+                <a:cs typeface="Consolas"/>
+              </a:rPr>
+              <a:t>__.</a:t>
+            </a:r>
+            <a:r>
+              <a:rPr lang="en-US" dirty="0" err="1" smtClean="0">
+                <a:solidFill>
+                  <a:schemeClr val="bg1">
+                    <a:lumMod val="75000"/>
+                  </a:schemeClr>
+                </a:solidFill>
+                <a:latin typeface="Consolas"/>
+                <a:cs typeface="Consolas"/>
+              </a:rPr>
+              <a:t>py</a:t>
+            </a:r>
+            <a:endParaRPr lang="en-US" dirty="0" smtClean="0">
+              <a:solidFill>
+                <a:schemeClr val="bg1">
+                  <a:lumMod val="75000"/>
+                </a:schemeClr>
+              </a:solidFill>
+              <a:latin typeface="Consolas"/>
+              <a:cs typeface="Consolas"/>
+            </a:endParaRPr>
+          </a:p>
+          <a:p>
+            <a:r>
+              <a:rPr lang="en-US" dirty="0">
+                <a:solidFill>
+                  <a:schemeClr val="bg1">
+                    <a:lumMod val="75000"/>
+                  </a:schemeClr>
+                </a:solidFill>
+                <a:latin typeface="Consolas"/>
+                <a:cs typeface="Consolas"/>
+              </a:rPr>
+              <a:t>	</a:t>
+            </a:r>
+            <a:r>
+              <a:rPr lang="en-US" dirty="0" err="1" smtClean="0">
+                <a:solidFill>
+                  <a:schemeClr val="bg1">
+                    <a:lumMod val="75000"/>
+                  </a:schemeClr>
+                </a:solidFill>
+                <a:latin typeface="Consolas"/>
+                <a:cs typeface="Consolas"/>
+              </a:rPr>
+              <a:t>settings.py</a:t>
+            </a:r>
+            <a:endParaRPr lang="en-US" dirty="0" smtClean="0">
+              <a:solidFill>
+                <a:schemeClr val="bg1">
+                  <a:lumMod val="75000"/>
+                </a:schemeClr>
+              </a:solidFill>
+              <a:latin typeface="Consolas"/>
+              <a:cs typeface="Consolas"/>
+            </a:endParaRPr>
+          </a:p>
+          <a:p>
+            <a:r>
+              <a:rPr lang="en-US" dirty="0">
+                <a:solidFill>
+                  <a:schemeClr val="bg1">
+                    <a:lumMod val="75000"/>
+                  </a:schemeClr>
+                </a:solidFill>
+                <a:latin typeface="Consolas"/>
+                <a:cs typeface="Consolas"/>
+              </a:rPr>
+              <a:t>	</a:t>
+            </a:r>
+            <a:r>
+              <a:rPr lang="en-US" dirty="0" smtClean="0">
+                <a:solidFill>
+                  <a:schemeClr val="bg1">
+                    <a:lumMod val="75000"/>
+                  </a:schemeClr>
+                </a:solidFill>
+                <a:latin typeface="Consolas"/>
+                <a:cs typeface="Consolas"/>
+              </a:rPr>
+              <a:t>static/ &lt;- developer added</a:t>
+            </a:r>
+          </a:p>
+          <a:p>
+            <a:r>
+              <a:rPr lang="en-US" dirty="0">
+                <a:solidFill>
+                  <a:schemeClr val="bg1">
+                    <a:lumMod val="75000"/>
+                  </a:schemeClr>
+                </a:solidFill>
+                <a:latin typeface="Consolas"/>
+                <a:cs typeface="Consolas"/>
+              </a:rPr>
+              <a:t>	</a:t>
+            </a:r>
+            <a:r>
+              <a:rPr lang="en-US" dirty="0" smtClean="0">
+                <a:solidFill>
+                  <a:schemeClr val="bg1">
+                    <a:lumMod val="75000"/>
+                  </a:schemeClr>
+                </a:solidFill>
+                <a:latin typeface="Consolas"/>
+                <a:cs typeface="Consolas"/>
+              </a:rPr>
+              <a:t>templates/ &lt;- developer added</a:t>
+            </a:r>
+          </a:p>
+          <a:p>
+            <a:r>
+              <a:rPr lang="en-US" dirty="0">
+                <a:solidFill>
+                  <a:schemeClr val="bg1">
+                    <a:lumMod val="75000"/>
+                  </a:schemeClr>
+                </a:solidFill>
+                <a:latin typeface="Consolas"/>
+                <a:cs typeface="Consolas"/>
+              </a:rPr>
+              <a:t>	</a:t>
+            </a:r>
+            <a:r>
+              <a:rPr lang="en-US" dirty="0" err="1" smtClean="0">
+                <a:solidFill>
+                  <a:schemeClr val="bg1">
+                    <a:lumMod val="75000"/>
+                  </a:schemeClr>
+                </a:solidFill>
+                <a:latin typeface="Consolas"/>
+                <a:cs typeface="Consolas"/>
+              </a:rPr>
+              <a:t>urls.py</a:t>
+            </a:r>
+            <a:endParaRPr lang="en-US" dirty="0" smtClean="0">
+              <a:solidFill>
+                <a:schemeClr val="bg1">
+                  <a:lumMod val="75000"/>
+                </a:schemeClr>
+              </a:solidFill>
+              <a:latin typeface="Consolas"/>
+              <a:cs typeface="Consolas"/>
+            </a:endParaRPr>
+          </a:p>
+          <a:p>
+            <a:r>
+              <a:rPr lang="en-US" dirty="0">
+                <a:solidFill>
+                  <a:schemeClr val="bg1">
+                    <a:lumMod val="75000"/>
+                  </a:schemeClr>
+                </a:solidFill>
+                <a:latin typeface="Consolas"/>
+                <a:cs typeface="Consolas"/>
+              </a:rPr>
+              <a:t>	</a:t>
+            </a:r>
+            <a:r>
+              <a:rPr lang="en-US" dirty="0" err="1" smtClean="0">
+                <a:solidFill>
+                  <a:schemeClr val="bg1">
+                    <a:lumMod val="75000"/>
+                  </a:schemeClr>
+                </a:solidFill>
+                <a:latin typeface="Consolas"/>
+                <a:cs typeface="Consolas"/>
+              </a:rPr>
+              <a:t>wsgi.pyls</a:t>
+            </a:r>
+            <a:endParaRPr lang="en-US" dirty="0" smtClean="0">
+              <a:solidFill>
+                <a:schemeClr val="bg1">
+                  <a:lumMod val="75000"/>
+                </a:schemeClr>
+              </a:solidFill>
+              <a:latin typeface="Consolas"/>
+              <a:cs typeface="Consolas"/>
+            </a:endParaRPr>
+          </a:p>
+        </p:txBody>
+      </p:sp>
+    </p:spTree>
+    <p:extLst>
+      <p:ext uri="{BB962C8B-B14F-4D97-AF65-F5344CB8AC3E}">
+        <p14:creationId xmlns:p14="http://schemas.microsoft.com/office/powerpoint/2010/main" val="1380936217"/>
+      </p:ext>
+    </p:extLst>
+  </p:cSld>
+  <p:clrMapOvr>
+    <a:masterClrMapping/>
+  </p:clrMapOvr>
+  <mc:AlternateContent xmlns:mc="http://schemas.openxmlformats.org/markup-compatibility/2006" xmlns:p14="http://schemas.microsoft.com/office/powerpoint/2010/main">
+    <mc:Choice Requires="p14">
+      <p:transition spd="slow" p14:dur="2000"/>
+    </mc:Choice>
+    <mc:Fallback xmlns="">
+      <p:transition xmlns:p14="http://schemas.microsoft.com/office/powerpoint/2010/main" spd="slow"/>
+    </mc:Fallback>
+  </mc:AlternateContent>
+  <p:timing>
+    <p:tnLst>
+      <p:par>
+        <p:cTn xmlns:p14="http://schemas.microsoft.com/office/powerpoint/2010/main" id="1" dur="indefinite" restart="never" nodeType="tmRoot"/>
+      </p:par>
+    </p:tnLst>
+  </p:timing>
+</p:sld>
+</file>
+
+<file path=ppt/slides/slide21.xml><?xml version="1.0" encoding="utf-8"?>
+<p:sld xmlns:a="http://schemas.openxmlformats.org/drawingml/2006/main" xmlns:r="http://schemas.openxmlformats.org/officeDocument/2006/relationships" xmlns:p="http://schemas.openxmlformats.org/presentationml/2006/main">
+  <p:cSld>
+    <p:bg>
+      <p:bgPr>
+        <a:gradFill flip="none" rotWithShape="1">
+          <a:gsLst>
+            <a:gs pos="94000">
+              <a:srgbClr val="232323"/>
+            </a:gs>
+            <a:gs pos="1000">
+              <a:srgbClr val="7B7B7B"/>
+            </a:gs>
+          </a:gsLst>
+          <a:path path="circle">
+            <a:fillToRect r="100000" b="100000"/>
+          </a:path>
+          <a:tileRect l="-100000" t="-100000"/>
+        </a:gradFill>
+        <a:effectLst/>
+      </p:bgPr>
+    </p:bg>
+    <p:spTree>
+      <p:nvGrpSpPr>
+        <p:cNvPr id="1" name=""/>
+        <p:cNvGrpSpPr/>
+        <p:nvPr/>
+      </p:nvGrpSpPr>
+      <p:grpSpPr>
+        <a:xfrm>
+          <a:off x="0" y="0"/>
+          <a:ext cx="0" cy="0"/>
+          <a:chOff x="0" y="0"/>
+          <a:chExt cx="0" cy="0"/>
+        </a:xfrm>
+      </p:grpSpPr>
+      <p:sp>
+        <p:nvSpPr>
+          <p:cNvPr id="2" name="Title 1"/>
+          <p:cNvSpPr>
+            <a:spLocks noGrp="1"/>
+          </p:cNvSpPr>
+          <p:nvPr>
+            <p:ph type="ctrTitle"/>
+          </p:nvPr>
+        </p:nvSpPr>
+        <p:spPr>
+          <a:xfrm>
+            <a:off x="499999" y="22679"/>
+            <a:ext cx="8644000" cy="703095"/>
+          </a:xfrm>
+        </p:spPr>
+        <p:txBody>
+          <a:bodyPr>
+            <a:normAutofit/>
+          </a:bodyPr>
+          <a:lstStyle/>
+          <a:p>
+            <a:pPr algn="l"/>
             <a:r>
               <a:rPr lang="en-US" sz="2400" dirty="0" smtClean="0">
                 <a:solidFill>
-                  <a:srgbClr val="232323"/>
+                  <a:schemeClr val="bg1"/>
                 </a:solidFill>
                 <a:latin typeface="Helvetica Neue"/>
                 <a:cs typeface="Helvetica Neue"/>
               </a:rPr>
-              <a:t>work on personal projects</a:t>
-            </a:r>
-          </a:p>
-          <a:p>
-            <a:pPr marL="1257300" lvl="2" indent="-342900">
-              <a:buFont typeface="Arial"/>
-              <a:buChar char="•"/>
-            </a:pPr>
-            <a:r>
-              <a:rPr lang="en-US" sz="2400" dirty="0" smtClean="0">
-                <a:solidFill>
-                  <a:srgbClr val="232323"/>
-                </a:solidFill>
-                <a:latin typeface="Helvetica Neue"/>
-                <a:cs typeface="Helvetica Neue"/>
-              </a:rPr>
-              <a:t>learn algorithms (CLRS)</a:t>
-            </a:r>
-          </a:p>
-          <a:p>
-            <a:pPr marL="1714500" lvl="3" indent="-342900">
-              <a:buFont typeface="Arial"/>
-              <a:buChar char="•"/>
-            </a:pPr>
-            <a:r>
-              <a:rPr lang="en-US" sz="2400" dirty="0" smtClean="0">
-                <a:solidFill>
-                  <a:srgbClr val="232323"/>
-                </a:solidFill>
-                <a:latin typeface="Helvetica Neue"/>
-                <a:cs typeface="Helvetica Neue"/>
-              </a:rPr>
-              <a:t>performance and memory management</a:t>
-            </a:r>
-          </a:p>
-          <a:p>
-            <a:pPr marL="1257300" lvl="2" indent="-342900">
-              <a:buFont typeface="Arial"/>
-              <a:buChar char="•"/>
-            </a:pPr>
-            <a:r>
-              <a:rPr lang="en-US" sz="2400" dirty="0" smtClean="0">
-                <a:solidFill>
-                  <a:srgbClr val="232323"/>
-                </a:solidFill>
-                <a:latin typeface="Helvetica Neue"/>
-                <a:cs typeface="Helvetica Neue"/>
-              </a:rPr>
-              <a:t>grab a Python book</a:t>
-            </a:r>
-            <a:endParaRPr lang="en-US" sz="2400" dirty="0">
+              <a:t>SIPB: Django Web Programming, IAP 2013</a:t>
+            </a:r>
+            <a:endParaRPr lang="en-US" sz="3600" dirty="0">
               <a:solidFill>
-                <a:srgbClr val="232323"/>
+                <a:schemeClr val="bg1"/>
               </a:solidFill>
               <a:latin typeface="Helvetica Neue"/>
               <a:cs typeface="Helvetica Neue"/>
             </a:endParaRPr>
           </a:p>
-          <a:p>
-            <a:pPr marL="1257300" lvl="2" indent="-342900">
-              <a:buFont typeface="Arial"/>
-              <a:buChar char="•"/>
-            </a:pPr>
+        </p:txBody>
+      </p:sp>
+      <p:pic>
+        <p:nvPicPr>
+          <p:cNvPr id="17" name="Picture 16" descr="grumpy fuzzball.png"/>
+          <p:cNvPicPr>
+            <a:picLocks noChangeAspect="1"/>
+          </p:cNvPicPr>
+          <p:nvPr/>
+        </p:nvPicPr>
+        <p:blipFill>
+          <a:blip r:embed="rId3">
+            <a:extLst>
+              <a:ext uri="{28A0092B-C50C-407E-A947-70E740481C1C}">
+                <a14:useLocalDpi xmlns:a14="http://schemas.microsoft.com/office/drawing/2010/main" val="0"/>
+              </a:ext>
+            </a:extLst>
+          </a:blip>
+          <a:stretch>
+            <a:fillRect/>
+          </a:stretch>
+        </p:blipFill>
+        <p:spPr>
+          <a:xfrm>
+            <a:off x="148838" y="125201"/>
+            <a:ext cx="351161" cy="619465"/>
+          </a:xfrm>
+          <a:prstGeom prst="rect">
+            <a:avLst/>
+          </a:prstGeom>
+        </p:spPr>
+      </p:pic>
+      <p:sp>
+        <p:nvSpPr>
+          <p:cNvPr id="3" name="Rounded Rectangle 2"/>
+          <p:cNvSpPr/>
+          <p:nvPr/>
+        </p:nvSpPr>
+        <p:spPr>
+          <a:xfrm>
+            <a:off x="-1" y="756006"/>
+            <a:ext cx="9144000" cy="6101994"/>
+          </a:xfrm>
+          <a:prstGeom prst="roundRect">
+            <a:avLst>
+              <a:gd name="adj" fmla="val 0"/>
+            </a:avLst>
+          </a:prstGeom>
+          <a:solidFill>
+            <a:schemeClr val="bg1">
+              <a:alpha val="76000"/>
+            </a:schemeClr>
+          </a:solidFill>
+          <a:ln>
+            <a:noFill/>
+          </a:ln>
+          <a:effectLst/>
+        </p:spPr>
+        <p:style>
+          <a:lnRef idx="1">
+            <a:schemeClr val="accent1"/>
+          </a:lnRef>
+          <a:fillRef idx="3">
+            <a:schemeClr val="accent1"/>
+          </a:fillRef>
+          <a:effectRef idx="2">
+            <a:schemeClr val="accent1"/>
+          </a:effectRef>
+          <a:fontRef idx="minor">
+            <a:schemeClr val="lt1"/>
+          </a:fontRef>
+        </p:style>
+        <p:txBody>
+          <a:bodyPr rtlCol="0" anchor="ctr"/>
+          <a:lstStyle/>
+          <a:p>
+            <a:endParaRPr lang="en-US" dirty="0">
+              <a:solidFill>
+                <a:schemeClr val="bg1">
+                  <a:lumMod val="75000"/>
+                </a:schemeClr>
+              </a:solidFill>
+              <a:latin typeface="Consolas"/>
+              <a:cs typeface="Consolas"/>
+            </a:endParaRPr>
+          </a:p>
+        </p:txBody>
+      </p:sp>
+      <p:sp>
+        <p:nvSpPr>
+          <p:cNvPr id="14" name="Rounded Rectangle 13"/>
+          <p:cNvSpPr/>
+          <p:nvPr/>
+        </p:nvSpPr>
+        <p:spPr>
+          <a:xfrm>
+            <a:off x="1376348" y="1541334"/>
+            <a:ext cx="6872604" cy="575333"/>
+          </a:xfrm>
+          <a:prstGeom prst="roundRect">
+            <a:avLst>
+              <a:gd name="adj" fmla="val 17522"/>
+            </a:avLst>
+          </a:prstGeom>
+          <a:solidFill>
+            <a:srgbClr val="232323"/>
+          </a:solidFill>
+          <a:ln>
+            <a:noFill/>
+          </a:ln>
+          <a:effectLst/>
+        </p:spPr>
+        <p:style>
+          <a:lnRef idx="1">
+            <a:schemeClr val="accent1"/>
+          </a:lnRef>
+          <a:fillRef idx="3">
+            <a:schemeClr val="accent1"/>
+          </a:fillRef>
+          <a:effectRef idx="2">
+            <a:schemeClr val="accent1"/>
+          </a:effectRef>
+          <a:fontRef idx="minor">
+            <a:schemeClr val="lt1"/>
+          </a:fontRef>
+        </p:style>
+        <p:txBody>
+          <a:bodyPr rtlCol="0" anchor="ctr"/>
+          <a:lstStyle/>
+          <a:p>
+            <a:r>
+              <a:rPr lang="en-US" dirty="0" smtClean="0">
+                <a:solidFill>
+                  <a:schemeClr val="bg1">
+                    <a:lumMod val="50000"/>
+                  </a:schemeClr>
+                </a:solidFill>
+                <a:latin typeface="Consolas"/>
+                <a:cs typeface="Consolas"/>
+              </a:rPr>
+              <a:t>&lt;your terminal&gt;</a:t>
+            </a:r>
+            <a:r>
+              <a:rPr lang="en-US" dirty="0" smtClean="0">
+                <a:solidFill>
+                  <a:schemeClr val="bg1">
+                    <a:lumMod val="50000"/>
+                  </a:schemeClr>
+                </a:solidFill>
+                <a:latin typeface="Consolas"/>
+                <a:cs typeface="Consolas"/>
+              </a:rPr>
+              <a:t>$ </a:t>
+            </a:r>
+            <a:r>
+              <a:rPr lang="en-US" dirty="0" smtClean="0">
+                <a:solidFill>
+                  <a:schemeClr val="bg1">
+                    <a:lumMod val="75000"/>
+                  </a:schemeClr>
+                </a:solidFill>
+                <a:latin typeface="Consolas"/>
+                <a:cs typeface="Consolas"/>
+              </a:rPr>
+              <a:t>python </a:t>
+            </a:r>
+            <a:r>
+              <a:rPr lang="en-US" dirty="0" err="1" smtClean="0">
+                <a:solidFill>
+                  <a:schemeClr val="bg1">
+                    <a:lumMod val="75000"/>
+                  </a:schemeClr>
+                </a:solidFill>
+                <a:latin typeface="Consolas"/>
+                <a:cs typeface="Consolas"/>
+              </a:rPr>
+              <a:t>manage.py</a:t>
+            </a:r>
+            <a:r>
+              <a:rPr lang="en-US" dirty="0" smtClean="0">
+                <a:solidFill>
+                  <a:schemeClr val="bg1">
+                    <a:lumMod val="75000"/>
+                  </a:schemeClr>
+                </a:solidFill>
+                <a:latin typeface="Consolas"/>
+                <a:cs typeface="Consolas"/>
+              </a:rPr>
+              <a:t> </a:t>
+            </a:r>
+            <a:r>
+              <a:rPr lang="en-US" dirty="0" err="1" smtClean="0">
+                <a:solidFill>
+                  <a:schemeClr val="bg1">
+                    <a:lumMod val="75000"/>
+                  </a:schemeClr>
+                </a:solidFill>
+                <a:latin typeface="Consolas"/>
+                <a:cs typeface="Consolas"/>
+              </a:rPr>
+              <a:t>startapp</a:t>
+            </a:r>
+            <a:r>
+              <a:rPr lang="en-US" dirty="0" smtClean="0">
+                <a:solidFill>
+                  <a:schemeClr val="bg1">
+                    <a:lumMod val="75000"/>
+                  </a:schemeClr>
+                </a:solidFill>
+                <a:latin typeface="Consolas"/>
+                <a:cs typeface="Consolas"/>
+              </a:rPr>
+              <a:t> &lt;name&gt;</a:t>
+            </a:r>
+            <a:endParaRPr lang="en-US" sz="1600" i="1" dirty="0">
+              <a:solidFill>
+                <a:schemeClr val="bg1">
+                  <a:lumMod val="75000"/>
+                </a:schemeClr>
+              </a:solidFill>
+              <a:latin typeface="Consolas"/>
+              <a:cs typeface="Consolas"/>
+            </a:endParaRPr>
+          </a:p>
+        </p:txBody>
+      </p:sp>
+      <p:sp>
+        <p:nvSpPr>
+          <p:cNvPr id="15" name="TextBox 14"/>
+          <p:cNvSpPr txBox="1"/>
+          <p:nvPr/>
+        </p:nvSpPr>
+        <p:spPr>
+          <a:xfrm>
+            <a:off x="499999" y="994118"/>
+            <a:ext cx="8106786" cy="461665"/>
+          </a:xfrm>
+          <a:prstGeom prst="rect">
+            <a:avLst/>
+          </a:prstGeom>
+          <a:noFill/>
+        </p:spPr>
+        <p:txBody>
+          <a:bodyPr wrap="square" rtlCol="0">
+            <a:spAutoFit/>
+          </a:bodyPr>
+          <a:lstStyle/>
+          <a:p>
+            <a:pPr lvl="1"/>
             <a:r>
               <a:rPr lang="en-US" sz="2400" dirty="0" smtClean="0">
                 <a:solidFill>
@@ -10043,30 +12245,8 @@
                 <a:latin typeface="Helvetica Neue"/>
                 <a:cs typeface="Helvetica Neue"/>
               </a:rPr>
-              <a:t>active online community, dive in!</a:t>
-            </a:r>
-          </a:p>
-          <a:p>
-            <a:pPr marL="1257300" lvl="2" indent="-342900">
-              <a:buFont typeface="Arial"/>
-              <a:buChar char="•"/>
-            </a:pPr>
-            <a:r>
-              <a:rPr lang="en-US" sz="2400" dirty="0" smtClean="0">
-                <a:solidFill>
-                  <a:srgbClr val="232323"/>
-                </a:solidFill>
-                <a:latin typeface="Helvetica Neue"/>
-                <a:cs typeface="Helvetica Neue"/>
-              </a:rPr>
-              <a:t>SIPB, you can get involved with out projects!</a:t>
-            </a:r>
-          </a:p>
-          <a:p>
-            <a:pPr marL="1714500" lvl="3" indent="-342900">
-              <a:buFont typeface="Arial"/>
-              <a:buChar char="•"/>
-            </a:pPr>
+              <a:t>Adding a module:</a:t>
+            </a:r>
             <a:endParaRPr lang="en-US" sz="2400" dirty="0" smtClean="0">
               <a:solidFill>
                 <a:srgbClr val="232323"/>
@@ -10077,10 +12257,4859 @@
           </a:p>
         </p:txBody>
       </p:sp>
+      <p:sp>
+        <p:nvSpPr>
+          <p:cNvPr id="10" name="Rounded Rectangle 9"/>
+          <p:cNvSpPr/>
+          <p:nvPr/>
+        </p:nvSpPr>
+        <p:spPr>
+          <a:xfrm>
+            <a:off x="1376348" y="2702473"/>
+            <a:ext cx="6896796" cy="2075143"/>
+          </a:xfrm>
+          <a:prstGeom prst="roundRect">
+            <a:avLst>
+              <a:gd name="adj" fmla="val 5203"/>
+            </a:avLst>
+          </a:prstGeom>
+          <a:solidFill>
+            <a:srgbClr val="232323"/>
+          </a:solidFill>
+          <a:ln>
+            <a:noFill/>
+          </a:ln>
+          <a:effectLst/>
+        </p:spPr>
+        <p:style>
+          <a:lnRef idx="1">
+            <a:schemeClr val="accent1"/>
+          </a:lnRef>
+          <a:fillRef idx="3">
+            <a:schemeClr val="accent1"/>
+          </a:fillRef>
+          <a:effectRef idx="2">
+            <a:schemeClr val="accent1"/>
+          </a:effectRef>
+          <a:fontRef idx="minor">
+            <a:schemeClr val="lt1"/>
+          </a:fontRef>
+        </p:style>
+        <p:txBody>
+          <a:bodyPr rtlCol="0" anchor="ctr"/>
+          <a:lstStyle/>
+          <a:p>
+            <a:pPr lvl="0"/>
+            <a:r>
+              <a:rPr lang="en-US" dirty="0">
+                <a:solidFill>
+                  <a:prstClr val="white">
+                    <a:lumMod val="50000"/>
+                  </a:prstClr>
+                </a:solidFill>
+                <a:latin typeface="Consolas"/>
+                <a:cs typeface="Consolas"/>
+              </a:rPr>
+              <a:t>&lt;your terminal&gt;$ </a:t>
+            </a:r>
+            <a:r>
+              <a:rPr lang="en-US" dirty="0" smtClean="0">
+                <a:solidFill>
+                  <a:prstClr val="white">
+                    <a:lumMod val="75000"/>
+                  </a:prstClr>
+                </a:solidFill>
+                <a:latin typeface="Consolas"/>
+                <a:cs typeface="Consolas"/>
+              </a:rPr>
+              <a:t>python </a:t>
+            </a:r>
+            <a:r>
+              <a:rPr lang="en-US" dirty="0" err="1" smtClean="0">
+                <a:solidFill>
+                  <a:prstClr val="white">
+                    <a:lumMod val="75000"/>
+                  </a:prstClr>
+                </a:solidFill>
+                <a:latin typeface="Consolas"/>
+                <a:cs typeface="Consolas"/>
+              </a:rPr>
+              <a:t>manage.py</a:t>
+            </a:r>
+            <a:r>
+              <a:rPr lang="en-US" dirty="0" smtClean="0">
+                <a:solidFill>
+                  <a:prstClr val="white">
+                    <a:lumMod val="75000"/>
+                  </a:prstClr>
+                </a:solidFill>
+                <a:latin typeface="Consolas"/>
+                <a:cs typeface="Consolas"/>
+              </a:rPr>
+              <a:t> </a:t>
+            </a:r>
+            <a:r>
+              <a:rPr lang="en-US" dirty="0" err="1" smtClean="0">
+                <a:solidFill>
+                  <a:prstClr val="white">
+                    <a:lumMod val="75000"/>
+                  </a:prstClr>
+                </a:solidFill>
+                <a:latin typeface="Consolas"/>
+                <a:cs typeface="Consolas"/>
+              </a:rPr>
+              <a:t>startapp</a:t>
+            </a:r>
+            <a:r>
+              <a:rPr lang="en-US" dirty="0" smtClean="0">
+                <a:solidFill>
+                  <a:prstClr val="white">
+                    <a:lumMod val="75000"/>
+                  </a:prstClr>
+                </a:solidFill>
+                <a:latin typeface="Consolas"/>
+                <a:cs typeface="Consolas"/>
+              </a:rPr>
+              <a:t> event</a:t>
+            </a:r>
+          </a:p>
+          <a:p>
+            <a:pPr lvl="0"/>
+            <a:r>
+              <a:rPr lang="en-US" dirty="0">
+                <a:solidFill>
+                  <a:prstClr val="white">
+                    <a:lumMod val="50000"/>
+                  </a:prstClr>
+                </a:solidFill>
+                <a:latin typeface="Consolas"/>
+                <a:cs typeface="Consolas"/>
+              </a:rPr>
+              <a:t>&lt;your terminal&gt;$ </a:t>
+            </a:r>
+            <a:r>
+              <a:rPr lang="en-US" dirty="0" err="1" smtClean="0">
+                <a:solidFill>
+                  <a:schemeClr val="bg1">
+                    <a:lumMod val="75000"/>
+                  </a:schemeClr>
+                </a:solidFill>
+                <a:latin typeface="Consolas"/>
+                <a:cs typeface="Consolas"/>
+              </a:rPr>
+              <a:t>ls</a:t>
+            </a:r>
+            <a:r>
+              <a:rPr lang="en-US" dirty="0" smtClean="0">
+                <a:solidFill>
+                  <a:schemeClr val="bg1">
+                    <a:lumMod val="75000"/>
+                  </a:schemeClr>
+                </a:solidFill>
+                <a:latin typeface="Consolas"/>
+                <a:cs typeface="Consolas"/>
+              </a:rPr>
+              <a:t> event/</a:t>
+            </a:r>
+          </a:p>
+          <a:p>
+            <a:pPr lvl="0"/>
+            <a:r>
+              <a:rPr lang="en-US" i="1" dirty="0" smtClean="0">
+                <a:solidFill>
+                  <a:schemeClr val="bg1">
+                    <a:lumMod val="75000"/>
+                  </a:schemeClr>
+                </a:solidFill>
+                <a:latin typeface="Consolas"/>
+                <a:cs typeface="Consolas"/>
+              </a:rPr>
+              <a:t>__</a:t>
+            </a:r>
+            <a:r>
+              <a:rPr lang="en-US" i="1" dirty="0" err="1" smtClean="0">
+                <a:solidFill>
+                  <a:schemeClr val="bg1">
+                    <a:lumMod val="75000"/>
+                  </a:schemeClr>
+                </a:solidFill>
+                <a:latin typeface="Consolas"/>
+                <a:cs typeface="Consolas"/>
+              </a:rPr>
+              <a:t>init</a:t>
+            </a:r>
+            <a:r>
+              <a:rPr lang="en-US" i="1" dirty="0" smtClean="0">
+                <a:solidFill>
+                  <a:schemeClr val="bg1">
+                    <a:lumMod val="75000"/>
+                  </a:schemeClr>
+                </a:solidFill>
+                <a:latin typeface="Consolas"/>
+                <a:cs typeface="Consolas"/>
+              </a:rPr>
+              <a:t>__.</a:t>
+            </a:r>
+            <a:r>
+              <a:rPr lang="en-US" i="1" dirty="0" err="1" smtClean="0">
+                <a:solidFill>
+                  <a:schemeClr val="bg1">
+                    <a:lumMod val="75000"/>
+                  </a:schemeClr>
+                </a:solidFill>
+                <a:latin typeface="Consolas"/>
+                <a:cs typeface="Consolas"/>
+              </a:rPr>
+              <a:t>py</a:t>
+            </a:r>
+            <a:endParaRPr lang="en-US" i="1" dirty="0" smtClean="0">
+              <a:solidFill>
+                <a:schemeClr val="bg1">
+                  <a:lumMod val="75000"/>
+                </a:schemeClr>
+              </a:solidFill>
+              <a:latin typeface="Consolas"/>
+              <a:cs typeface="Consolas"/>
+            </a:endParaRPr>
+          </a:p>
+          <a:p>
+            <a:pPr lvl="0"/>
+            <a:r>
+              <a:rPr lang="en-US" i="1" dirty="0" err="1" smtClean="0">
+                <a:solidFill>
+                  <a:schemeClr val="bg1">
+                    <a:lumMod val="75000"/>
+                  </a:schemeClr>
+                </a:solidFill>
+                <a:latin typeface="Consolas"/>
+                <a:cs typeface="Consolas"/>
+              </a:rPr>
+              <a:t>models.py</a:t>
+            </a:r>
+            <a:endParaRPr lang="en-US" i="1" dirty="0" smtClean="0">
+              <a:solidFill>
+                <a:schemeClr val="bg1">
+                  <a:lumMod val="75000"/>
+                </a:schemeClr>
+              </a:solidFill>
+              <a:latin typeface="Consolas"/>
+              <a:cs typeface="Consolas"/>
+            </a:endParaRPr>
+          </a:p>
+          <a:p>
+            <a:pPr lvl="0"/>
+            <a:r>
+              <a:rPr lang="en-US" i="1" dirty="0" err="1" smtClean="0">
+                <a:solidFill>
+                  <a:schemeClr val="bg1">
+                    <a:lumMod val="75000"/>
+                  </a:schemeClr>
+                </a:solidFill>
+                <a:latin typeface="Consolas"/>
+                <a:cs typeface="Consolas"/>
+              </a:rPr>
+              <a:t>tests.py</a:t>
+            </a:r>
+            <a:endParaRPr lang="en-US" i="1" dirty="0" smtClean="0">
+              <a:solidFill>
+                <a:schemeClr val="bg1">
+                  <a:lumMod val="75000"/>
+                </a:schemeClr>
+              </a:solidFill>
+              <a:latin typeface="Consolas"/>
+              <a:cs typeface="Consolas"/>
+            </a:endParaRPr>
+          </a:p>
+          <a:p>
+            <a:pPr lvl="0"/>
+            <a:r>
+              <a:rPr lang="en-US" i="1" dirty="0" err="1" smtClean="0">
+                <a:solidFill>
+                  <a:schemeClr val="bg1">
+                    <a:lumMod val="75000"/>
+                  </a:schemeClr>
+                </a:solidFill>
+                <a:latin typeface="Consolas"/>
+                <a:cs typeface="Consolas"/>
+              </a:rPr>
+              <a:t>views.py</a:t>
+            </a:r>
+            <a:endParaRPr lang="en-US" i="1" dirty="0" smtClean="0">
+              <a:solidFill>
+                <a:schemeClr val="bg1">
+                  <a:lumMod val="75000"/>
+                </a:schemeClr>
+              </a:solidFill>
+              <a:latin typeface="Consolas"/>
+              <a:cs typeface="Consolas"/>
+            </a:endParaRPr>
+          </a:p>
+        </p:txBody>
+      </p:sp>
+      <p:sp>
+        <p:nvSpPr>
+          <p:cNvPr id="12" name="TextBox 11"/>
+          <p:cNvSpPr txBox="1"/>
+          <p:nvPr/>
+        </p:nvSpPr>
+        <p:spPr>
+          <a:xfrm>
+            <a:off x="499999" y="2203379"/>
+            <a:ext cx="8106786" cy="461665"/>
+          </a:xfrm>
+          <a:prstGeom prst="rect">
+            <a:avLst/>
+          </a:prstGeom>
+          <a:noFill/>
+        </p:spPr>
+        <p:txBody>
+          <a:bodyPr wrap="square" rtlCol="0">
+            <a:spAutoFit/>
+          </a:bodyPr>
+          <a:lstStyle/>
+          <a:p>
+            <a:pPr lvl="1"/>
+            <a:r>
+              <a:rPr lang="en-US" sz="2400" dirty="0" smtClean="0">
+                <a:solidFill>
+                  <a:srgbClr val="232323"/>
+                </a:solidFill>
+                <a:latin typeface="Helvetica Neue"/>
+                <a:cs typeface="Helvetica Neue"/>
+              </a:rPr>
+              <a:t>I added events by typing </a:t>
+            </a:r>
+            <a:r>
+              <a:rPr lang="en-US" dirty="0" smtClean="0">
+                <a:solidFill>
+                  <a:srgbClr val="232323"/>
+                </a:solidFill>
+                <a:latin typeface="Helvetica Neue"/>
+                <a:cs typeface="Helvetica Neue"/>
+              </a:rPr>
+              <a:t>( I ran ‘</a:t>
+            </a:r>
+            <a:r>
+              <a:rPr lang="en-US" dirty="0" err="1" smtClean="0">
+                <a:solidFill>
+                  <a:srgbClr val="232323"/>
+                </a:solidFill>
+                <a:latin typeface="Helvetica Neue"/>
+                <a:cs typeface="Helvetica Neue"/>
+              </a:rPr>
+              <a:t>ls</a:t>
+            </a:r>
+            <a:r>
+              <a:rPr lang="en-US" dirty="0" smtClean="0">
+                <a:solidFill>
+                  <a:srgbClr val="232323"/>
+                </a:solidFill>
+                <a:latin typeface="Helvetica Neue"/>
+                <a:cs typeface="Helvetica Neue"/>
+              </a:rPr>
+              <a:t>’ just to show results)</a:t>
+            </a:r>
+            <a:r>
+              <a:rPr lang="en-US" sz="2400" dirty="0" smtClean="0">
+                <a:solidFill>
+                  <a:srgbClr val="232323"/>
+                </a:solidFill>
+                <a:latin typeface="Helvetica Neue"/>
+                <a:cs typeface="Helvetica Neue"/>
+              </a:rPr>
+              <a:t>:</a:t>
+            </a:r>
+            <a:endParaRPr lang="en-US" sz="2400" dirty="0" smtClean="0">
+              <a:solidFill>
+                <a:srgbClr val="232323"/>
+              </a:solidFill>
+              <a:latin typeface="Helvetica Neue"/>
+              <a:cs typeface="Helvetica Neue"/>
+            </a:endParaRPr>
+          </a:p>
+        </p:txBody>
+      </p:sp>
     </p:spTree>
     <p:extLst>
       <p:ext uri="{BB962C8B-B14F-4D97-AF65-F5344CB8AC3E}">
-        <p14:creationId xmlns:p14="http://schemas.microsoft.com/office/powerpoint/2010/main" val="902315384"/>
+        <p14:creationId xmlns:p14="http://schemas.microsoft.com/office/powerpoint/2010/main" val="2328721062"/>
+      </p:ext>
+    </p:extLst>
+  </p:cSld>
+  <p:clrMapOvr>
+    <a:masterClrMapping/>
+  </p:clrMapOvr>
+  <mc:AlternateContent xmlns:mc="http://schemas.openxmlformats.org/markup-compatibility/2006" xmlns:p14="http://schemas.microsoft.com/office/powerpoint/2010/main">
+    <mc:Choice Requires="p14">
+      <p:transition spd="slow" p14:dur="2000"/>
+    </mc:Choice>
+    <mc:Fallback xmlns="">
+      <p:transition xmlns:p14="http://schemas.microsoft.com/office/powerpoint/2010/main" spd="slow"/>
+    </mc:Fallback>
+  </mc:AlternateContent>
+  <p:timing>
+    <p:tnLst>
+      <p:par>
+        <p:cTn xmlns:p14="http://schemas.microsoft.com/office/powerpoint/2010/main" id="1" dur="indefinite" restart="never" nodeType="tmRoot"/>
+      </p:par>
+    </p:tnLst>
+  </p:timing>
+</p:sld>
+</file>
+
+<file path=ppt/slides/slide22.xml><?xml version="1.0" encoding="utf-8"?>
+<p:sld xmlns:a="http://schemas.openxmlformats.org/drawingml/2006/main" xmlns:r="http://schemas.openxmlformats.org/officeDocument/2006/relationships" xmlns:p="http://schemas.openxmlformats.org/presentationml/2006/main">
+  <p:cSld>
+    <p:bg>
+      <p:bgPr>
+        <a:gradFill flip="none" rotWithShape="1">
+          <a:gsLst>
+            <a:gs pos="94000">
+              <a:srgbClr val="232323"/>
+            </a:gs>
+            <a:gs pos="1000">
+              <a:srgbClr val="7B7B7B"/>
+            </a:gs>
+          </a:gsLst>
+          <a:path path="circle">
+            <a:fillToRect r="100000" b="100000"/>
+          </a:path>
+          <a:tileRect l="-100000" t="-100000"/>
+        </a:gradFill>
+        <a:effectLst/>
+      </p:bgPr>
+    </p:bg>
+    <p:spTree>
+      <p:nvGrpSpPr>
+        <p:cNvPr id="1" name=""/>
+        <p:cNvGrpSpPr/>
+        <p:nvPr/>
+      </p:nvGrpSpPr>
+      <p:grpSpPr>
+        <a:xfrm>
+          <a:off x="0" y="0"/>
+          <a:ext cx="0" cy="0"/>
+          <a:chOff x="0" y="0"/>
+          <a:chExt cx="0" cy="0"/>
+        </a:xfrm>
+      </p:grpSpPr>
+      <p:sp>
+        <p:nvSpPr>
+          <p:cNvPr id="2" name="Title 1"/>
+          <p:cNvSpPr>
+            <a:spLocks noGrp="1"/>
+          </p:cNvSpPr>
+          <p:nvPr>
+            <p:ph type="ctrTitle"/>
+          </p:nvPr>
+        </p:nvSpPr>
+        <p:spPr>
+          <a:xfrm>
+            <a:off x="499999" y="22679"/>
+            <a:ext cx="8644000" cy="703095"/>
+          </a:xfrm>
+        </p:spPr>
+        <p:txBody>
+          <a:bodyPr>
+            <a:normAutofit/>
+          </a:bodyPr>
+          <a:lstStyle/>
+          <a:p>
+            <a:pPr algn="l"/>
+            <a:r>
+              <a:rPr lang="en-US" sz="2400" dirty="0" smtClean="0">
+                <a:solidFill>
+                  <a:schemeClr val="bg1"/>
+                </a:solidFill>
+                <a:latin typeface="Helvetica Neue"/>
+                <a:cs typeface="Helvetica Neue"/>
+              </a:rPr>
+              <a:t>SIPB: Django Web Programming, IAP 2013</a:t>
+            </a:r>
+            <a:endParaRPr lang="en-US" sz="3600" dirty="0">
+              <a:solidFill>
+                <a:schemeClr val="bg1"/>
+              </a:solidFill>
+              <a:latin typeface="Helvetica Neue"/>
+              <a:cs typeface="Helvetica Neue"/>
+            </a:endParaRPr>
+          </a:p>
+        </p:txBody>
+      </p:sp>
+      <p:pic>
+        <p:nvPicPr>
+          <p:cNvPr id="17" name="Picture 16" descr="grumpy fuzzball.png"/>
+          <p:cNvPicPr>
+            <a:picLocks noChangeAspect="1"/>
+          </p:cNvPicPr>
+          <p:nvPr/>
+        </p:nvPicPr>
+        <p:blipFill>
+          <a:blip r:embed="rId3">
+            <a:extLst>
+              <a:ext uri="{28A0092B-C50C-407E-A947-70E740481C1C}">
+                <a14:useLocalDpi xmlns:a14="http://schemas.microsoft.com/office/drawing/2010/main" val="0"/>
+              </a:ext>
+            </a:extLst>
+          </a:blip>
+          <a:stretch>
+            <a:fillRect/>
+          </a:stretch>
+        </p:blipFill>
+        <p:spPr>
+          <a:xfrm>
+            <a:off x="148838" y="125201"/>
+            <a:ext cx="351161" cy="619465"/>
+          </a:xfrm>
+          <a:prstGeom prst="rect">
+            <a:avLst/>
+          </a:prstGeom>
+        </p:spPr>
+      </p:pic>
+      <p:sp>
+        <p:nvSpPr>
+          <p:cNvPr id="3" name="Rounded Rectangle 2"/>
+          <p:cNvSpPr/>
+          <p:nvPr/>
+        </p:nvSpPr>
+        <p:spPr>
+          <a:xfrm>
+            <a:off x="-1" y="756006"/>
+            <a:ext cx="9144000" cy="6101994"/>
+          </a:xfrm>
+          <a:prstGeom prst="roundRect">
+            <a:avLst>
+              <a:gd name="adj" fmla="val 0"/>
+            </a:avLst>
+          </a:prstGeom>
+          <a:solidFill>
+            <a:schemeClr val="bg1">
+              <a:alpha val="76000"/>
+            </a:schemeClr>
+          </a:solidFill>
+          <a:ln>
+            <a:noFill/>
+          </a:ln>
+          <a:effectLst/>
+        </p:spPr>
+        <p:style>
+          <a:lnRef idx="1">
+            <a:schemeClr val="accent1"/>
+          </a:lnRef>
+          <a:fillRef idx="3">
+            <a:schemeClr val="accent1"/>
+          </a:fillRef>
+          <a:effectRef idx="2">
+            <a:schemeClr val="accent1"/>
+          </a:effectRef>
+          <a:fontRef idx="minor">
+            <a:schemeClr val="lt1"/>
+          </a:fontRef>
+        </p:style>
+        <p:txBody>
+          <a:bodyPr rtlCol="0" anchor="ctr"/>
+          <a:lstStyle/>
+          <a:p>
+            <a:pPr algn="ctr"/>
+            <a:endParaRPr lang="en-US" dirty="0">
+              <a:solidFill>
+                <a:schemeClr val="bg1"/>
+              </a:solidFill>
+            </a:endParaRPr>
+          </a:p>
+        </p:txBody>
+      </p:sp>
+      <p:sp>
+        <p:nvSpPr>
+          <p:cNvPr id="4" name="TextBox 3"/>
+          <p:cNvSpPr txBox="1"/>
+          <p:nvPr/>
+        </p:nvSpPr>
+        <p:spPr>
+          <a:xfrm>
+            <a:off x="-918511" y="1519590"/>
+            <a:ext cx="184666" cy="369332"/>
+          </a:xfrm>
+          <a:prstGeom prst="rect">
+            <a:avLst/>
+          </a:prstGeom>
+          <a:noFill/>
+        </p:spPr>
+        <p:txBody>
+          <a:bodyPr wrap="none" rtlCol="0">
+            <a:spAutoFit/>
+          </a:bodyPr>
+          <a:lstStyle/>
+          <a:p>
+            <a:endParaRPr lang="en-US" dirty="0"/>
+          </a:p>
+        </p:txBody>
+      </p:sp>
+      <p:sp>
+        <p:nvSpPr>
+          <p:cNvPr id="11" name="TextBox 10"/>
+          <p:cNvSpPr txBox="1"/>
+          <p:nvPr/>
+        </p:nvSpPr>
+        <p:spPr>
+          <a:xfrm>
+            <a:off x="499999" y="2890391"/>
+            <a:ext cx="8106786" cy="707886"/>
+          </a:xfrm>
+          <a:prstGeom prst="rect">
+            <a:avLst/>
+          </a:prstGeom>
+          <a:noFill/>
+        </p:spPr>
+        <p:txBody>
+          <a:bodyPr wrap="square" rtlCol="0">
+            <a:spAutoFit/>
+          </a:bodyPr>
+          <a:lstStyle/>
+          <a:p>
+            <a:pPr algn="ctr"/>
+            <a:r>
+              <a:rPr lang="en-US" sz="4000" dirty="0" smtClean="0">
+                <a:solidFill>
+                  <a:srgbClr val="232323"/>
+                </a:solidFill>
+                <a:latin typeface="Helvetica Neue"/>
+                <a:cs typeface="Helvetica Neue"/>
+              </a:rPr>
+              <a:t>From URL to Page Render</a:t>
+            </a:r>
+            <a:endParaRPr lang="en-US" sz="4000" dirty="0" smtClean="0">
+              <a:solidFill>
+                <a:srgbClr val="232323"/>
+              </a:solidFill>
+              <a:latin typeface="Helvetica Neue"/>
+              <a:cs typeface="Helvetica Neue"/>
+            </a:endParaRPr>
+          </a:p>
+        </p:txBody>
+      </p:sp>
+    </p:spTree>
+    <p:extLst>
+      <p:ext uri="{BB962C8B-B14F-4D97-AF65-F5344CB8AC3E}">
+        <p14:creationId xmlns:p14="http://schemas.microsoft.com/office/powerpoint/2010/main" val="4096667318"/>
+      </p:ext>
+    </p:extLst>
+  </p:cSld>
+  <p:clrMapOvr>
+    <a:masterClrMapping/>
+  </p:clrMapOvr>
+  <mc:AlternateContent xmlns:mc="http://schemas.openxmlformats.org/markup-compatibility/2006" xmlns:p14="http://schemas.microsoft.com/office/powerpoint/2010/main">
+    <mc:Choice Requires="p14">
+      <p:transition spd="slow" p14:dur="2000"/>
+    </mc:Choice>
+    <mc:Fallback xmlns="">
+      <p:transition xmlns:p14="http://schemas.microsoft.com/office/powerpoint/2010/main" spd="slow"/>
+    </mc:Fallback>
+  </mc:AlternateContent>
+  <p:timing>
+    <p:tnLst>
+      <p:par>
+        <p:cTn xmlns:p14="http://schemas.microsoft.com/office/powerpoint/2010/main" id="1" dur="indefinite" restart="never" nodeType="tmRoot"/>
+      </p:par>
+    </p:tnLst>
+  </p:timing>
+</p:sld>
+</file>
+
+<file path=ppt/slides/slide23.xml><?xml version="1.0" encoding="utf-8"?>
+<p:sld xmlns:a="http://schemas.openxmlformats.org/drawingml/2006/main" xmlns:r="http://schemas.openxmlformats.org/officeDocument/2006/relationships" xmlns:p="http://schemas.openxmlformats.org/presentationml/2006/main">
+  <p:cSld>
+    <p:bg>
+      <p:bgPr>
+        <a:gradFill flip="none" rotWithShape="1">
+          <a:gsLst>
+            <a:gs pos="94000">
+              <a:srgbClr val="232323"/>
+            </a:gs>
+            <a:gs pos="1000">
+              <a:srgbClr val="7B7B7B"/>
+            </a:gs>
+          </a:gsLst>
+          <a:path path="circle">
+            <a:fillToRect r="100000" b="100000"/>
+          </a:path>
+          <a:tileRect l="-100000" t="-100000"/>
+        </a:gradFill>
+        <a:effectLst/>
+      </p:bgPr>
+    </p:bg>
+    <p:spTree>
+      <p:nvGrpSpPr>
+        <p:cNvPr id="1" name=""/>
+        <p:cNvGrpSpPr/>
+        <p:nvPr/>
+      </p:nvGrpSpPr>
+      <p:grpSpPr>
+        <a:xfrm>
+          <a:off x="0" y="0"/>
+          <a:ext cx="0" cy="0"/>
+          <a:chOff x="0" y="0"/>
+          <a:chExt cx="0" cy="0"/>
+        </a:xfrm>
+      </p:grpSpPr>
+      <p:sp>
+        <p:nvSpPr>
+          <p:cNvPr id="2" name="Title 1"/>
+          <p:cNvSpPr>
+            <a:spLocks noGrp="1"/>
+          </p:cNvSpPr>
+          <p:nvPr>
+            <p:ph type="ctrTitle"/>
+          </p:nvPr>
+        </p:nvSpPr>
+        <p:spPr>
+          <a:xfrm>
+            <a:off x="499999" y="22679"/>
+            <a:ext cx="8644000" cy="703095"/>
+          </a:xfrm>
+        </p:spPr>
+        <p:txBody>
+          <a:bodyPr>
+            <a:normAutofit/>
+          </a:bodyPr>
+          <a:lstStyle/>
+          <a:p>
+            <a:pPr algn="l"/>
+            <a:r>
+              <a:rPr lang="en-US" sz="2400" dirty="0" smtClean="0">
+                <a:solidFill>
+                  <a:schemeClr val="bg1"/>
+                </a:solidFill>
+                <a:latin typeface="Helvetica Neue"/>
+                <a:cs typeface="Helvetica Neue"/>
+              </a:rPr>
+              <a:t>SIPB: Django Web Programming, IAP 2013</a:t>
+            </a:r>
+            <a:endParaRPr lang="en-US" sz="3600" dirty="0">
+              <a:solidFill>
+                <a:schemeClr val="bg1"/>
+              </a:solidFill>
+              <a:latin typeface="Helvetica Neue"/>
+              <a:cs typeface="Helvetica Neue"/>
+            </a:endParaRPr>
+          </a:p>
+        </p:txBody>
+      </p:sp>
+      <p:pic>
+        <p:nvPicPr>
+          <p:cNvPr id="17" name="Picture 16" descr="grumpy fuzzball.png"/>
+          <p:cNvPicPr>
+            <a:picLocks noChangeAspect="1"/>
+          </p:cNvPicPr>
+          <p:nvPr/>
+        </p:nvPicPr>
+        <p:blipFill>
+          <a:blip r:embed="rId3">
+            <a:extLst>
+              <a:ext uri="{28A0092B-C50C-407E-A947-70E740481C1C}">
+                <a14:useLocalDpi xmlns:a14="http://schemas.microsoft.com/office/drawing/2010/main" val="0"/>
+              </a:ext>
+            </a:extLst>
+          </a:blip>
+          <a:stretch>
+            <a:fillRect/>
+          </a:stretch>
+        </p:blipFill>
+        <p:spPr>
+          <a:xfrm>
+            <a:off x="148838" y="125201"/>
+            <a:ext cx="351161" cy="619465"/>
+          </a:xfrm>
+          <a:prstGeom prst="rect">
+            <a:avLst/>
+          </a:prstGeom>
+        </p:spPr>
+      </p:pic>
+      <p:sp>
+        <p:nvSpPr>
+          <p:cNvPr id="3" name="Rounded Rectangle 2"/>
+          <p:cNvSpPr/>
+          <p:nvPr/>
+        </p:nvSpPr>
+        <p:spPr>
+          <a:xfrm>
+            <a:off x="0" y="756006"/>
+            <a:ext cx="9144000" cy="6101994"/>
+          </a:xfrm>
+          <a:prstGeom prst="roundRect">
+            <a:avLst>
+              <a:gd name="adj" fmla="val 0"/>
+            </a:avLst>
+          </a:prstGeom>
+          <a:solidFill>
+            <a:schemeClr val="bg1">
+              <a:alpha val="76000"/>
+            </a:schemeClr>
+          </a:solidFill>
+          <a:ln>
+            <a:noFill/>
+          </a:ln>
+          <a:effectLst/>
+        </p:spPr>
+        <p:style>
+          <a:lnRef idx="1">
+            <a:schemeClr val="accent1"/>
+          </a:lnRef>
+          <a:fillRef idx="3">
+            <a:schemeClr val="accent1"/>
+          </a:fillRef>
+          <a:effectRef idx="2">
+            <a:schemeClr val="accent1"/>
+          </a:effectRef>
+          <a:fontRef idx="minor">
+            <a:schemeClr val="lt1"/>
+          </a:fontRef>
+        </p:style>
+        <p:txBody>
+          <a:bodyPr rtlCol="0" anchor="ctr"/>
+          <a:lstStyle/>
+          <a:p>
+            <a:pPr algn="ctr"/>
+            <a:endParaRPr lang="en-US" dirty="0">
+              <a:solidFill>
+                <a:schemeClr val="bg1"/>
+              </a:solidFill>
+            </a:endParaRPr>
+          </a:p>
+        </p:txBody>
+      </p:sp>
+      <p:sp>
+        <p:nvSpPr>
+          <p:cNvPr id="4" name="TextBox 3"/>
+          <p:cNvSpPr txBox="1"/>
+          <p:nvPr/>
+        </p:nvSpPr>
+        <p:spPr>
+          <a:xfrm>
+            <a:off x="-918511" y="1519590"/>
+            <a:ext cx="184666" cy="369332"/>
+          </a:xfrm>
+          <a:prstGeom prst="rect">
+            <a:avLst/>
+          </a:prstGeom>
+          <a:noFill/>
+        </p:spPr>
+        <p:txBody>
+          <a:bodyPr wrap="none" rtlCol="0">
+            <a:spAutoFit/>
+          </a:bodyPr>
+          <a:lstStyle/>
+          <a:p>
+            <a:endParaRPr lang="en-US" dirty="0"/>
+          </a:p>
+        </p:txBody>
+      </p:sp>
+      <p:sp>
+        <p:nvSpPr>
+          <p:cNvPr id="9" name="TextBox 8"/>
+          <p:cNvSpPr txBox="1"/>
+          <p:nvPr/>
+        </p:nvSpPr>
+        <p:spPr>
+          <a:xfrm>
+            <a:off x="499999" y="884771"/>
+            <a:ext cx="8106786" cy="461665"/>
+          </a:xfrm>
+          <a:prstGeom prst="rect">
+            <a:avLst/>
+          </a:prstGeom>
+          <a:noFill/>
+        </p:spPr>
+        <p:txBody>
+          <a:bodyPr wrap="square" rtlCol="0">
+            <a:spAutoFit/>
+          </a:bodyPr>
+          <a:lstStyle/>
+          <a:p>
+            <a:pPr lvl="1"/>
+            <a:r>
+              <a:rPr lang="en-US" sz="2400" dirty="0" smtClean="0">
+                <a:solidFill>
+                  <a:srgbClr val="232323"/>
+                </a:solidFill>
+                <a:latin typeface="Helvetica Neue"/>
+                <a:cs typeface="Helvetica Neue"/>
+              </a:rPr>
+              <a:t>What happens when a user enters this in the browser?</a:t>
+            </a:r>
+            <a:endParaRPr lang="en-US" sz="2400" dirty="0" smtClean="0">
+              <a:solidFill>
+                <a:srgbClr val="232323"/>
+              </a:solidFill>
+              <a:latin typeface="Helvetica Neue"/>
+              <a:cs typeface="Helvetica Neue"/>
+            </a:endParaRPr>
+          </a:p>
+        </p:txBody>
+      </p:sp>
+      <p:sp>
+        <p:nvSpPr>
+          <p:cNvPr id="10" name="Rounded Rectangle 9"/>
+          <p:cNvSpPr/>
+          <p:nvPr/>
+        </p:nvSpPr>
+        <p:spPr>
+          <a:xfrm>
+            <a:off x="1376348" y="1431987"/>
+            <a:ext cx="6391304" cy="556862"/>
+          </a:xfrm>
+          <a:prstGeom prst="roundRect">
+            <a:avLst>
+              <a:gd name="adj" fmla="val 23493"/>
+            </a:avLst>
+          </a:prstGeom>
+          <a:solidFill>
+            <a:schemeClr val="bg1">
+              <a:lumMod val="95000"/>
+            </a:schemeClr>
+          </a:solidFill>
+          <a:ln>
+            <a:solidFill>
+              <a:srgbClr val="232323"/>
+            </a:solidFill>
+          </a:ln>
+          <a:effectLst/>
+        </p:spPr>
+        <p:style>
+          <a:lnRef idx="1">
+            <a:schemeClr val="accent1"/>
+          </a:lnRef>
+          <a:fillRef idx="3">
+            <a:schemeClr val="accent1"/>
+          </a:fillRef>
+          <a:effectRef idx="2">
+            <a:schemeClr val="accent1"/>
+          </a:effectRef>
+          <a:fontRef idx="minor">
+            <a:schemeClr val="lt1"/>
+          </a:fontRef>
+        </p:style>
+        <p:txBody>
+          <a:bodyPr rtlCol="0" anchor="ctr"/>
+          <a:lstStyle/>
+          <a:p>
+            <a:r>
+              <a:rPr lang="en-US" dirty="0" err="1" smtClean="0">
+                <a:solidFill>
+                  <a:srgbClr val="232323"/>
+                </a:solidFill>
+                <a:latin typeface="Consolas"/>
+                <a:cs typeface="Consolas"/>
+              </a:rPr>
+              <a:t>www.your</a:t>
+            </a:r>
+            <a:r>
+              <a:rPr lang="en-US" dirty="0" smtClean="0">
+                <a:solidFill>
+                  <a:srgbClr val="232323"/>
+                </a:solidFill>
+                <a:latin typeface="Consolas"/>
+                <a:cs typeface="Consolas"/>
+              </a:rPr>
+              <a:t>-site-</a:t>
+            </a:r>
+            <a:r>
+              <a:rPr lang="en-US" dirty="0" err="1" smtClean="0">
+                <a:solidFill>
+                  <a:srgbClr val="232323"/>
+                </a:solidFill>
+                <a:latin typeface="Consolas"/>
+                <a:cs typeface="Consolas"/>
+              </a:rPr>
+              <a:t>domain.com</a:t>
+            </a:r>
+            <a:endParaRPr lang="en-US" dirty="0">
+              <a:solidFill>
+                <a:schemeClr val="bg1">
+                  <a:lumMod val="65000"/>
+                </a:schemeClr>
+              </a:solidFill>
+              <a:latin typeface="Consolas"/>
+              <a:cs typeface="Consolas"/>
+            </a:endParaRPr>
+          </a:p>
+        </p:txBody>
+      </p:sp>
+    </p:spTree>
+    <p:extLst>
+      <p:ext uri="{BB962C8B-B14F-4D97-AF65-F5344CB8AC3E}">
+        <p14:creationId xmlns:p14="http://schemas.microsoft.com/office/powerpoint/2010/main" val="1890001458"/>
+      </p:ext>
+    </p:extLst>
+  </p:cSld>
+  <p:clrMapOvr>
+    <a:masterClrMapping/>
+  </p:clrMapOvr>
+  <mc:AlternateContent xmlns:mc="http://schemas.openxmlformats.org/markup-compatibility/2006" xmlns:p14="http://schemas.microsoft.com/office/powerpoint/2010/main">
+    <mc:Choice Requires="p14">
+      <p:transition spd="slow" p14:dur="2000"/>
+    </mc:Choice>
+    <mc:Fallback xmlns="">
+      <p:transition xmlns:p14="http://schemas.microsoft.com/office/powerpoint/2010/main" spd="slow"/>
+    </mc:Fallback>
+  </mc:AlternateContent>
+  <p:timing>
+    <p:tnLst>
+      <p:par>
+        <p:cTn xmlns:p14="http://schemas.microsoft.com/office/powerpoint/2010/main" id="1" dur="indefinite" restart="never" nodeType="tmRoot"/>
+      </p:par>
+    </p:tnLst>
+  </p:timing>
+</p:sld>
+</file>
+
+<file path=ppt/slides/slide24.xml><?xml version="1.0" encoding="utf-8"?>
+<p:sld xmlns:a="http://schemas.openxmlformats.org/drawingml/2006/main" xmlns:r="http://schemas.openxmlformats.org/officeDocument/2006/relationships" xmlns:p="http://schemas.openxmlformats.org/presentationml/2006/main">
+  <p:cSld>
+    <p:bg>
+      <p:bgPr>
+        <a:gradFill flip="none" rotWithShape="1">
+          <a:gsLst>
+            <a:gs pos="94000">
+              <a:srgbClr val="232323"/>
+            </a:gs>
+            <a:gs pos="1000">
+              <a:srgbClr val="7B7B7B"/>
+            </a:gs>
+          </a:gsLst>
+          <a:path path="circle">
+            <a:fillToRect r="100000" b="100000"/>
+          </a:path>
+          <a:tileRect l="-100000" t="-100000"/>
+        </a:gradFill>
+        <a:effectLst/>
+      </p:bgPr>
+    </p:bg>
+    <p:spTree>
+      <p:nvGrpSpPr>
+        <p:cNvPr id="1" name=""/>
+        <p:cNvGrpSpPr/>
+        <p:nvPr/>
+      </p:nvGrpSpPr>
+      <p:grpSpPr>
+        <a:xfrm>
+          <a:off x="0" y="0"/>
+          <a:ext cx="0" cy="0"/>
+          <a:chOff x="0" y="0"/>
+          <a:chExt cx="0" cy="0"/>
+        </a:xfrm>
+      </p:grpSpPr>
+      <p:sp>
+        <p:nvSpPr>
+          <p:cNvPr id="2" name="Title 1"/>
+          <p:cNvSpPr>
+            <a:spLocks noGrp="1"/>
+          </p:cNvSpPr>
+          <p:nvPr>
+            <p:ph type="ctrTitle"/>
+          </p:nvPr>
+        </p:nvSpPr>
+        <p:spPr>
+          <a:xfrm>
+            <a:off x="499999" y="22679"/>
+            <a:ext cx="8644000" cy="703095"/>
+          </a:xfrm>
+        </p:spPr>
+        <p:txBody>
+          <a:bodyPr>
+            <a:normAutofit/>
+          </a:bodyPr>
+          <a:lstStyle/>
+          <a:p>
+            <a:pPr algn="l"/>
+            <a:r>
+              <a:rPr lang="en-US" sz="2400" dirty="0" smtClean="0">
+                <a:solidFill>
+                  <a:schemeClr val="bg1"/>
+                </a:solidFill>
+                <a:latin typeface="Helvetica Neue"/>
+                <a:cs typeface="Helvetica Neue"/>
+              </a:rPr>
+              <a:t>SIPB: Django Web Programming, IAP 2013</a:t>
+            </a:r>
+            <a:endParaRPr lang="en-US" sz="3600" dirty="0">
+              <a:solidFill>
+                <a:schemeClr val="bg1"/>
+              </a:solidFill>
+              <a:latin typeface="Helvetica Neue"/>
+              <a:cs typeface="Helvetica Neue"/>
+            </a:endParaRPr>
+          </a:p>
+        </p:txBody>
+      </p:sp>
+      <p:pic>
+        <p:nvPicPr>
+          <p:cNvPr id="17" name="Picture 16" descr="grumpy fuzzball.png"/>
+          <p:cNvPicPr>
+            <a:picLocks noChangeAspect="1"/>
+          </p:cNvPicPr>
+          <p:nvPr/>
+        </p:nvPicPr>
+        <p:blipFill>
+          <a:blip r:embed="rId3">
+            <a:extLst>
+              <a:ext uri="{28A0092B-C50C-407E-A947-70E740481C1C}">
+                <a14:useLocalDpi xmlns:a14="http://schemas.microsoft.com/office/drawing/2010/main" val="0"/>
+              </a:ext>
+            </a:extLst>
+          </a:blip>
+          <a:stretch>
+            <a:fillRect/>
+          </a:stretch>
+        </p:blipFill>
+        <p:spPr>
+          <a:xfrm>
+            <a:off x="148838" y="125201"/>
+            <a:ext cx="351161" cy="619465"/>
+          </a:xfrm>
+          <a:prstGeom prst="rect">
+            <a:avLst/>
+          </a:prstGeom>
+        </p:spPr>
+      </p:pic>
+      <p:sp>
+        <p:nvSpPr>
+          <p:cNvPr id="3" name="Rounded Rectangle 2"/>
+          <p:cNvSpPr/>
+          <p:nvPr/>
+        </p:nvSpPr>
+        <p:spPr>
+          <a:xfrm>
+            <a:off x="0" y="756006"/>
+            <a:ext cx="9144000" cy="6101994"/>
+          </a:xfrm>
+          <a:prstGeom prst="roundRect">
+            <a:avLst>
+              <a:gd name="adj" fmla="val 0"/>
+            </a:avLst>
+          </a:prstGeom>
+          <a:solidFill>
+            <a:schemeClr val="bg1">
+              <a:alpha val="76000"/>
+            </a:schemeClr>
+          </a:solidFill>
+          <a:ln>
+            <a:noFill/>
+          </a:ln>
+          <a:effectLst/>
+        </p:spPr>
+        <p:style>
+          <a:lnRef idx="1">
+            <a:schemeClr val="accent1"/>
+          </a:lnRef>
+          <a:fillRef idx="3">
+            <a:schemeClr val="accent1"/>
+          </a:fillRef>
+          <a:effectRef idx="2">
+            <a:schemeClr val="accent1"/>
+          </a:effectRef>
+          <a:fontRef idx="minor">
+            <a:schemeClr val="lt1"/>
+          </a:fontRef>
+        </p:style>
+        <p:txBody>
+          <a:bodyPr rtlCol="0" anchor="ctr"/>
+          <a:lstStyle/>
+          <a:p>
+            <a:pPr algn="ctr"/>
+            <a:endParaRPr lang="en-US" dirty="0">
+              <a:solidFill>
+                <a:schemeClr val="bg1"/>
+              </a:solidFill>
+            </a:endParaRPr>
+          </a:p>
+        </p:txBody>
+      </p:sp>
+      <p:sp>
+        <p:nvSpPr>
+          <p:cNvPr id="4" name="TextBox 3"/>
+          <p:cNvSpPr txBox="1"/>
+          <p:nvPr/>
+        </p:nvSpPr>
+        <p:spPr>
+          <a:xfrm>
+            <a:off x="-918511" y="1519590"/>
+            <a:ext cx="184666" cy="369332"/>
+          </a:xfrm>
+          <a:prstGeom prst="rect">
+            <a:avLst/>
+          </a:prstGeom>
+          <a:noFill/>
+        </p:spPr>
+        <p:txBody>
+          <a:bodyPr wrap="none" rtlCol="0">
+            <a:spAutoFit/>
+          </a:bodyPr>
+          <a:lstStyle/>
+          <a:p>
+            <a:endParaRPr lang="en-US" dirty="0"/>
+          </a:p>
+        </p:txBody>
+      </p:sp>
+      <p:sp>
+        <p:nvSpPr>
+          <p:cNvPr id="9" name="TextBox 8"/>
+          <p:cNvSpPr txBox="1"/>
+          <p:nvPr/>
+        </p:nvSpPr>
+        <p:spPr>
+          <a:xfrm>
+            <a:off x="499999" y="884771"/>
+            <a:ext cx="8106786" cy="461665"/>
+          </a:xfrm>
+          <a:prstGeom prst="rect">
+            <a:avLst/>
+          </a:prstGeom>
+          <a:noFill/>
+        </p:spPr>
+        <p:txBody>
+          <a:bodyPr wrap="square" rtlCol="0">
+            <a:spAutoFit/>
+          </a:bodyPr>
+          <a:lstStyle/>
+          <a:p>
+            <a:pPr lvl="1"/>
+            <a:r>
+              <a:rPr lang="en-US" sz="2400" dirty="0" smtClean="0">
+                <a:solidFill>
+                  <a:srgbClr val="232323"/>
+                </a:solidFill>
+                <a:latin typeface="Helvetica Neue"/>
+                <a:cs typeface="Helvetica Neue"/>
+              </a:rPr>
+              <a:t>What happens when a user enters this in the browser?</a:t>
+            </a:r>
+            <a:endParaRPr lang="en-US" sz="2400" dirty="0" smtClean="0">
+              <a:solidFill>
+                <a:srgbClr val="232323"/>
+              </a:solidFill>
+              <a:latin typeface="Helvetica Neue"/>
+              <a:cs typeface="Helvetica Neue"/>
+            </a:endParaRPr>
+          </a:p>
+        </p:txBody>
+      </p:sp>
+      <p:sp>
+        <p:nvSpPr>
+          <p:cNvPr id="10" name="Rounded Rectangle 9"/>
+          <p:cNvSpPr/>
+          <p:nvPr/>
+        </p:nvSpPr>
+        <p:spPr>
+          <a:xfrm>
+            <a:off x="1376348" y="1431987"/>
+            <a:ext cx="6391304" cy="556862"/>
+          </a:xfrm>
+          <a:prstGeom prst="roundRect">
+            <a:avLst>
+              <a:gd name="adj" fmla="val 23493"/>
+            </a:avLst>
+          </a:prstGeom>
+          <a:solidFill>
+            <a:schemeClr val="bg1">
+              <a:lumMod val="95000"/>
+            </a:schemeClr>
+          </a:solidFill>
+          <a:ln>
+            <a:solidFill>
+              <a:srgbClr val="232323"/>
+            </a:solidFill>
+          </a:ln>
+          <a:effectLst/>
+        </p:spPr>
+        <p:style>
+          <a:lnRef idx="1">
+            <a:schemeClr val="accent1"/>
+          </a:lnRef>
+          <a:fillRef idx="3">
+            <a:schemeClr val="accent1"/>
+          </a:fillRef>
+          <a:effectRef idx="2">
+            <a:schemeClr val="accent1"/>
+          </a:effectRef>
+          <a:fontRef idx="minor">
+            <a:schemeClr val="lt1"/>
+          </a:fontRef>
+        </p:style>
+        <p:txBody>
+          <a:bodyPr rtlCol="0" anchor="ctr"/>
+          <a:lstStyle/>
+          <a:p>
+            <a:r>
+              <a:rPr lang="en-US" dirty="0" err="1" smtClean="0">
+                <a:solidFill>
+                  <a:srgbClr val="232323"/>
+                </a:solidFill>
+                <a:latin typeface="Consolas"/>
+                <a:cs typeface="Consolas"/>
+              </a:rPr>
+              <a:t>www.your</a:t>
+            </a:r>
+            <a:r>
+              <a:rPr lang="en-US" dirty="0" smtClean="0">
+                <a:solidFill>
+                  <a:srgbClr val="232323"/>
+                </a:solidFill>
+                <a:latin typeface="Consolas"/>
+                <a:cs typeface="Consolas"/>
+              </a:rPr>
+              <a:t>-site-</a:t>
+            </a:r>
+            <a:r>
+              <a:rPr lang="en-US" dirty="0" err="1" smtClean="0">
+                <a:solidFill>
+                  <a:srgbClr val="232323"/>
+                </a:solidFill>
+                <a:latin typeface="Consolas"/>
+                <a:cs typeface="Consolas"/>
+              </a:rPr>
+              <a:t>domain.com</a:t>
+            </a:r>
+            <a:endParaRPr lang="en-US" dirty="0">
+              <a:solidFill>
+                <a:schemeClr val="bg1">
+                  <a:lumMod val="65000"/>
+                </a:schemeClr>
+              </a:solidFill>
+              <a:latin typeface="Consolas"/>
+              <a:cs typeface="Consolas"/>
+            </a:endParaRPr>
+          </a:p>
+        </p:txBody>
+      </p:sp>
+      <p:sp>
+        <p:nvSpPr>
+          <p:cNvPr id="11" name="Rounded Rectangle 10"/>
+          <p:cNvSpPr/>
+          <p:nvPr/>
+        </p:nvSpPr>
+        <p:spPr>
+          <a:xfrm>
+            <a:off x="1376348" y="2496839"/>
+            <a:ext cx="6391304" cy="3804780"/>
+          </a:xfrm>
+          <a:prstGeom prst="roundRect">
+            <a:avLst>
+              <a:gd name="adj" fmla="val 4908"/>
+            </a:avLst>
+          </a:prstGeom>
+          <a:solidFill>
+            <a:srgbClr val="232323"/>
+          </a:solidFill>
+          <a:ln>
+            <a:noFill/>
+          </a:ln>
+          <a:effectLst/>
+        </p:spPr>
+        <p:style>
+          <a:lnRef idx="1">
+            <a:schemeClr val="accent1"/>
+          </a:lnRef>
+          <a:fillRef idx="3">
+            <a:schemeClr val="accent1"/>
+          </a:fillRef>
+          <a:effectRef idx="2">
+            <a:schemeClr val="accent1"/>
+          </a:effectRef>
+          <a:fontRef idx="minor">
+            <a:schemeClr val="lt1"/>
+          </a:fontRef>
+        </p:style>
+        <p:txBody>
+          <a:bodyPr rtlCol="0" anchor="ctr"/>
+          <a:lstStyle/>
+          <a:p>
+            <a:r>
+              <a:rPr lang="en-US" dirty="0" smtClean="0">
+                <a:solidFill>
+                  <a:schemeClr val="bg1">
+                    <a:lumMod val="75000"/>
+                  </a:schemeClr>
+                </a:solidFill>
+                <a:latin typeface="Consolas"/>
+                <a:cs typeface="Consolas"/>
+              </a:rPr>
+              <a:t>event/ &lt;- developer added app</a:t>
+            </a:r>
+          </a:p>
+          <a:p>
+            <a:r>
+              <a:rPr lang="en-US" dirty="0" smtClean="0">
+                <a:solidFill>
+                  <a:schemeClr val="bg1">
+                    <a:lumMod val="75000"/>
+                  </a:schemeClr>
+                </a:solidFill>
+                <a:latin typeface="Consolas"/>
+                <a:cs typeface="Consolas"/>
+              </a:rPr>
+              <a:t>	__</a:t>
+            </a:r>
+            <a:r>
+              <a:rPr lang="en-US" dirty="0" err="1" smtClean="0">
+                <a:solidFill>
+                  <a:schemeClr val="bg1">
+                    <a:lumMod val="75000"/>
+                  </a:schemeClr>
+                </a:solidFill>
+                <a:latin typeface="Consolas"/>
+                <a:cs typeface="Consolas"/>
+              </a:rPr>
+              <a:t>init</a:t>
+            </a:r>
+            <a:r>
+              <a:rPr lang="en-US" dirty="0" smtClean="0">
+                <a:solidFill>
+                  <a:schemeClr val="bg1">
+                    <a:lumMod val="75000"/>
+                  </a:schemeClr>
+                </a:solidFill>
+                <a:latin typeface="Consolas"/>
+                <a:cs typeface="Consolas"/>
+              </a:rPr>
+              <a:t>__.</a:t>
+            </a:r>
+            <a:r>
+              <a:rPr lang="en-US" dirty="0" err="1" smtClean="0">
+                <a:solidFill>
+                  <a:schemeClr val="bg1">
+                    <a:lumMod val="75000"/>
+                  </a:schemeClr>
+                </a:solidFill>
+                <a:latin typeface="Consolas"/>
+                <a:cs typeface="Consolas"/>
+              </a:rPr>
+              <a:t>py</a:t>
+            </a:r>
+            <a:endParaRPr lang="en-US" dirty="0" smtClean="0">
+              <a:solidFill>
+                <a:schemeClr val="bg1">
+                  <a:lumMod val="75000"/>
+                </a:schemeClr>
+              </a:solidFill>
+              <a:latin typeface="Consolas"/>
+              <a:cs typeface="Consolas"/>
+            </a:endParaRPr>
+          </a:p>
+          <a:p>
+            <a:r>
+              <a:rPr lang="en-US" dirty="0">
+                <a:solidFill>
+                  <a:schemeClr val="bg1">
+                    <a:lumMod val="75000"/>
+                  </a:schemeClr>
+                </a:solidFill>
+                <a:latin typeface="Consolas"/>
+                <a:cs typeface="Consolas"/>
+              </a:rPr>
+              <a:t>	</a:t>
+            </a:r>
+            <a:r>
+              <a:rPr lang="en-US" dirty="0" err="1" smtClean="0">
+                <a:solidFill>
+                  <a:schemeClr val="bg1">
+                    <a:lumMod val="75000"/>
+                  </a:schemeClr>
+                </a:solidFill>
+                <a:latin typeface="Consolas"/>
+                <a:cs typeface="Consolas"/>
+              </a:rPr>
+              <a:t>models.py</a:t>
+            </a:r>
+            <a:endParaRPr lang="en-US" dirty="0" smtClean="0">
+              <a:solidFill>
+                <a:schemeClr val="bg1">
+                  <a:lumMod val="75000"/>
+                </a:schemeClr>
+              </a:solidFill>
+              <a:latin typeface="Consolas"/>
+              <a:cs typeface="Consolas"/>
+            </a:endParaRPr>
+          </a:p>
+          <a:p>
+            <a:r>
+              <a:rPr lang="en-US" dirty="0">
+                <a:solidFill>
+                  <a:schemeClr val="bg1">
+                    <a:lumMod val="75000"/>
+                  </a:schemeClr>
+                </a:solidFill>
+                <a:latin typeface="Consolas"/>
+                <a:cs typeface="Consolas"/>
+              </a:rPr>
+              <a:t>	</a:t>
+            </a:r>
+            <a:r>
+              <a:rPr lang="en-US" dirty="0" err="1" smtClean="0">
+                <a:solidFill>
+                  <a:schemeClr val="bg1">
+                    <a:lumMod val="75000"/>
+                  </a:schemeClr>
+                </a:solidFill>
+                <a:latin typeface="Consolas"/>
+                <a:cs typeface="Consolas"/>
+              </a:rPr>
+              <a:t>test.py</a:t>
+            </a:r>
+            <a:endParaRPr lang="en-US" dirty="0" smtClean="0">
+              <a:solidFill>
+                <a:schemeClr val="bg1">
+                  <a:lumMod val="75000"/>
+                </a:schemeClr>
+              </a:solidFill>
+              <a:latin typeface="Consolas"/>
+              <a:cs typeface="Consolas"/>
+            </a:endParaRPr>
+          </a:p>
+          <a:p>
+            <a:r>
+              <a:rPr lang="en-US" dirty="0">
+                <a:solidFill>
+                  <a:schemeClr val="bg1">
+                    <a:lumMod val="75000"/>
+                  </a:schemeClr>
+                </a:solidFill>
+                <a:latin typeface="Consolas"/>
+                <a:cs typeface="Consolas"/>
+              </a:rPr>
+              <a:t>	</a:t>
+            </a:r>
+            <a:r>
+              <a:rPr lang="en-US" dirty="0" err="1" smtClean="0">
+                <a:solidFill>
+                  <a:schemeClr val="bg1">
+                    <a:lumMod val="75000"/>
+                  </a:schemeClr>
+                </a:solidFill>
+                <a:latin typeface="Consolas"/>
+                <a:cs typeface="Consolas"/>
+              </a:rPr>
+              <a:t>views.py</a:t>
+            </a:r>
+            <a:endParaRPr lang="en-US" dirty="0" smtClean="0">
+              <a:solidFill>
+                <a:schemeClr val="bg1">
+                  <a:lumMod val="75000"/>
+                </a:schemeClr>
+              </a:solidFill>
+              <a:latin typeface="Consolas"/>
+              <a:cs typeface="Consolas"/>
+            </a:endParaRPr>
+          </a:p>
+          <a:p>
+            <a:r>
+              <a:rPr lang="en-US" dirty="0" err="1" smtClean="0">
+                <a:solidFill>
+                  <a:schemeClr val="bg1">
+                    <a:lumMod val="75000"/>
+                  </a:schemeClr>
+                </a:solidFill>
+                <a:latin typeface="Consolas"/>
+                <a:cs typeface="Consolas"/>
+              </a:rPr>
+              <a:t>manage.py</a:t>
+            </a:r>
+            <a:endParaRPr lang="en-US" dirty="0" smtClean="0">
+              <a:solidFill>
+                <a:schemeClr val="bg1">
+                  <a:lumMod val="75000"/>
+                </a:schemeClr>
+              </a:solidFill>
+              <a:latin typeface="Consolas"/>
+              <a:cs typeface="Consolas"/>
+            </a:endParaRPr>
+          </a:p>
+          <a:p>
+            <a:r>
+              <a:rPr lang="en-US" dirty="0" smtClean="0">
+                <a:solidFill>
+                  <a:schemeClr val="bg1">
+                    <a:lumMod val="75000"/>
+                  </a:schemeClr>
+                </a:solidFill>
+                <a:latin typeface="Consolas"/>
+                <a:cs typeface="Consolas"/>
+              </a:rPr>
+              <a:t>rsvp/</a:t>
+            </a:r>
+          </a:p>
+          <a:p>
+            <a:r>
+              <a:rPr lang="en-US" dirty="0">
+                <a:solidFill>
+                  <a:schemeClr val="bg1">
+                    <a:lumMod val="75000"/>
+                  </a:schemeClr>
+                </a:solidFill>
+                <a:latin typeface="Consolas"/>
+                <a:cs typeface="Consolas"/>
+              </a:rPr>
+              <a:t>	</a:t>
+            </a:r>
+            <a:r>
+              <a:rPr lang="en-US" dirty="0" smtClean="0">
+                <a:solidFill>
+                  <a:schemeClr val="bg1">
+                    <a:lumMod val="75000"/>
+                  </a:schemeClr>
+                </a:solidFill>
+                <a:latin typeface="Consolas"/>
+                <a:cs typeface="Consolas"/>
+              </a:rPr>
+              <a:t>__</a:t>
+            </a:r>
+            <a:r>
+              <a:rPr lang="en-US" dirty="0" err="1" smtClean="0">
+                <a:solidFill>
+                  <a:schemeClr val="bg1">
+                    <a:lumMod val="75000"/>
+                  </a:schemeClr>
+                </a:solidFill>
+                <a:latin typeface="Consolas"/>
+                <a:cs typeface="Consolas"/>
+              </a:rPr>
+              <a:t>init</a:t>
+            </a:r>
+            <a:r>
+              <a:rPr lang="en-US" dirty="0" smtClean="0">
+                <a:solidFill>
+                  <a:schemeClr val="bg1">
+                    <a:lumMod val="75000"/>
+                  </a:schemeClr>
+                </a:solidFill>
+                <a:latin typeface="Consolas"/>
+                <a:cs typeface="Consolas"/>
+              </a:rPr>
+              <a:t>__.</a:t>
+            </a:r>
+            <a:r>
+              <a:rPr lang="en-US" dirty="0" err="1" smtClean="0">
+                <a:solidFill>
+                  <a:schemeClr val="bg1">
+                    <a:lumMod val="75000"/>
+                  </a:schemeClr>
+                </a:solidFill>
+                <a:latin typeface="Consolas"/>
+                <a:cs typeface="Consolas"/>
+              </a:rPr>
+              <a:t>py</a:t>
+            </a:r>
+            <a:endParaRPr lang="en-US" dirty="0" smtClean="0">
+              <a:solidFill>
+                <a:schemeClr val="bg1">
+                  <a:lumMod val="75000"/>
+                </a:schemeClr>
+              </a:solidFill>
+              <a:latin typeface="Consolas"/>
+              <a:cs typeface="Consolas"/>
+            </a:endParaRPr>
+          </a:p>
+          <a:p>
+            <a:r>
+              <a:rPr lang="en-US" dirty="0">
+                <a:solidFill>
+                  <a:schemeClr val="bg1">
+                    <a:lumMod val="75000"/>
+                  </a:schemeClr>
+                </a:solidFill>
+                <a:latin typeface="Consolas"/>
+                <a:cs typeface="Consolas"/>
+              </a:rPr>
+              <a:t>	</a:t>
+            </a:r>
+            <a:r>
+              <a:rPr lang="en-US" dirty="0" err="1" smtClean="0">
+                <a:solidFill>
+                  <a:schemeClr val="bg1">
+                    <a:lumMod val="75000"/>
+                  </a:schemeClr>
+                </a:solidFill>
+                <a:latin typeface="Consolas"/>
+                <a:cs typeface="Consolas"/>
+              </a:rPr>
+              <a:t>settings.py</a:t>
+            </a:r>
+            <a:endParaRPr lang="en-US" dirty="0" smtClean="0">
+              <a:solidFill>
+                <a:schemeClr val="bg1">
+                  <a:lumMod val="75000"/>
+                </a:schemeClr>
+              </a:solidFill>
+              <a:latin typeface="Consolas"/>
+              <a:cs typeface="Consolas"/>
+            </a:endParaRPr>
+          </a:p>
+          <a:p>
+            <a:r>
+              <a:rPr lang="en-US" dirty="0">
+                <a:solidFill>
+                  <a:schemeClr val="bg1">
+                    <a:lumMod val="75000"/>
+                  </a:schemeClr>
+                </a:solidFill>
+                <a:latin typeface="Consolas"/>
+                <a:cs typeface="Consolas"/>
+              </a:rPr>
+              <a:t>	</a:t>
+            </a:r>
+            <a:r>
+              <a:rPr lang="en-US" dirty="0" smtClean="0">
+                <a:solidFill>
+                  <a:schemeClr val="bg1">
+                    <a:lumMod val="75000"/>
+                  </a:schemeClr>
+                </a:solidFill>
+                <a:latin typeface="Consolas"/>
+                <a:cs typeface="Consolas"/>
+              </a:rPr>
+              <a:t>static/ &lt;- developer added</a:t>
+            </a:r>
+          </a:p>
+          <a:p>
+            <a:r>
+              <a:rPr lang="en-US" dirty="0">
+                <a:solidFill>
+                  <a:schemeClr val="bg1">
+                    <a:lumMod val="75000"/>
+                  </a:schemeClr>
+                </a:solidFill>
+                <a:latin typeface="Consolas"/>
+                <a:cs typeface="Consolas"/>
+              </a:rPr>
+              <a:t>	</a:t>
+            </a:r>
+            <a:r>
+              <a:rPr lang="en-US" dirty="0" smtClean="0">
+                <a:solidFill>
+                  <a:schemeClr val="bg1">
+                    <a:lumMod val="75000"/>
+                  </a:schemeClr>
+                </a:solidFill>
+                <a:latin typeface="Consolas"/>
+                <a:cs typeface="Consolas"/>
+              </a:rPr>
+              <a:t>templates/ &lt;- developer added</a:t>
+            </a:r>
+          </a:p>
+          <a:p>
+            <a:r>
+              <a:rPr lang="en-US" dirty="0">
+                <a:solidFill>
+                  <a:schemeClr val="bg1">
+                    <a:lumMod val="75000"/>
+                  </a:schemeClr>
+                </a:solidFill>
+                <a:latin typeface="Consolas"/>
+                <a:cs typeface="Consolas"/>
+              </a:rPr>
+              <a:t>	</a:t>
+            </a:r>
+            <a:r>
+              <a:rPr lang="en-US" dirty="0" err="1" smtClean="0">
+                <a:solidFill>
+                  <a:schemeClr val="bg1">
+                    <a:lumMod val="75000"/>
+                  </a:schemeClr>
+                </a:solidFill>
+                <a:latin typeface="Consolas"/>
+                <a:cs typeface="Consolas"/>
+              </a:rPr>
+              <a:t>urls.py</a:t>
+            </a:r>
+            <a:endParaRPr lang="en-US" dirty="0" smtClean="0">
+              <a:solidFill>
+                <a:schemeClr val="bg1">
+                  <a:lumMod val="75000"/>
+                </a:schemeClr>
+              </a:solidFill>
+              <a:latin typeface="Consolas"/>
+              <a:cs typeface="Consolas"/>
+            </a:endParaRPr>
+          </a:p>
+          <a:p>
+            <a:r>
+              <a:rPr lang="en-US" dirty="0">
+                <a:solidFill>
+                  <a:schemeClr val="bg1">
+                    <a:lumMod val="75000"/>
+                  </a:schemeClr>
+                </a:solidFill>
+                <a:latin typeface="Consolas"/>
+                <a:cs typeface="Consolas"/>
+              </a:rPr>
+              <a:t>	</a:t>
+            </a:r>
+            <a:r>
+              <a:rPr lang="en-US" dirty="0" err="1" smtClean="0">
+                <a:solidFill>
+                  <a:schemeClr val="bg1">
+                    <a:lumMod val="75000"/>
+                  </a:schemeClr>
+                </a:solidFill>
+                <a:latin typeface="Consolas"/>
+                <a:cs typeface="Consolas"/>
+              </a:rPr>
+              <a:t>wsgi.pyls</a:t>
+            </a:r>
+            <a:endParaRPr lang="en-US" dirty="0" smtClean="0">
+              <a:solidFill>
+                <a:schemeClr val="bg1">
+                  <a:lumMod val="75000"/>
+                </a:schemeClr>
+              </a:solidFill>
+              <a:latin typeface="Consolas"/>
+              <a:cs typeface="Consolas"/>
+            </a:endParaRPr>
+          </a:p>
+        </p:txBody>
+      </p:sp>
+    </p:spTree>
+    <p:extLst>
+      <p:ext uri="{BB962C8B-B14F-4D97-AF65-F5344CB8AC3E}">
+        <p14:creationId xmlns:p14="http://schemas.microsoft.com/office/powerpoint/2010/main" val="1568294886"/>
+      </p:ext>
+    </p:extLst>
+  </p:cSld>
+  <p:clrMapOvr>
+    <a:masterClrMapping/>
+  </p:clrMapOvr>
+  <mc:AlternateContent xmlns:mc="http://schemas.openxmlformats.org/markup-compatibility/2006" xmlns:p14="http://schemas.microsoft.com/office/powerpoint/2010/main">
+    <mc:Choice Requires="p14">
+      <p:transition spd="slow" p14:dur="2000"/>
+    </mc:Choice>
+    <mc:Fallback xmlns="">
+      <p:transition xmlns:p14="http://schemas.microsoft.com/office/powerpoint/2010/main" spd="slow"/>
+    </mc:Fallback>
+  </mc:AlternateContent>
+  <p:timing>
+    <p:tnLst>
+      <p:par>
+        <p:cTn xmlns:p14="http://schemas.microsoft.com/office/powerpoint/2010/main" id="1" dur="indefinite" restart="never" nodeType="tmRoot"/>
+      </p:par>
+    </p:tnLst>
+  </p:timing>
+</p:sld>
+</file>
+
+<file path=ppt/slides/slide25.xml><?xml version="1.0" encoding="utf-8"?>
+<p:sld xmlns:a="http://schemas.openxmlformats.org/drawingml/2006/main" xmlns:r="http://schemas.openxmlformats.org/officeDocument/2006/relationships" xmlns:p="http://schemas.openxmlformats.org/presentationml/2006/main">
+  <p:cSld>
+    <p:bg>
+      <p:bgPr>
+        <a:gradFill flip="none" rotWithShape="1">
+          <a:gsLst>
+            <a:gs pos="94000">
+              <a:srgbClr val="232323"/>
+            </a:gs>
+            <a:gs pos="1000">
+              <a:srgbClr val="7B7B7B"/>
+            </a:gs>
+          </a:gsLst>
+          <a:path path="circle">
+            <a:fillToRect r="100000" b="100000"/>
+          </a:path>
+          <a:tileRect l="-100000" t="-100000"/>
+        </a:gradFill>
+        <a:effectLst/>
+      </p:bgPr>
+    </p:bg>
+    <p:spTree>
+      <p:nvGrpSpPr>
+        <p:cNvPr id="1" name=""/>
+        <p:cNvGrpSpPr/>
+        <p:nvPr/>
+      </p:nvGrpSpPr>
+      <p:grpSpPr>
+        <a:xfrm>
+          <a:off x="0" y="0"/>
+          <a:ext cx="0" cy="0"/>
+          <a:chOff x="0" y="0"/>
+          <a:chExt cx="0" cy="0"/>
+        </a:xfrm>
+      </p:grpSpPr>
+      <p:sp>
+        <p:nvSpPr>
+          <p:cNvPr id="2" name="Title 1"/>
+          <p:cNvSpPr>
+            <a:spLocks noGrp="1"/>
+          </p:cNvSpPr>
+          <p:nvPr>
+            <p:ph type="ctrTitle"/>
+          </p:nvPr>
+        </p:nvSpPr>
+        <p:spPr>
+          <a:xfrm>
+            <a:off x="499999" y="22679"/>
+            <a:ext cx="8644000" cy="703095"/>
+          </a:xfrm>
+        </p:spPr>
+        <p:txBody>
+          <a:bodyPr>
+            <a:normAutofit/>
+          </a:bodyPr>
+          <a:lstStyle/>
+          <a:p>
+            <a:pPr algn="l"/>
+            <a:r>
+              <a:rPr lang="en-US" sz="2400" dirty="0" smtClean="0">
+                <a:solidFill>
+                  <a:schemeClr val="bg1"/>
+                </a:solidFill>
+                <a:latin typeface="Helvetica Neue"/>
+                <a:cs typeface="Helvetica Neue"/>
+              </a:rPr>
+              <a:t>SIPB: Django Web Programming, IAP 2013</a:t>
+            </a:r>
+            <a:endParaRPr lang="en-US" sz="3600" dirty="0">
+              <a:solidFill>
+                <a:schemeClr val="bg1"/>
+              </a:solidFill>
+              <a:latin typeface="Helvetica Neue"/>
+              <a:cs typeface="Helvetica Neue"/>
+            </a:endParaRPr>
+          </a:p>
+        </p:txBody>
+      </p:sp>
+      <p:pic>
+        <p:nvPicPr>
+          <p:cNvPr id="17" name="Picture 16" descr="grumpy fuzzball.png"/>
+          <p:cNvPicPr>
+            <a:picLocks noChangeAspect="1"/>
+          </p:cNvPicPr>
+          <p:nvPr/>
+        </p:nvPicPr>
+        <p:blipFill>
+          <a:blip r:embed="rId3">
+            <a:extLst>
+              <a:ext uri="{28A0092B-C50C-407E-A947-70E740481C1C}">
+                <a14:useLocalDpi xmlns:a14="http://schemas.microsoft.com/office/drawing/2010/main" val="0"/>
+              </a:ext>
+            </a:extLst>
+          </a:blip>
+          <a:stretch>
+            <a:fillRect/>
+          </a:stretch>
+        </p:blipFill>
+        <p:spPr>
+          <a:xfrm>
+            <a:off x="148838" y="125201"/>
+            <a:ext cx="351161" cy="619465"/>
+          </a:xfrm>
+          <a:prstGeom prst="rect">
+            <a:avLst/>
+          </a:prstGeom>
+        </p:spPr>
+      </p:pic>
+      <p:sp>
+        <p:nvSpPr>
+          <p:cNvPr id="3" name="Rounded Rectangle 2"/>
+          <p:cNvSpPr/>
+          <p:nvPr/>
+        </p:nvSpPr>
+        <p:spPr>
+          <a:xfrm>
+            <a:off x="0" y="756006"/>
+            <a:ext cx="9144000" cy="6101994"/>
+          </a:xfrm>
+          <a:prstGeom prst="roundRect">
+            <a:avLst>
+              <a:gd name="adj" fmla="val 0"/>
+            </a:avLst>
+          </a:prstGeom>
+          <a:solidFill>
+            <a:schemeClr val="bg1">
+              <a:alpha val="76000"/>
+            </a:schemeClr>
+          </a:solidFill>
+          <a:ln>
+            <a:noFill/>
+          </a:ln>
+          <a:effectLst/>
+        </p:spPr>
+        <p:style>
+          <a:lnRef idx="1">
+            <a:schemeClr val="accent1"/>
+          </a:lnRef>
+          <a:fillRef idx="3">
+            <a:schemeClr val="accent1"/>
+          </a:fillRef>
+          <a:effectRef idx="2">
+            <a:schemeClr val="accent1"/>
+          </a:effectRef>
+          <a:fontRef idx="minor">
+            <a:schemeClr val="lt1"/>
+          </a:fontRef>
+        </p:style>
+        <p:txBody>
+          <a:bodyPr rtlCol="0" anchor="ctr"/>
+          <a:lstStyle/>
+          <a:p>
+            <a:pPr algn="ctr"/>
+            <a:endParaRPr lang="en-US" dirty="0">
+              <a:solidFill>
+                <a:schemeClr val="bg1"/>
+              </a:solidFill>
+            </a:endParaRPr>
+          </a:p>
+        </p:txBody>
+      </p:sp>
+      <p:sp>
+        <p:nvSpPr>
+          <p:cNvPr id="4" name="TextBox 3"/>
+          <p:cNvSpPr txBox="1"/>
+          <p:nvPr/>
+        </p:nvSpPr>
+        <p:spPr>
+          <a:xfrm>
+            <a:off x="-918511" y="1519590"/>
+            <a:ext cx="184666" cy="369332"/>
+          </a:xfrm>
+          <a:prstGeom prst="rect">
+            <a:avLst/>
+          </a:prstGeom>
+          <a:noFill/>
+        </p:spPr>
+        <p:txBody>
+          <a:bodyPr wrap="none" rtlCol="0">
+            <a:spAutoFit/>
+          </a:bodyPr>
+          <a:lstStyle/>
+          <a:p>
+            <a:endParaRPr lang="en-US" dirty="0"/>
+          </a:p>
+        </p:txBody>
+      </p:sp>
+      <p:sp>
+        <p:nvSpPr>
+          <p:cNvPr id="9" name="TextBox 8"/>
+          <p:cNvSpPr txBox="1"/>
+          <p:nvPr/>
+        </p:nvSpPr>
+        <p:spPr>
+          <a:xfrm>
+            <a:off x="499999" y="2222758"/>
+            <a:ext cx="8106786" cy="461665"/>
+          </a:xfrm>
+          <a:prstGeom prst="rect">
+            <a:avLst/>
+          </a:prstGeom>
+          <a:noFill/>
+        </p:spPr>
+        <p:txBody>
+          <a:bodyPr wrap="square" rtlCol="0">
+            <a:spAutoFit/>
+          </a:bodyPr>
+          <a:lstStyle/>
+          <a:p>
+            <a:pPr lvl="1"/>
+            <a:r>
+              <a:rPr lang="en-US" sz="2400" dirty="0" smtClean="0">
+                <a:solidFill>
+                  <a:srgbClr val="232323"/>
+                </a:solidFill>
+                <a:latin typeface="Helvetica Neue"/>
+                <a:cs typeface="Helvetica Neue"/>
+              </a:rPr>
+              <a:t>We then reference ‘rsvp/</a:t>
+            </a:r>
+            <a:r>
+              <a:rPr lang="en-US" sz="2400" dirty="0" err="1" smtClean="0">
+                <a:solidFill>
+                  <a:srgbClr val="232323"/>
+                </a:solidFill>
+                <a:latin typeface="Helvetica Neue"/>
+                <a:cs typeface="Helvetica Neue"/>
+              </a:rPr>
+              <a:t>urls.py</a:t>
+            </a:r>
+            <a:r>
+              <a:rPr lang="en-US" sz="2400" dirty="0" smtClean="0">
+                <a:solidFill>
+                  <a:srgbClr val="232323"/>
+                </a:solidFill>
+                <a:latin typeface="Helvetica Neue"/>
+                <a:cs typeface="Helvetica Neue"/>
+              </a:rPr>
+              <a:t>’</a:t>
+            </a:r>
+            <a:endParaRPr lang="en-US" sz="2400" dirty="0" smtClean="0">
+              <a:solidFill>
+                <a:srgbClr val="232323"/>
+              </a:solidFill>
+              <a:latin typeface="Helvetica Neue"/>
+              <a:cs typeface="Helvetica Neue"/>
+            </a:endParaRPr>
+          </a:p>
+        </p:txBody>
+      </p:sp>
+      <p:sp>
+        <p:nvSpPr>
+          <p:cNvPr id="11" name="Rounded Rectangle 10"/>
+          <p:cNvSpPr/>
+          <p:nvPr/>
+        </p:nvSpPr>
+        <p:spPr>
+          <a:xfrm>
+            <a:off x="1376347" y="2822825"/>
+            <a:ext cx="7230437" cy="1579842"/>
+          </a:xfrm>
+          <a:prstGeom prst="roundRect">
+            <a:avLst>
+              <a:gd name="adj" fmla="val 7205"/>
+            </a:avLst>
+          </a:prstGeom>
+          <a:solidFill>
+            <a:srgbClr val="232323"/>
+          </a:solidFill>
+          <a:ln>
+            <a:noFill/>
+          </a:ln>
+          <a:effectLst/>
+        </p:spPr>
+        <p:style>
+          <a:lnRef idx="1">
+            <a:schemeClr val="accent1"/>
+          </a:lnRef>
+          <a:fillRef idx="3">
+            <a:schemeClr val="accent1"/>
+          </a:fillRef>
+          <a:effectRef idx="2">
+            <a:schemeClr val="accent1"/>
+          </a:effectRef>
+          <a:fontRef idx="minor">
+            <a:schemeClr val="lt1"/>
+          </a:fontRef>
+        </p:style>
+        <p:txBody>
+          <a:bodyPr rtlCol="0" anchor="ctr"/>
+          <a:lstStyle/>
+          <a:p>
+            <a:r>
+              <a:rPr lang="en-US" dirty="0">
+                <a:solidFill>
+                  <a:schemeClr val="bg1">
+                    <a:lumMod val="75000"/>
+                  </a:schemeClr>
+                </a:solidFill>
+                <a:latin typeface="Consolas"/>
+                <a:cs typeface="Consolas"/>
+              </a:rPr>
+              <a:t>from </a:t>
+            </a:r>
+            <a:r>
+              <a:rPr lang="en-US" dirty="0" err="1">
+                <a:solidFill>
+                  <a:schemeClr val="bg1">
+                    <a:lumMod val="75000"/>
+                  </a:schemeClr>
+                </a:solidFill>
+                <a:latin typeface="Consolas"/>
+                <a:cs typeface="Consolas"/>
+              </a:rPr>
+              <a:t>django.conf.urls</a:t>
+            </a:r>
+            <a:r>
+              <a:rPr lang="en-US" dirty="0">
+                <a:solidFill>
+                  <a:schemeClr val="bg1">
+                    <a:lumMod val="75000"/>
+                  </a:schemeClr>
+                </a:solidFill>
+                <a:latin typeface="Consolas"/>
+                <a:cs typeface="Consolas"/>
+              </a:rPr>
+              <a:t> import patterns, include, </a:t>
+            </a:r>
+            <a:r>
+              <a:rPr lang="en-US" dirty="0" err="1">
+                <a:solidFill>
+                  <a:schemeClr val="bg1">
+                    <a:lumMod val="75000"/>
+                  </a:schemeClr>
+                </a:solidFill>
+                <a:latin typeface="Consolas"/>
+                <a:cs typeface="Consolas"/>
+              </a:rPr>
+              <a:t>url</a:t>
+            </a:r>
+            <a:endParaRPr lang="en-US" dirty="0">
+              <a:solidFill>
+                <a:schemeClr val="bg1">
+                  <a:lumMod val="75000"/>
+                </a:schemeClr>
+              </a:solidFill>
+              <a:latin typeface="Consolas"/>
+              <a:cs typeface="Consolas"/>
+            </a:endParaRPr>
+          </a:p>
+          <a:p>
+            <a:endParaRPr lang="en-US" dirty="0">
+              <a:solidFill>
+                <a:schemeClr val="bg1">
+                  <a:lumMod val="75000"/>
+                </a:schemeClr>
+              </a:solidFill>
+              <a:latin typeface="Consolas"/>
+              <a:cs typeface="Consolas"/>
+            </a:endParaRPr>
+          </a:p>
+          <a:p>
+            <a:r>
+              <a:rPr lang="en-US" dirty="0" err="1">
+                <a:solidFill>
+                  <a:schemeClr val="bg1">
+                    <a:lumMod val="75000"/>
+                  </a:schemeClr>
+                </a:solidFill>
+                <a:latin typeface="Consolas"/>
+                <a:cs typeface="Consolas"/>
+              </a:rPr>
+              <a:t>urlpatterns</a:t>
+            </a:r>
+            <a:r>
+              <a:rPr lang="en-US" dirty="0">
+                <a:solidFill>
+                  <a:schemeClr val="bg1">
+                    <a:lumMod val="75000"/>
+                  </a:schemeClr>
+                </a:solidFill>
+                <a:latin typeface="Consolas"/>
+                <a:cs typeface="Consolas"/>
+              </a:rPr>
+              <a:t> = patterns(</a:t>
+            </a:r>
+            <a:r>
+              <a:rPr lang="en-US" dirty="0" smtClean="0">
+                <a:solidFill>
+                  <a:schemeClr val="bg1">
+                    <a:lumMod val="75000"/>
+                  </a:schemeClr>
+                </a:solidFill>
+                <a:latin typeface="Consolas"/>
+                <a:cs typeface="Consolas"/>
+              </a:rPr>
+              <a:t>'’,</a:t>
+            </a:r>
+            <a:endParaRPr lang="en-US" dirty="0">
+              <a:solidFill>
+                <a:schemeClr val="bg1">
+                  <a:lumMod val="75000"/>
+                </a:schemeClr>
+              </a:solidFill>
+              <a:latin typeface="Consolas"/>
+              <a:cs typeface="Consolas"/>
+            </a:endParaRPr>
+          </a:p>
+          <a:p>
+            <a:r>
+              <a:rPr lang="en-US" dirty="0">
+                <a:solidFill>
+                  <a:schemeClr val="bg1">
+                    <a:lumMod val="75000"/>
+                  </a:schemeClr>
+                </a:solidFill>
+                <a:latin typeface="Consolas"/>
+                <a:cs typeface="Consolas"/>
+              </a:rPr>
+              <a:t>    </a:t>
+            </a:r>
+            <a:r>
+              <a:rPr lang="en-US" dirty="0" err="1">
+                <a:solidFill>
+                  <a:schemeClr val="bg1">
+                    <a:lumMod val="95000"/>
+                  </a:schemeClr>
+                </a:solidFill>
+                <a:latin typeface="Consolas"/>
+                <a:cs typeface="Consolas"/>
+              </a:rPr>
+              <a:t>url</a:t>
+            </a:r>
+            <a:r>
+              <a:rPr lang="en-US" dirty="0">
+                <a:solidFill>
+                  <a:schemeClr val="bg1">
+                    <a:lumMod val="95000"/>
+                  </a:schemeClr>
+                </a:solidFill>
+                <a:latin typeface="Consolas"/>
+                <a:cs typeface="Consolas"/>
+              </a:rPr>
+              <a:t>(r'^$', '</a:t>
+            </a:r>
+            <a:r>
+              <a:rPr lang="en-US" dirty="0" err="1">
+                <a:solidFill>
+                  <a:schemeClr val="bg1">
+                    <a:lumMod val="95000"/>
+                  </a:schemeClr>
+                </a:solidFill>
+                <a:latin typeface="Consolas"/>
+                <a:cs typeface="Consolas"/>
+              </a:rPr>
+              <a:t>event.views.home</a:t>
+            </a:r>
+            <a:r>
+              <a:rPr lang="en-US" dirty="0">
+                <a:solidFill>
+                  <a:schemeClr val="bg1">
+                    <a:lumMod val="95000"/>
+                  </a:schemeClr>
+                </a:solidFill>
+                <a:latin typeface="Consolas"/>
+                <a:cs typeface="Consolas"/>
+              </a:rPr>
+              <a:t>', name='home')</a:t>
+            </a:r>
+            <a:r>
+              <a:rPr lang="en-US" dirty="0">
+                <a:solidFill>
+                  <a:schemeClr val="bg1">
+                    <a:lumMod val="75000"/>
+                  </a:schemeClr>
+                </a:solidFill>
+                <a:latin typeface="Consolas"/>
+                <a:cs typeface="Consolas"/>
+              </a:rPr>
+              <a:t>,</a:t>
+            </a:r>
+          </a:p>
+          <a:p>
+            <a:r>
+              <a:rPr lang="en-US" dirty="0" smtClean="0">
+                <a:solidFill>
+                  <a:schemeClr val="bg1">
+                    <a:lumMod val="75000"/>
+                  </a:schemeClr>
+                </a:solidFill>
+                <a:latin typeface="Consolas"/>
+                <a:cs typeface="Consolas"/>
+              </a:rPr>
+              <a:t>)</a:t>
+            </a:r>
+            <a:endParaRPr lang="en-US" dirty="0">
+              <a:solidFill>
+                <a:schemeClr val="bg1">
+                  <a:lumMod val="75000"/>
+                </a:schemeClr>
+              </a:solidFill>
+              <a:latin typeface="Consolas"/>
+              <a:cs typeface="Consolas"/>
+            </a:endParaRPr>
+          </a:p>
+        </p:txBody>
+      </p:sp>
+      <p:sp>
+        <p:nvSpPr>
+          <p:cNvPr id="12" name="TextBox 11"/>
+          <p:cNvSpPr txBox="1"/>
+          <p:nvPr/>
+        </p:nvSpPr>
+        <p:spPr>
+          <a:xfrm>
+            <a:off x="499998" y="983977"/>
+            <a:ext cx="8106786" cy="461665"/>
+          </a:xfrm>
+          <a:prstGeom prst="rect">
+            <a:avLst/>
+          </a:prstGeom>
+          <a:noFill/>
+        </p:spPr>
+        <p:txBody>
+          <a:bodyPr wrap="square" rtlCol="0">
+            <a:spAutoFit/>
+          </a:bodyPr>
+          <a:lstStyle/>
+          <a:p>
+            <a:pPr lvl="1"/>
+            <a:r>
+              <a:rPr lang="en-US" sz="2400" dirty="0" smtClean="0">
+                <a:solidFill>
+                  <a:srgbClr val="232323"/>
+                </a:solidFill>
+                <a:latin typeface="Helvetica Neue"/>
+                <a:cs typeface="Helvetica Neue"/>
+              </a:rPr>
+              <a:t>‘r</a:t>
+            </a:r>
+            <a:r>
+              <a:rPr lang="en-US" sz="2400" dirty="0" smtClean="0">
+                <a:solidFill>
+                  <a:srgbClr val="232323"/>
+                </a:solidFill>
+                <a:latin typeface="Helvetica Neue"/>
+                <a:cs typeface="Helvetica Neue"/>
+              </a:rPr>
+              <a:t>svp/</a:t>
+            </a:r>
+            <a:r>
+              <a:rPr lang="en-US" sz="2400" dirty="0" err="1" smtClean="0">
+                <a:solidFill>
+                  <a:srgbClr val="232323"/>
+                </a:solidFill>
+                <a:latin typeface="Helvetica Neue"/>
+                <a:cs typeface="Helvetica Neue"/>
+              </a:rPr>
+              <a:t>settings.py</a:t>
+            </a:r>
+            <a:r>
+              <a:rPr lang="en-US" sz="2400" dirty="0" smtClean="0">
+                <a:solidFill>
+                  <a:srgbClr val="232323"/>
+                </a:solidFill>
+                <a:latin typeface="Helvetica Neue"/>
+                <a:cs typeface="Helvetica Neue"/>
+              </a:rPr>
+              <a:t>’ </a:t>
+            </a:r>
+            <a:r>
+              <a:rPr lang="en-US" sz="2400" dirty="0" smtClean="0">
+                <a:solidFill>
+                  <a:srgbClr val="232323"/>
+                </a:solidFill>
+                <a:latin typeface="Helvetica Neue"/>
+                <a:cs typeface="Helvetica Neue"/>
+              </a:rPr>
+              <a:t>stores </a:t>
+            </a:r>
+            <a:r>
+              <a:rPr lang="en-US" sz="2400" dirty="0" smtClean="0">
+                <a:solidFill>
+                  <a:srgbClr val="232323"/>
+                </a:solidFill>
+                <a:latin typeface="Helvetica Neue"/>
+                <a:cs typeface="Helvetica Neue"/>
+              </a:rPr>
+              <a:t>location of our URL </a:t>
+            </a:r>
+            <a:r>
+              <a:rPr lang="en-US" sz="2400" dirty="0" err="1" smtClean="0">
+                <a:solidFill>
+                  <a:srgbClr val="232323"/>
+                </a:solidFill>
+                <a:latin typeface="Helvetica Neue"/>
+                <a:cs typeface="Helvetica Neue"/>
+              </a:rPr>
+              <a:t>config</a:t>
+            </a:r>
+            <a:r>
+              <a:rPr lang="en-US" sz="2400" dirty="0" smtClean="0">
+                <a:solidFill>
+                  <a:srgbClr val="232323"/>
+                </a:solidFill>
+                <a:latin typeface="Helvetica Neue"/>
+                <a:cs typeface="Helvetica Neue"/>
+              </a:rPr>
+              <a:t> file</a:t>
+            </a:r>
+            <a:endParaRPr lang="en-US" sz="2400" dirty="0" smtClean="0">
+              <a:solidFill>
+                <a:srgbClr val="232323"/>
+              </a:solidFill>
+              <a:latin typeface="Helvetica Neue"/>
+              <a:cs typeface="Helvetica Neue"/>
+            </a:endParaRPr>
+          </a:p>
+        </p:txBody>
+      </p:sp>
+      <p:sp>
+        <p:nvSpPr>
+          <p:cNvPr id="13" name="Rounded Rectangle 12"/>
+          <p:cNvSpPr/>
+          <p:nvPr/>
+        </p:nvSpPr>
+        <p:spPr>
+          <a:xfrm>
+            <a:off x="1376346" y="1584043"/>
+            <a:ext cx="7230437" cy="500314"/>
+          </a:xfrm>
+          <a:prstGeom prst="roundRect">
+            <a:avLst>
+              <a:gd name="adj" fmla="val 26666"/>
+            </a:avLst>
+          </a:prstGeom>
+          <a:solidFill>
+            <a:srgbClr val="232323"/>
+          </a:solidFill>
+          <a:ln>
+            <a:noFill/>
+          </a:ln>
+          <a:effectLst/>
+        </p:spPr>
+        <p:style>
+          <a:lnRef idx="1">
+            <a:schemeClr val="accent1"/>
+          </a:lnRef>
+          <a:fillRef idx="3">
+            <a:schemeClr val="accent1"/>
+          </a:fillRef>
+          <a:effectRef idx="2">
+            <a:schemeClr val="accent1"/>
+          </a:effectRef>
+          <a:fontRef idx="minor">
+            <a:schemeClr val="lt1"/>
+          </a:fontRef>
+        </p:style>
+        <p:txBody>
+          <a:bodyPr rtlCol="0" anchor="ctr"/>
+          <a:lstStyle/>
+          <a:p>
+            <a:r>
+              <a:rPr lang="en-US" dirty="0">
+                <a:solidFill>
+                  <a:schemeClr val="bg1">
+                    <a:lumMod val="75000"/>
+                  </a:schemeClr>
+                </a:solidFill>
+                <a:latin typeface="Consolas"/>
+                <a:cs typeface="Consolas"/>
+              </a:rPr>
+              <a:t>ROOT_URLCONF = '</a:t>
+            </a:r>
+            <a:r>
+              <a:rPr lang="en-US" dirty="0" err="1">
+                <a:solidFill>
+                  <a:schemeClr val="bg1">
+                    <a:lumMod val="75000"/>
+                  </a:schemeClr>
+                </a:solidFill>
+                <a:latin typeface="Consolas"/>
+                <a:cs typeface="Consolas"/>
+              </a:rPr>
+              <a:t>rsvp.urls</a:t>
+            </a:r>
+            <a:r>
+              <a:rPr lang="en-US" dirty="0">
+                <a:solidFill>
+                  <a:schemeClr val="bg1">
+                    <a:lumMod val="75000"/>
+                  </a:schemeClr>
+                </a:solidFill>
+                <a:latin typeface="Consolas"/>
+                <a:cs typeface="Consolas"/>
+              </a:rPr>
+              <a:t>'</a:t>
+            </a:r>
+          </a:p>
+        </p:txBody>
+      </p:sp>
+      <p:sp>
+        <p:nvSpPr>
+          <p:cNvPr id="14" name="Rounded Rectangle 13"/>
+          <p:cNvSpPr/>
+          <p:nvPr/>
+        </p:nvSpPr>
+        <p:spPr>
+          <a:xfrm>
+            <a:off x="1376348" y="4520542"/>
+            <a:ext cx="7230437" cy="556862"/>
+          </a:xfrm>
+          <a:prstGeom prst="roundRect">
+            <a:avLst>
+              <a:gd name="adj" fmla="val 23493"/>
+            </a:avLst>
+          </a:prstGeom>
+          <a:solidFill>
+            <a:schemeClr val="bg1">
+              <a:lumMod val="95000"/>
+            </a:schemeClr>
+          </a:solidFill>
+          <a:ln>
+            <a:solidFill>
+              <a:srgbClr val="232323"/>
+            </a:solidFill>
+          </a:ln>
+          <a:effectLst/>
+        </p:spPr>
+        <p:style>
+          <a:lnRef idx="1">
+            <a:schemeClr val="accent1"/>
+          </a:lnRef>
+          <a:fillRef idx="3">
+            <a:schemeClr val="accent1"/>
+          </a:fillRef>
+          <a:effectRef idx="2">
+            <a:schemeClr val="accent1"/>
+          </a:effectRef>
+          <a:fontRef idx="minor">
+            <a:schemeClr val="lt1"/>
+          </a:fontRef>
+        </p:style>
+        <p:txBody>
+          <a:bodyPr rtlCol="0" anchor="ctr"/>
+          <a:lstStyle/>
+          <a:p>
+            <a:r>
+              <a:rPr lang="en-US" dirty="0" err="1" smtClean="0">
+                <a:solidFill>
+                  <a:srgbClr val="232323"/>
+                </a:solidFill>
+                <a:latin typeface="Consolas"/>
+                <a:cs typeface="Consolas"/>
+              </a:rPr>
+              <a:t>www.your</a:t>
+            </a:r>
+            <a:r>
+              <a:rPr lang="en-US" dirty="0" smtClean="0">
+                <a:solidFill>
+                  <a:srgbClr val="232323"/>
+                </a:solidFill>
+                <a:latin typeface="Consolas"/>
+                <a:cs typeface="Consolas"/>
+              </a:rPr>
+              <a:t>-site-</a:t>
+            </a:r>
+            <a:r>
+              <a:rPr lang="en-US" dirty="0" err="1" smtClean="0">
+                <a:solidFill>
+                  <a:srgbClr val="232323"/>
+                </a:solidFill>
+                <a:latin typeface="Consolas"/>
+                <a:cs typeface="Consolas"/>
+              </a:rPr>
+              <a:t>domain.com</a:t>
+            </a:r>
+            <a:r>
+              <a:rPr lang="en-US" dirty="0" smtClean="0">
+                <a:solidFill>
+                  <a:srgbClr val="232323"/>
+                </a:solidFill>
+                <a:latin typeface="Consolas"/>
+                <a:cs typeface="Consolas"/>
+              </a:rPr>
+              <a:t> &lt;- matches r’^$’</a:t>
+            </a:r>
+            <a:endParaRPr lang="en-US" dirty="0">
+              <a:solidFill>
+                <a:schemeClr val="bg1">
+                  <a:lumMod val="65000"/>
+                </a:schemeClr>
+              </a:solidFill>
+              <a:latin typeface="Consolas"/>
+              <a:cs typeface="Consolas"/>
+            </a:endParaRPr>
+          </a:p>
+        </p:txBody>
+      </p:sp>
+    </p:spTree>
+    <p:extLst>
+      <p:ext uri="{BB962C8B-B14F-4D97-AF65-F5344CB8AC3E}">
+        <p14:creationId xmlns:p14="http://schemas.microsoft.com/office/powerpoint/2010/main" val="1224167294"/>
+      </p:ext>
+    </p:extLst>
+  </p:cSld>
+  <p:clrMapOvr>
+    <a:masterClrMapping/>
+  </p:clrMapOvr>
+  <mc:AlternateContent xmlns:mc="http://schemas.openxmlformats.org/markup-compatibility/2006" xmlns:p14="http://schemas.microsoft.com/office/powerpoint/2010/main">
+    <mc:Choice Requires="p14">
+      <p:transition spd="slow" p14:dur="2000"/>
+    </mc:Choice>
+    <mc:Fallback xmlns="">
+      <p:transition xmlns:p14="http://schemas.microsoft.com/office/powerpoint/2010/main" spd="slow"/>
+    </mc:Fallback>
+  </mc:AlternateContent>
+  <p:timing>
+    <p:tnLst>
+      <p:par>
+        <p:cTn xmlns:p14="http://schemas.microsoft.com/office/powerpoint/2010/main" id="1" dur="indefinite" restart="never" nodeType="tmRoot"/>
+      </p:par>
+    </p:tnLst>
+  </p:timing>
+</p:sld>
+</file>
+
+<file path=ppt/slides/slide26.xml><?xml version="1.0" encoding="utf-8"?>
+<p:sld xmlns:a="http://schemas.openxmlformats.org/drawingml/2006/main" xmlns:r="http://schemas.openxmlformats.org/officeDocument/2006/relationships" xmlns:p="http://schemas.openxmlformats.org/presentationml/2006/main">
+  <p:cSld>
+    <p:bg>
+      <p:bgPr>
+        <a:gradFill flip="none" rotWithShape="1">
+          <a:gsLst>
+            <a:gs pos="94000">
+              <a:srgbClr val="232323"/>
+            </a:gs>
+            <a:gs pos="1000">
+              <a:srgbClr val="7B7B7B"/>
+            </a:gs>
+          </a:gsLst>
+          <a:path path="circle">
+            <a:fillToRect r="100000" b="100000"/>
+          </a:path>
+          <a:tileRect l="-100000" t="-100000"/>
+        </a:gradFill>
+        <a:effectLst/>
+      </p:bgPr>
+    </p:bg>
+    <p:spTree>
+      <p:nvGrpSpPr>
+        <p:cNvPr id="1" name=""/>
+        <p:cNvGrpSpPr/>
+        <p:nvPr/>
+      </p:nvGrpSpPr>
+      <p:grpSpPr>
+        <a:xfrm>
+          <a:off x="0" y="0"/>
+          <a:ext cx="0" cy="0"/>
+          <a:chOff x="0" y="0"/>
+          <a:chExt cx="0" cy="0"/>
+        </a:xfrm>
+      </p:grpSpPr>
+      <p:sp>
+        <p:nvSpPr>
+          <p:cNvPr id="2" name="Title 1"/>
+          <p:cNvSpPr>
+            <a:spLocks noGrp="1"/>
+          </p:cNvSpPr>
+          <p:nvPr>
+            <p:ph type="ctrTitle"/>
+          </p:nvPr>
+        </p:nvSpPr>
+        <p:spPr>
+          <a:xfrm>
+            <a:off x="499999" y="22679"/>
+            <a:ext cx="8644000" cy="703095"/>
+          </a:xfrm>
+        </p:spPr>
+        <p:txBody>
+          <a:bodyPr>
+            <a:normAutofit/>
+          </a:bodyPr>
+          <a:lstStyle/>
+          <a:p>
+            <a:pPr algn="l"/>
+            <a:r>
+              <a:rPr lang="en-US" sz="2400" dirty="0" smtClean="0">
+                <a:solidFill>
+                  <a:schemeClr val="bg1"/>
+                </a:solidFill>
+                <a:latin typeface="Helvetica Neue"/>
+                <a:cs typeface="Helvetica Neue"/>
+              </a:rPr>
+              <a:t>SIPB: Django Web Programming, IAP 2013</a:t>
+            </a:r>
+            <a:endParaRPr lang="en-US" sz="3600" dirty="0">
+              <a:solidFill>
+                <a:schemeClr val="bg1"/>
+              </a:solidFill>
+              <a:latin typeface="Helvetica Neue"/>
+              <a:cs typeface="Helvetica Neue"/>
+            </a:endParaRPr>
+          </a:p>
+        </p:txBody>
+      </p:sp>
+      <p:pic>
+        <p:nvPicPr>
+          <p:cNvPr id="17" name="Picture 16" descr="grumpy fuzzball.png"/>
+          <p:cNvPicPr>
+            <a:picLocks noChangeAspect="1"/>
+          </p:cNvPicPr>
+          <p:nvPr/>
+        </p:nvPicPr>
+        <p:blipFill>
+          <a:blip r:embed="rId3">
+            <a:extLst>
+              <a:ext uri="{28A0092B-C50C-407E-A947-70E740481C1C}">
+                <a14:useLocalDpi xmlns:a14="http://schemas.microsoft.com/office/drawing/2010/main" val="0"/>
+              </a:ext>
+            </a:extLst>
+          </a:blip>
+          <a:stretch>
+            <a:fillRect/>
+          </a:stretch>
+        </p:blipFill>
+        <p:spPr>
+          <a:xfrm>
+            <a:off x="148838" y="125201"/>
+            <a:ext cx="351161" cy="619465"/>
+          </a:xfrm>
+          <a:prstGeom prst="rect">
+            <a:avLst/>
+          </a:prstGeom>
+        </p:spPr>
+      </p:pic>
+      <p:sp>
+        <p:nvSpPr>
+          <p:cNvPr id="3" name="Rounded Rectangle 2"/>
+          <p:cNvSpPr/>
+          <p:nvPr/>
+        </p:nvSpPr>
+        <p:spPr>
+          <a:xfrm>
+            <a:off x="-1" y="756006"/>
+            <a:ext cx="9144000" cy="6101994"/>
+          </a:xfrm>
+          <a:prstGeom prst="roundRect">
+            <a:avLst>
+              <a:gd name="adj" fmla="val 0"/>
+            </a:avLst>
+          </a:prstGeom>
+          <a:solidFill>
+            <a:schemeClr val="bg1">
+              <a:alpha val="76000"/>
+            </a:schemeClr>
+          </a:solidFill>
+          <a:ln>
+            <a:noFill/>
+          </a:ln>
+          <a:effectLst/>
+        </p:spPr>
+        <p:style>
+          <a:lnRef idx="1">
+            <a:schemeClr val="accent1"/>
+          </a:lnRef>
+          <a:fillRef idx="3">
+            <a:schemeClr val="accent1"/>
+          </a:fillRef>
+          <a:effectRef idx="2">
+            <a:schemeClr val="accent1"/>
+          </a:effectRef>
+          <a:fontRef idx="minor">
+            <a:schemeClr val="lt1"/>
+          </a:fontRef>
+        </p:style>
+        <p:txBody>
+          <a:bodyPr rtlCol="0" anchor="ctr"/>
+          <a:lstStyle/>
+          <a:p>
+            <a:endParaRPr lang="en-US" dirty="0">
+              <a:solidFill>
+                <a:schemeClr val="bg1">
+                  <a:lumMod val="75000"/>
+                </a:schemeClr>
+              </a:solidFill>
+              <a:latin typeface="Consolas"/>
+              <a:cs typeface="Consolas"/>
+            </a:endParaRPr>
+          </a:p>
+        </p:txBody>
+      </p:sp>
+      <p:sp>
+        <p:nvSpPr>
+          <p:cNvPr id="9" name="TextBox 8"/>
+          <p:cNvSpPr txBox="1"/>
+          <p:nvPr/>
+        </p:nvSpPr>
+        <p:spPr>
+          <a:xfrm>
+            <a:off x="500000" y="1040440"/>
+            <a:ext cx="8106786" cy="461665"/>
+          </a:xfrm>
+          <a:prstGeom prst="rect">
+            <a:avLst/>
+          </a:prstGeom>
+          <a:noFill/>
+        </p:spPr>
+        <p:txBody>
+          <a:bodyPr wrap="square" rtlCol="0">
+            <a:spAutoFit/>
+          </a:bodyPr>
+          <a:lstStyle/>
+          <a:p>
+            <a:pPr lvl="1"/>
+            <a:r>
+              <a:rPr lang="en-US" sz="2400" dirty="0" smtClean="0">
+                <a:solidFill>
+                  <a:srgbClr val="232323"/>
+                </a:solidFill>
+                <a:latin typeface="Helvetica Neue"/>
+                <a:cs typeface="Helvetica Neue"/>
+              </a:rPr>
+              <a:t>We then reference ‘events/</a:t>
+            </a:r>
+            <a:r>
+              <a:rPr lang="en-US" sz="2400" dirty="0" err="1" smtClean="0">
+                <a:solidFill>
+                  <a:srgbClr val="232323"/>
+                </a:solidFill>
+                <a:latin typeface="Helvetica Neue"/>
+                <a:cs typeface="Helvetica Neue"/>
+              </a:rPr>
+              <a:t>views.py</a:t>
+            </a:r>
+            <a:r>
+              <a:rPr lang="en-US" sz="2400" dirty="0" smtClean="0">
+                <a:solidFill>
+                  <a:srgbClr val="232323"/>
+                </a:solidFill>
+                <a:latin typeface="Helvetica Neue"/>
+                <a:cs typeface="Helvetica Neue"/>
+              </a:rPr>
+              <a:t>’</a:t>
+            </a:r>
+            <a:endParaRPr lang="en-US" sz="2400" dirty="0" smtClean="0">
+              <a:solidFill>
+                <a:srgbClr val="232323"/>
+              </a:solidFill>
+              <a:latin typeface="Helvetica Neue"/>
+              <a:cs typeface="Helvetica Neue"/>
+            </a:endParaRPr>
+          </a:p>
+        </p:txBody>
+      </p:sp>
+      <p:sp>
+        <p:nvSpPr>
+          <p:cNvPr id="11" name="Rounded Rectangle 10"/>
+          <p:cNvSpPr/>
+          <p:nvPr/>
+        </p:nvSpPr>
+        <p:spPr>
+          <a:xfrm>
+            <a:off x="1376348" y="1640507"/>
+            <a:ext cx="7230437" cy="1310731"/>
+          </a:xfrm>
+          <a:prstGeom prst="roundRect">
+            <a:avLst>
+              <a:gd name="adj" fmla="val 7205"/>
+            </a:avLst>
+          </a:prstGeom>
+          <a:solidFill>
+            <a:srgbClr val="232323"/>
+          </a:solidFill>
+          <a:ln>
+            <a:noFill/>
+          </a:ln>
+          <a:effectLst/>
+        </p:spPr>
+        <p:style>
+          <a:lnRef idx="1">
+            <a:schemeClr val="accent1"/>
+          </a:lnRef>
+          <a:fillRef idx="3">
+            <a:schemeClr val="accent1"/>
+          </a:fillRef>
+          <a:effectRef idx="2">
+            <a:schemeClr val="accent1"/>
+          </a:effectRef>
+          <a:fontRef idx="minor">
+            <a:schemeClr val="lt1"/>
+          </a:fontRef>
+        </p:style>
+        <p:txBody>
+          <a:bodyPr rtlCol="0" anchor="ctr"/>
+          <a:lstStyle/>
+          <a:p>
+            <a:r>
+              <a:rPr lang="en-US" dirty="0" smtClean="0">
+                <a:solidFill>
+                  <a:schemeClr val="bg1">
+                    <a:lumMod val="75000"/>
+                  </a:schemeClr>
+                </a:solidFill>
+                <a:latin typeface="Consolas"/>
+                <a:cs typeface="Consolas"/>
+              </a:rPr>
+              <a:t>from </a:t>
+            </a:r>
+            <a:r>
+              <a:rPr lang="en-US" dirty="0" err="1">
+                <a:solidFill>
+                  <a:schemeClr val="bg1">
+                    <a:lumMod val="75000"/>
+                  </a:schemeClr>
+                </a:solidFill>
+                <a:latin typeface="Consolas"/>
+                <a:cs typeface="Consolas"/>
+              </a:rPr>
+              <a:t>django.shortcuts</a:t>
+            </a:r>
+            <a:r>
+              <a:rPr lang="en-US" dirty="0">
+                <a:solidFill>
+                  <a:schemeClr val="bg1">
+                    <a:lumMod val="75000"/>
+                  </a:schemeClr>
+                </a:solidFill>
+                <a:latin typeface="Consolas"/>
+                <a:cs typeface="Consolas"/>
+              </a:rPr>
+              <a:t> import render</a:t>
+            </a:r>
+          </a:p>
+          <a:p>
+            <a:endParaRPr lang="en-US" dirty="0">
+              <a:solidFill>
+                <a:schemeClr val="bg1">
+                  <a:lumMod val="75000"/>
+                </a:schemeClr>
+              </a:solidFill>
+              <a:latin typeface="Consolas"/>
+              <a:cs typeface="Consolas"/>
+            </a:endParaRPr>
+          </a:p>
+          <a:p>
+            <a:r>
+              <a:rPr lang="en-US" dirty="0" err="1">
+                <a:solidFill>
+                  <a:schemeClr val="bg1">
+                    <a:lumMod val="75000"/>
+                  </a:schemeClr>
+                </a:solidFill>
+                <a:latin typeface="Consolas"/>
+                <a:cs typeface="Consolas"/>
+              </a:rPr>
+              <a:t>def</a:t>
+            </a:r>
+            <a:r>
+              <a:rPr lang="en-US" dirty="0">
+                <a:solidFill>
+                  <a:schemeClr val="bg1">
+                    <a:lumMod val="75000"/>
+                  </a:schemeClr>
+                </a:solidFill>
+                <a:latin typeface="Consolas"/>
+                <a:cs typeface="Consolas"/>
+              </a:rPr>
+              <a:t> home(request):</a:t>
+            </a:r>
+          </a:p>
+          <a:p>
+            <a:r>
+              <a:rPr lang="en-US" dirty="0">
+                <a:solidFill>
+                  <a:schemeClr val="bg1">
+                    <a:lumMod val="75000"/>
+                  </a:schemeClr>
+                </a:solidFill>
+                <a:latin typeface="Consolas"/>
+                <a:cs typeface="Consolas"/>
+              </a:rPr>
+              <a:t>    return render(request, '</a:t>
+            </a:r>
+            <a:r>
+              <a:rPr lang="en-US" dirty="0" err="1">
+                <a:solidFill>
+                  <a:schemeClr val="bg1">
+                    <a:lumMod val="75000"/>
+                  </a:schemeClr>
+                </a:solidFill>
+                <a:latin typeface="Consolas"/>
+                <a:cs typeface="Consolas"/>
+              </a:rPr>
+              <a:t>index.html</a:t>
+            </a:r>
+            <a:r>
+              <a:rPr lang="en-US" dirty="0">
+                <a:solidFill>
+                  <a:schemeClr val="bg1">
+                    <a:lumMod val="75000"/>
+                  </a:schemeClr>
+                </a:solidFill>
+                <a:latin typeface="Consolas"/>
+                <a:cs typeface="Consolas"/>
+              </a:rPr>
+              <a:t>')</a:t>
+            </a:r>
+          </a:p>
+        </p:txBody>
+      </p:sp>
+      <p:sp>
+        <p:nvSpPr>
+          <p:cNvPr id="13" name="TextBox 12"/>
+          <p:cNvSpPr txBox="1"/>
+          <p:nvPr/>
+        </p:nvSpPr>
+        <p:spPr>
+          <a:xfrm>
+            <a:off x="499999" y="3097578"/>
+            <a:ext cx="8106786" cy="830997"/>
+          </a:xfrm>
+          <a:prstGeom prst="rect">
+            <a:avLst/>
+          </a:prstGeom>
+          <a:noFill/>
+        </p:spPr>
+        <p:txBody>
+          <a:bodyPr wrap="square" rtlCol="0">
+            <a:spAutoFit/>
+          </a:bodyPr>
+          <a:lstStyle/>
+          <a:p>
+            <a:pPr lvl="1"/>
+            <a:r>
+              <a:rPr lang="en-US" sz="2400" dirty="0" smtClean="0">
+                <a:solidFill>
+                  <a:srgbClr val="232323"/>
+                </a:solidFill>
+                <a:latin typeface="Helvetica Neue"/>
+                <a:cs typeface="Helvetica Neue"/>
+              </a:rPr>
+              <a:t>Django knows where to find template directory because of ‘rsvp/</a:t>
+            </a:r>
+            <a:r>
+              <a:rPr lang="en-US" sz="2400" dirty="0" err="1" smtClean="0">
+                <a:solidFill>
+                  <a:srgbClr val="232323"/>
+                </a:solidFill>
+                <a:latin typeface="Helvetica Neue"/>
+                <a:cs typeface="Helvetica Neue"/>
+              </a:rPr>
+              <a:t>settings.py</a:t>
+            </a:r>
+            <a:r>
+              <a:rPr lang="en-US" sz="2400" dirty="0" smtClean="0">
+                <a:solidFill>
+                  <a:srgbClr val="232323"/>
+                </a:solidFill>
+                <a:latin typeface="Helvetica Neue"/>
+                <a:cs typeface="Helvetica Neue"/>
+              </a:rPr>
+              <a:t>’</a:t>
+            </a:r>
+            <a:endParaRPr lang="en-US" sz="2400" dirty="0" smtClean="0">
+              <a:solidFill>
+                <a:srgbClr val="232323"/>
+              </a:solidFill>
+              <a:latin typeface="Helvetica Neue"/>
+              <a:cs typeface="Helvetica Neue"/>
+            </a:endParaRPr>
+          </a:p>
+        </p:txBody>
+      </p:sp>
+      <p:sp>
+        <p:nvSpPr>
+          <p:cNvPr id="16" name="Rounded Rectangle 15"/>
+          <p:cNvSpPr/>
+          <p:nvPr/>
+        </p:nvSpPr>
+        <p:spPr>
+          <a:xfrm>
+            <a:off x="1376347" y="4060494"/>
+            <a:ext cx="7230437" cy="1031597"/>
+          </a:xfrm>
+          <a:prstGeom prst="roundRect">
+            <a:avLst>
+              <a:gd name="adj" fmla="val 7205"/>
+            </a:avLst>
+          </a:prstGeom>
+          <a:solidFill>
+            <a:srgbClr val="232323"/>
+          </a:solidFill>
+          <a:ln>
+            <a:noFill/>
+          </a:ln>
+          <a:effectLst/>
+        </p:spPr>
+        <p:style>
+          <a:lnRef idx="1">
+            <a:schemeClr val="accent1"/>
+          </a:lnRef>
+          <a:fillRef idx="3">
+            <a:schemeClr val="accent1"/>
+          </a:fillRef>
+          <a:effectRef idx="2">
+            <a:schemeClr val="accent1"/>
+          </a:effectRef>
+          <a:fontRef idx="minor">
+            <a:schemeClr val="lt1"/>
+          </a:fontRef>
+        </p:style>
+        <p:txBody>
+          <a:bodyPr rtlCol="0" anchor="ctr"/>
+          <a:lstStyle/>
+          <a:p>
+            <a:r>
+              <a:rPr lang="en-US" dirty="0">
+                <a:solidFill>
+                  <a:srgbClr val="BFBFBF"/>
+                </a:solidFill>
+                <a:latin typeface="Consolas"/>
+                <a:cs typeface="Consolas"/>
+              </a:rPr>
+              <a:t>TEMPLATE_DIRS = (</a:t>
+            </a:r>
+          </a:p>
+          <a:p>
+            <a:r>
+              <a:rPr lang="en-US" dirty="0" smtClean="0">
+                <a:solidFill>
+                  <a:srgbClr val="BFBFBF"/>
+                </a:solidFill>
+                <a:latin typeface="Consolas"/>
+                <a:cs typeface="Consolas"/>
+              </a:rPr>
+              <a:t>	</a:t>
+            </a:r>
+            <a:r>
+              <a:rPr lang="en-US" dirty="0" err="1" smtClean="0">
+                <a:solidFill>
+                  <a:srgbClr val="BFBFBF"/>
+                </a:solidFill>
+                <a:latin typeface="Consolas"/>
+                <a:cs typeface="Consolas"/>
+              </a:rPr>
+              <a:t>os.path.join</a:t>
+            </a:r>
+            <a:r>
+              <a:rPr lang="en-US" dirty="0">
+                <a:solidFill>
+                  <a:srgbClr val="BFBFBF"/>
+                </a:solidFill>
+                <a:latin typeface="Consolas"/>
+                <a:cs typeface="Consolas"/>
+              </a:rPr>
+              <a:t>(PROJECT_ROOT, 'templates/'),</a:t>
+            </a:r>
+          </a:p>
+          <a:p>
+            <a:r>
+              <a:rPr lang="en-US" dirty="0">
+                <a:solidFill>
+                  <a:srgbClr val="BFBFBF"/>
+                </a:solidFill>
+                <a:latin typeface="Consolas"/>
+                <a:cs typeface="Consolas"/>
+              </a:rPr>
+              <a:t>)</a:t>
+            </a:r>
+          </a:p>
+        </p:txBody>
+      </p:sp>
+    </p:spTree>
+    <p:extLst>
+      <p:ext uri="{BB962C8B-B14F-4D97-AF65-F5344CB8AC3E}">
+        <p14:creationId xmlns:p14="http://schemas.microsoft.com/office/powerpoint/2010/main" val="3458308948"/>
+      </p:ext>
+    </p:extLst>
+  </p:cSld>
+  <p:clrMapOvr>
+    <a:masterClrMapping/>
+  </p:clrMapOvr>
+  <mc:AlternateContent xmlns:mc="http://schemas.openxmlformats.org/markup-compatibility/2006" xmlns:p14="http://schemas.microsoft.com/office/powerpoint/2010/main">
+    <mc:Choice Requires="p14">
+      <p:transition spd="slow" p14:dur="2000"/>
+    </mc:Choice>
+    <mc:Fallback xmlns="">
+      <p:transition xmlns:p14="http://schemas.microsoft.com/office/powerpoint/2010/main" spd="slow"/>
+    </mc:Fallback>
+  </mc:AlternateContent>
+  <p:timing>
+    <p:tnLst>
+      <p:par>
+        <p:cTn xmlns:p14="http://schemas.microsoft.com/office/powerpoint/2010/main" id="1" dur="indefinite" restart="never" nodeType="tmRoot"/>
+      </p:par>
+    </p:tnLst>
+  </p:timing>
+</p:sld>
+</file>
+
+<file path=ppt/slides/slide27.xml><?xml version="1.0" encoding="utf-8"?>
+<p:sld xmlns:a="http://schemas.openxmlformats.org/drawingml/2006/main" xmlns:r="http://schemas.openxmlformats.org/officeDocument/2006/relationships" xmlns:p="http://schemas.openxmlformats.org/presentationml/2006/main">
+  <p:cSld>
+    <p:bg>
+      <p:bgPr>
+        <a:gradFill flip="none" rotWithShape="1">
+          <a:gsLst>
+            <a:gs pos="94000">
+              <a:srgbClr val="232323"/>
+            </a:gs>
+            <a:gs pos="1000">
+              <a:srgbClr val="7B7B7B"/>
+            </a:gs>
+          </a:gsLst>
+          <a:path path="circle">
+            <a:fillToRect r="100000" b="100000"/>
+          </a:path>
+          <a:tileRect l="-100000" t="-100000"/>
+        </a:gradFill>
+        <a:effectLst/>
+      </p:bgPr>
+    </p:bg>
+    <p:spTree>
+      <p:nvGrpSpPr>
+        <p:cNvPr id="1" name=""/>
+        <p:cNvGrpSpPr/>
+        <p:nvPr/>
+      </p:nvGrpSpPr>
+      <p:grpSpPr>
+        <a:xfrm>
+          <a:off x="0" y="0"/>
+          <a:ext cx="0" cy="0"/>
+          <a:chOff x="0" y="0"/>
+          <a:chExt cx="0" cy="0"/>
+        </a:xfrm>
+      </p:grpSpPr>
+      <p:sp>
+        <p:nvSpPr>
+          <p:cNvPr id="2" name="Title 1"/>
+          <p:cNvSpPr>
+            <a:spLocks noGrp="1"/>
+          </p:cNvSpPr>
+          <p:nvPr>
+            <p:ph type="ctrTitle"/>
+          </p:nvPr>
+        </p:nvSpPr>
+        <p:spPr>
+          <a:xfrm>
+            <a:off x="499999" y="22679"/>
+            <a:ext cx="8644000" cy="703095"/>
+          </a:xfrm>
+        </p:spPr>
+        <p:txBody>
+          <a:bodyPr>
+            <a:normAutofit/>
+          </a:bodyPr>
+          <a:lstStyle/>
+          <a:p>
+            <a:pPr algn="l"/>
+            <a:r>
+              <a:rPr lang="en-US" sz="2400" dirty="0" smtClean="0">
+                <a:solidFill>
+                  <a:schemeClr val="bg1"/>
+                </a:solidFill>
+                <a:latin typeface="Helvetica Neue"/>
+                <a:cs typeface="Helvetica Neue"/>
+              </a:rPr>
+              <a:t>SIPB: Django Web Programming, IAP 2013</a:t>
+            </a:r>
+            <a:endParaRPr lang="en-US" sz="3600" dirty="0">
+              <a:solidFill>
+                <a:schemeClr val="bg1"/>
+              </a:solidFill>
+              <a:latin typeface="Helvetica Neue"/>
+              <a:cs typeface="Helvetica Neue"/>
+            </a:endParaRPr>
+          </a:p>
+        </p:txBody>
+      </p:sp>
+      <p:pic>
+        <p:nvPicPr>
+          <p:cNvPr id="17" name="Picture 16" descr="grumpy fuzzball.png"/>
+          <p:cNvPicPr>
+            <a:picLocks noChangeAspect="1"/>
+          </p:cNvPicPr>
+          <p:nvPr/>
+        </p:nvPicPr>
+        <p:blipFill>
+          <a:blip r:embed="rId3">
+            <a:extLst>
+              <a:ext uri="{28A0092B-C50C-407E-A947-70E740481C1C}">
+                <a14:useLocalDpi xmlns:a14="http://schemas.microsoft.com/office/drawing/2010/main" val="0"/>
+              </a:ext>
+            </a:extLst>
+          </a:blip>
+          <a:stretch>
+            <a:fillRect/>
+          </a:stretch>
+        </p:blipFill>
+        <p:spPr>
+          <a:xfrm>
+            <a:off x="148838" y="125201"/>
+            <a:ext cx="351161" cy="619465"/>
+          </a:xfrm>
+          <a:prstGeom prst="rect">
+            <a:avLst/>
+          </a:prstGeom>
+        </p:spPr>
+      </p:pic>
+      <p:sp>
+        <p:nvSpPr>
+          <p:cNvPr id="3" name="Rounded Rectangle 2"/>
+          <p:cNvSpPr/>
+          <p:nvPr/>
+        </p:nvSpPr>
+        <p:spPr>
+          <a:xfrm>
+            <a:off x="-1" y="756006"/>
+            <a:ext cx="9144000" cy="6101994"/>
+          </a:xfrm>
+          <a:prstGeom prst="roundRect">
+            <a:avLst>
+              <a:gd name="adj" fmla="val 0"/>
+            </a:avLst>
+          </a:prstGeom>
+          <a:solidFill>
+            <a:schemeClr val="bg1">
+              <a:alpha val="76000"/>
+            </a:schemeClr>
+          </a:solidFill>
+          <a:ln>
+            <a:noFill/>
+          </a:ln>
+          <a:effectLst/>
+        </p:spPr>
+        <p:style>
+          <a:lnRef idx="1">
+            <a:schemeClr val="accent1"/>
+          </a:lnRef>
+          <a:fillRef idx="3">
+            <a:schemeClr val="accent1"/>
+          </a:fillRef>
+          <a:effectRef idx="2">
+            <a:schemeClr val="accent1"/>
+          </a:effectRef>
+          <a:fontRef idx="minor">
+            <a:schemeClr val="lt1"/>
+          </a:fontRef>
+        </p:style>
+        <p:txBody>
+          <a:bodyPr rtlCol="0" anchor="ctr"/>
+          <a:lstStyle/>
+          <a:p>
+            <a:pPr algn="ctr"/>
+            <a:endParaRPr lang="en-US" dirty="0">
+              <a:solidFill>
+                <a:schemeClr val="bg1"/>
+              </a:solidFill>
+            </a:endParaRPr>
+          </a:p>
+        </p:txBody>
+      </p:sp>
+      <p:sp>
+        <p:nvSpPr>
+          <p:cNvPr id="4" name="TextBox 3"/>
+          <p:cNvSpPr txBox="1"/>
+          <p:nvPr/>
+        </p:nvSpPr>
+        <p:spPr>
+          <a:xfrm>
+            <a:off x="-918511" y="1519590"/>
+            <a:ext cx="184666" cy="369332"/>
+          </a:xfrm>
+          <a:prstGeom prst="rect">
+            <a:avLst/>
+          </a:prstGeom>
+          <a:noFill/>
+        </p:spPr>
+        <p:txBody>
+          <a:bodyPr wrap="none" rtlCol="0">
+            <a:spAutoFit/>
+          </a:bodyPr>
+          <a:lstStyle/>
+          <a:p>
+            <a:endParaRPr lang="en-US" dirty="0"/>
+          </a:p>
+        </p:txBody>
+      </p:sp>
+      <p:sp>
+        <p:nvSpPr>
+          <p:cNvPr id="15" name="TextBox 14"/>
+          <p:cNvSpPr txBox="1"/>
+          <p:nvPr/>
+        </p:nvSpPr>
+        <p:spPr>
+          <a:xfrm>
+            <a:off x="499999" y="994118"/>
+            <a:ext cx="8106786" cy="2062103"/>
+          </a:xfrm>
+          <a:prstGeom prst="rect">
+            <a:avLst/>
+          </a:prstGeom>
+          <a:noFill/>
+        </p:spPr>
+        <p:txBody>
+          <a:bodyPr wrap="square" rtlCol="0">
+            <a:spAutoFit/>
+          </a:bodyPr>
+          <a:lstStyle/>
+          <a:p>
+            <a:pPr lvl="1"/>
+            <a:r>
+              <a:rPr lang="en-US" sz="3200" dirty="0" smtClean="0">
+                <a:solidFill>
+                  <a:srgbClr val="232323"/>
+                </a:solidFill>
+                <a:latin typeface="Helvetica Neue"/>
+                <a:cs typeface="Helvetica Neue"/>
+              </a:rPr>
+              <a:t>What we’ve covered so far:</a:t>
+            </a:r>
+            <a:endParaRPr lang="en-US" sz="3200" dirty="0" smtClean="0">
+              <a:solidFill>
+                <a:srgbClr val="232323"/>
+              </a:solidFill>
+              <a:latin typeface="Helvetica Neue"/>
+              <a:cs typeface="Helvetica Neue"/>
+            </a:endParaRPr>
+          </a:p>
+          <a:p>
+            <a:pPr marL="1714500" lvl="3" indent="-342900">
+              <a:buFont typeface="Arial"/>
+              <a:buChar char="•"/>
+            </a:pPr>
+            <a:r>
+              <a:rPr lang="en-US" sz="2400" dirty="0" smtClean="0">
+                <a:solidFill>
+                  <a:srgbClr val="232323"/>
+                </a:solidFill>
+                <a:latin typeface="Helvetica Neue"/>
+                <a:cs typeface="Helvetica Neue"/>
+              </a:rPr>
+              <a:t>How to run a server locally</a:t>
+            </a:r>
+          </a:p>
+          <a:p>
+            <a:pPr marL="1714500" lvl="3" indent="-342900">
+              <a:buFont typeface="Arial"/>
+              <a:buChar char="•"/>
+            </a:pPr>
+            <a:r>
+              <a:rPr lang="en-US" sz="2400" dirty="0" smtClean="0">
+                <a:solidFill>
+                  <a:srgbClr val="232323"/>
+                </a:solidFill>
+                <a:latin typeface="Helvetica Neue"/>
+                <a:cs typeface="Helvetica Neue"/>
+              </a:rPr>
+              <a:t>How to start a Django project</a:t>
+            </a:r>
+          </a:p>
+          <a:p>
+            <a:pPr marL="1714500" lvl="3" indent="-342900">
+              <a:buFont typeface="Arial"/>
+              <a:buChar char="•"/>
+            </a:pPr>
+            <a:r>
+              <a:rPr lang="en-US" sz="2400" dirty="0" smtClean="0">
+                <a:solidFill>
+                  <a:srgbClr val="232323"/>
+                </a:solidFill>
+                <a:latin typeface="Helvetica Neue"/>
+                <a:cs typeface="Helvetica Neue"/>
+              </a:rPr>
+              <a:t>How to add an app</a:t>
+            </a:r>
+          </a:p>
+          <a:p>
+            <a:pPr marL="1714500" lvl="3" indent="-342900">
+              <a:buFont typeface="Arial"/>
+              <a:buChar char="•"/>
+            </a:pPr>
+            <a:r>
+              <a:rPr lang="en-US" sz="2400" dirty="0" smtClean="0">
+                <a:solidFill>
+                  <a:srgbClr val="232323"/>
+                </a:solidFill>
+                <a:latin typeface="Helvetica Neue"/>
+                <a:cs typeface="Helvetica Neue"/>
+              </a:rPr>
+              <a:t>How Django goes from URL to web page</a:t>
+            </a:r>
+            <a:endParaRPr lang="en-US" sz="2400" dirty="0" smtClean="0">
+              <a:solidFill>
+                <a:srgbClr val="232323"/>
+              </a:solidFill>
+              <a:latin typeface="Helvetica Neue"/>
+              <a:cs typeface="Helvetica Neue"/>
+            </a:endParaRPr>
+          </a:p>
+        </p:txBody>
+      </p:sp>
+    </p:spTree>
+    <p:extLst>
+      <p:ext uri="{BB962C8B-B14F-4D97-AF65-F5344CB8AC3E}">
+        <p14:creationId xmlns:p14="http://schemas.microsoft.com/office/powerpoint/2010/main" val="1286597861"/>
+      </p:ext>
+    </p:extLst>
+  </p:cSld>
+  <p:clrMapOvr>
+    <a:masterClrMapping/>
+  </p:clrMapOvr>
+  <mc:AlternateContent xmlns:mc="http://schemas.openxmlformats.org/markup-compatibility/2006" xmlns:p14="http://schemas.microsoft.com/office/powerpoint/2010/main">
+    <mc:Choice Requires="p14">
+      <p:transition spd="slow" p14:dur="2000"/>
+    </mc:Choice>
+    <mc:Fallback xmlns="">
+      <p:transition xmlns:p14="http://schemas.microsoft.com/office/powerpoint/2010/main" spd="slow"/>
+    </mc:Fallback>
+  </mc:AlternateContent>
+  <p:timing>
+    <p:tnLst>
+      <p:par>
+        <p:cTn xmlns:p14="http://schemas.microsoft.com/office/powerpoint/2010/main" id="1" dur="indefinite" restart="never" nodeType="tmRoot"/>
+      </p:par>
+    </p:tnLst>
+  </p:timing>
+</p:sld>
+</file>
+
+<file path=ppt/slides/slide28.xml><?xml version="1.0" encoding="utf-8"?>
+<p:sld xmlns:a="http://schemas.openxmlformats.org/drawingml/2006/main" xmlns:r="http://schemas.openxmlformats.org/officeDocument/2006/relationships" xmlns:p="http://schemas.openxmlformats.org/presentationml/2006/main">
+  <p:cSld>
+    <p:bg>
+      <p:bgPr>
+        <a:gradFill flip="none" rotWithShape="1">
+          <a:gsLst>
+            <a:gs pos="94000">
+              <a:srgbClr val="232323"/>
+            </a:gs>
+            <a:gs pos="1000">
+              <a:srgbClr val="7B7B7B"/>
+            </a:gs>
+          </a:gsLst>
+          <a:path path="circle">
+            <a:fillToRect r="100000" b="100000"/>
+          </a:path>
+          <a:tileRect l="-100000" t="-100000"/>
+        </a:gradFill>
+        <a:effectLst/>
+      </p:bgPr>
+    </p:bg>
+    <p:spTree>
+      <p:nvGrpSpPr>
+        <p:cNvPr id="1" name=""/>
+        <p:cNvGrpSpPr/>
+        <p:nvPr/>
+      </p:nvGrpSpPr>
+      <p:grpSpPr>
+        <a:xfrm>
+          <a:off x="0" y="0"/>
+          <a:ext cx="0" cy="0"/>
+          <a:chOff x="0" y="0"/>
+          <a:chExt cx="0" cy="0"/>
+        </a:xfrm>
+      </p:grpSpPr>
+      <p:sp>
+        <p:nvSpPr>
+          <p:cNvPr id="2" name="Title 1"/>
+          <p:cNvSpPr>
+            <a:spLocks noGrp="1"/>
+          </p:cNvSpPr>
+          <p:nvPr>
+            <p:ph type="ctrTitle"/>
+          </p:nvPr>
+        </p:nvSpPr>
+        <p:spPr>
+          <a:xfrm>
+            <a:off x="499999" y="22679"/>
+            <a:ext cx="8644000" cy="703095"/>
+          </a:xfrm>
+        </p:spPr>
+        <p:txBody>
+          <a:bodyPr>
+            <a:normAutofit/>
+          </a:bodyPr>
+          <a:lstStyle/>
+          <a:p>
+            <a:pPr algn="l"/>
+            <a:r>
+              <a:rPr lang="en-US" sz="2400" dirty="0" smtClean="0">
+                <a:solidFill>
+                  <a:schemeClr val="bg1"/>
+                </a:solidFill>
+                <a:latin typeface="Helvetica Neue"/>
+                <a:cs typeface="Helvetica Neue"/>
+              </a:rPr>
+              <a:t>SIPB: Django Web Programming, IAP 2013</a:t>
+            </a:r>
+            <a:endParaRPr lang="en-US" sz="3600" dirty="0">
+              <a:solidFill>
+                <a:schemeClr val="bg1"/>
+              </a:solidFill>
+              <a:latin typeface="Helvetica Neue"/>
+              <a:cs typeface="Helvetica Neue"/>
+            </a:endParaRPr>
+          </a:p>
+        </p:txBody>
+      </p:sp>
+      <p:pic>
+        <p:nvPicPr>
+          <p:cNvPr id="17" name="Picture 16" descr="grumpy fuzzball.png"/>
+          <p:cNvPicPr>
+            <a:picLocks noChangeAspect="1"/>
+          </p:cNvPicPr>
+          <p:nvPr/>
+        </p:nvPicPr>
+        <p:blipFill>
+          <a:blip r:embed="rId3">
+            <a:extLst>
+              <a:ext uri="{28A0092B-C50C-407E-A947-70E740481C1C}">
+                <a14:useLocalDpi xmlns:a14="http://schemas.microsoft.com/office/drawing/2010/main" val="0"/>
+              </a:ext>
+            </a:extLst>
+          </a:blip>
+          <a:stretch>
+            <a:fillRect/>
+          </a:stretch>
+        </p:blipFill>
+        <p:spPr>
+          <a:xfrm>
+            <a:off x="148838" y="125201"/>
+            <a:ext cx="351161" cy="619465"/>
+          </a:xfrm>
+          <a:prstGeom prst="rect">
+            <a:avLst/>
+          </a:prstGeom>
+        </p:spPr>
+      </p:pic>
+      <p:sp>
+        <p:nvSpPr>
+          <p:cNvPr id="3" name="Rounded Rectangle 2"/>
+          <p:cNvSpPr/>
+          <p:nvPr/>
+        </p:nvSpPr>
+        <p:spPr>
+          <a:xfrm>
+            <a:off x="-1" y="756006"/>
+            <a:ext cx="9144000" cy="6101994"/>
+          </a:xfrm>
+          <a:prstGeom prst="roundRect">
+            <a:avLst>
+              <a:gd name="adj" fmla="val 0"/>
+            </a:avLst>
+          </a:prstGeom>
+          <a:solidFill>
+            <a:schemeClr val="bg1">
+              <a:alpha val="76000"/>
+            </a:schemeClr>
+          </a:solidFill>
+          <a:ln>
+            <a:noFill/>
+          </a:ln>
+          <a:effectLst/>
+        </p:spPr>
+        <p:style>
+          <a:lnRef idx="1">
+            <a:schemeClr val="accent1"/>
+          </a:lnRef>
+          <a:fillRef idx="3">
+            <a:schemeClr val="accent1"/>
+          </a:fillRef>
+          <a:effectRef idx="2">
+            <a:schemeClr val="accent1"/>
+          </a:effectRef>
+          <a:fontRef idx="minor">
+            <a:schemeClr val="lt1"/>
+          </a:fontRef>
+        </p:style>
+        <p:txBody>
+          <a:bodyPr rtlCol="0" anchor="ctr"/>
+          <a:lstStyle/>
+          <a:p>
+            <a:pPr algn="ctr"/>
+            <a:endParaRPr lang="en-US" dirty="0">
+              <a:solidFill>
+                <a:schemeClr val="bg1"/>
+              </a:solidFill>
+            </a:endParaRPr>
+          </a:p>
+        </p:txBody>
+      </p:sp>
+      <p:sp>
+        <p:nvSpPr>
+          <p:cNvPr id="4" name="TextBox 3"/>
+          <p:cNvSpPr txBox="1"/>
+          <p:nvPr/>
+        </p:nvSpPr>
+        <p:spPr>
+          <a:xfrm>
+            <a:off x="-918511" y="1519590"/>
+            <a:ext cx="184666" cy="369332"/>
+          </a:xfrm>
+          <a:prstGeom prst="rect">
+            <a:avLst/>
+          </a:prstGeom>
+          <a:noFill/>
+        </p:spPr>
+        <p:txBody>
+          <a:bodyPr wrap="none" rtlCol="0">
+            <a:spAutoFit/>
+          </a:bodyPr>
+          <a:lstStyle/>
+          <a:p>
+            <a:endParaRPr lang="en-US" dirty="0"/>
+          </a:p>
+        </p:txBody>
+      </p:sp>
+      <p:sp>
+        <p:nvSpPr>
+          <p:cNvPr id="11" name="TextBox 10"/>
+          <p:cNvSpPr txBox="1"/>
+          <p:nvPr/>
+        </p:nvSpPr>
+        <p:spPr>
+          <a:xfrm>
+            <a:off x="499999" y="2890391"/>
+            <a:ext cx="8106786" cy="707886"/>
+          </a:xfrm>
+          <a:prstGeom prst="rect">
+            <a:avLst/>
+          </a:prstGeom>
+          <a:noFill/>
+        </p:spPr>
+        <p:txBody>
+          <a:bodyPr wrap="square" rtlCol="0">
+            <a:spAutoFit/>
+          </a:bodyPr>
+          <a:lstStyle/>
+          <a:p>
+            <a:pPr algn="ctr"/>
+            <a:r>
+              <a:rPr lang="en-US" sz="4000" dirty="0" smtClean="0">
+                <a:solidFill>
+                  <a:srgbClr val="232323"/>
+                </a:solidFill>
+                <a:latin typeface="Helvetica Neue"/>
+                <a:cs typeface="Helvetica Neue"/>
+              </a:rPr>
+              <a:t>Work with Data</a:t>
+            </a:r>
+            <a:endParaRPr lang="en-US" sz="4000" dirty="0" smtClean="0">
+              <a:solidFill>
+                <a:srgbClr val="232323"/>
+              </a:solidFill>
+              <a:latin typeface="Helvetica Neue"/>
+              <a:cs typeface="Helvetica Neue"/>
+            </a:endParaRPr>
+          </a:p>
+        </p:txBody>
+      </p:sp>
+    </p:spTree>
+    <p:extLst>
+      <p:ext uri="{BB962C8B-B14F-4D97-AF65-F5344CB8AC3E}">
+        <p14:creationId xmlns:p14="http://schemas.microsoft.com/office/powerpoint/2010/main" val="1624998743"/>
+      </p:ext>
+    </p:extLst>
+  </p:cSld>
+  <p:clrMapOvr>
+    <a:masterClrMapping/>
+  </p:clrMapOvr>
+  <mc:AlternateContent xmlns:mc="http://schemas.openxmlformats.org/markup-compatibility/2006" xmlns:p14="http://schemas.microsoft.com/office/powerpoint/2010/main">
+    <mc:Choice Requires="p14">
+      <p:transition spd="slow" p14:dur="2000"/>
+    </mc:Choice>
+    <mc:Fallback xmlns="">
+      <p:transition xmlns:p14="http://schemas.microsoft.com/office/powerpoint/2010/main" spd="slow"/>
+    </mc:Fallback>
+  </mc:AlternateContent>
+  <p:timing>
+    <p:tnLst>
+      <p:par>
+        <p:cTn xmlns:p14="http://schemas.microsoft.com/office/powerpoint/2010/main" id="1" dur="indefinite" restart="never" nodeType="tmRoot"/>
+      </p:par>
+    </p:tnLst>
+  </p:timing>
+</p:sld>
+</file>
+
+<file path=ppt/slides/slide29.xml><?xml version="1.0" encoding="utf-8"?>
+<p:sld xmlns:a="http://schemas.openxmlformats.org/drawingml/2006/main" xmlns:r="http://schemas.openxmlformats.org/officeDocument/2006/relationships" xmlns:p="http://schemas.openxmlformats.org/presentationml/2006/main">
+  <p:cSld>
+    <p:bg>
+      <p:bgPr>
+        <a:gradFill flip="none" rotWithShape="1">
+          <a:gsLst>
+            <a:gs pos="94000">
+              <a:srgbClr val="232323"/>
+            </a:gs>
+            <a:gs pos="1000">
+              <a:srgbClr val="7B7B7B"/>
+            </a:gs>
+          </a:gsLst>
+          <a:path path="circle">
+            <a:fillToRect r="100000" b="100000"/>
+          </a:path>
+          <a:tileRect l="-100000" t="-100000"/>
+        </a:gradFill>
+        <a:effectLst/>
+      </p:bgPr>
+    </p:bg>
+    <p:spTree>
+      <p:nvGrpSpPr>
+        <p:cNvPr id="1" name=""/>
+        <p:cNvGrpSpPr/>
+        <p:nvPr/>
+      </p:nvGrpSpPr>
+      <p:grpSpPr>
+        <a:xfrm>
+          <a:off x="0" y="0"/>
+          <a:ext cx="0" cy="0"/>
+          <a:chOff x="0" y="0"/>
+          <a:chExt cx="0" cy="0"/>
+        </a:xfrm>
+      </p:grpSpPr>
+      <p:sp>
+        <p:nvSpPr>
+          <p:cNvPr id="2" name="Title 1"/>
+          <p:cNvSpPr>
+            <a:spLocks noGrp="1"/>
+          </p:cNvSpPr>
+          <p:nvPr>
+            <p:ph type="ctrTitle"/>
+          </p:nvPr>
+        </p:nvSpPr>
+        <p:spPr>
+          <a:xfrm>
+            <a:off x="499999" y="22679"/>
+            <a:ext cx="8644000" cy="703095"/>
+          </a:xfrm>
+        </p:spPr>
+        <p:txBody>
+          <a:bodyPr>
+            <a:normAutofit/>
+          </a:bodyPr>
+          <a:lstStyle/>
+          <a:p>
+            <a:pPr algn="l"/>
+            <a:r>
+              <a:rPr lang="en-US" sz="2400" dirty="0" smtClean="0">
+                <a:solidFill>
+                  <a:schemeClr val="bg1"/>
+                </a:solidFill>
+                <a:latin typeface="Helvetica Neue"/>
+                <a:cs typeface="Helvetica Neue"/>
+              </a:rPr>
+              <a:t>SIPB: Django Web Programming, IAP 2013</a:t>
+            </a:r>
+            <a:endParaRPr lang="en-US" sz="3600" dirty="0">
+              <a:solidFill>
+                <a:schemeClr val="bg1"/>
+              </a:solidFill>
+              <a:latin typeface="Helvetica Neue"/>
+              <a:cs typeface="Helvetica Neue"/>
+            </a:endParaRPr>
+          </a:p>
+        </p:txBody>
+      </p:sp>
+      <p:pic>
+        <p:nvPicPr>
+          <p:cNvPr id="17" name="Picture 16" descr="grumpy fuzzball.png"/>
+          <p:cNvPicPr>
+            <a:picLocks noChangeAspect="1"/>
+          </p:cNvPicPr>
+          <p:nvPr/>
+        </p:nvPicPr>
+        <p:blipFill>
+          <a:blip r:embed="rId3">
+            <a:extLst>
+              <a:ext uri="{28A0092B-C50C-407E-A947-70E740481C1C}">
+                <a14:useLocalDpi xmlns:a14="http://schemas.microsoft.com/office/drawing/2010/main" val="0"/>
+              </a:ext>
+            </a:extLst>
+          </a:blip>
+          <a:stretch>
+            <a:fillRect/>
+          </a:stretch>
+        </p:blipFill>
+        <p:spPr>
+          <a:xfrm>
+            <a:off x="148838" y="125201"/>
+            <a:ext cx="351161" cy="619465"/>
+          </a:xfrm>
+          <a:prstGeom prst="rect">
+            <a:avLst/>
+          </a:prstGeom>
+        </p:spPr>
+      </p:pic>
+      <p:sp>
+        <p:nvSpPr>
+          <p:cNvPr id="3" name="Rounded Rectangle 2"/>
+          <p:cNvSpPr/>
+          <p:nvPr/>
+        </p:nvSpPr>
+        <p:spPr>
+          <a:xfrm>
+            <a:off x="-1" y="756006"/>
+            <a:ext cx="9144000" cy="6101994"/>
+          </a:xfrm>
+          <a:prstGeom prst="roundRect">
+            <a:avLst>
+              <a:gd name="adj" fmla="val 0"/>
+            </a:avLst>
+          </a:prstGeom>
+          <a:solidFill>
+            <a:schemeClr val="bg1">
+              <a:alpha val="76000"/>
+            </a:schemeClr>
+          </a:solidFill>
+          <a:ln>
+            <a:noFill/>
+          </a:ln>
+          <a:effectLst/>
+        </p:spPr>
+        <p:style>
+          <a:lnRef idx="1">
+            <a:schemeClr val="accent1"/>
+          </a:lnRef>
+          <a:fillRef idx="3">
+            <a:schemeClr val="accent1"/>
+          </a:fillRef>
+          <a:effectRef idx="2">
+            <a:schemeClr val="accent1"/>
+          </a:effectRef>
+          <a:fontRef idx="minor">
+            <a:schemeClr val="lt1"/>
+          </a:fontRef>
+        </p:style>
+        <p:txBody>
+          <a:bodyPr rtlCol="0" anchor="ctr"/>
+          <a:lstStyle/>
+          <a:p>
+            <a:pPr algn="ctr"/>
+            <a:endParaRPr lang="en-US" dirty="0">
+              <a:solidFill>
+                <a:schemeClr val="bg1"/>
+              </a:solidFill>
+            </a:endParaRPr>
+          </a:p>
+        </p:txBody>
+      </p:sp>
+      <p:sp>
+        <p:nvSpPr>
+          <p:cNvPr id="4" name="TextBox 3"/>
+          <p:cNvSpPr txBox="1"/>
+          <p:nvPr/>
+        </p:nvSpPr>
+        <p:spPr>
+          <a:xfrm>
+            <a:off x="-918511" y="1519590"/>
+            <a:ext cx="184666" cy="369332"/>
+          </a:xfrm>
+          <a:prstGeom prst="rect">
+            <a:avLst/>
+          </a:prstGeom>
+          <a:noFill/>
+        </p:spPr>
+        <p:txBody>
+          <a:bodyPr wrap="none" rtlCol="0">
+            <a:spAutoFit/>
+          </a:bodyPr>
+          <a:lstStyle/>
+          <a:p>
+            <a:endParaRPr lang="en-US" dirty="0"/>
+          </a:p>
+        </p:txBody>
+      </p:sp>
+      <p:sp>
+        <p:nvSpPr>
+          <p:cNvPr id="7" name="Rounded Rectangle 6"/>
+          <p:cNvSpPr/>
+          <p:nvPr/>
+        </p:nvSpPr>
+        <p:spPr>
+          <a:xfrm>
+            <a:off x="1376347" y="1335719"/>
+            <a:ext cx="7230437" cy="2610516"/>
+          </a:xfrm>
+          <a:prstGeom prst="roundRect">
+            <a:avLst>
+              <a:gd name="adj" fmla="val 4908"/>
+            </a:avLst>
+          </a:prstGeom>
+          <a:solidFill>
+            <a:srgbClr val="232323"/>
+          </a:solidFill>
+          <a:ln>
+            <a:noFill/>
+          </a:ln>
+          <a:effectLst/>
+        </p:spPr>
+        <p:style>
+          <a:lnRef idx="1">
+            <a:schemeClr val="accent1"/>
+          </a:lnRef>
+          <a:fillRef idx="3">
+            <a:schemeClr val="accent1"/>
+          </a:fillRef>
+          <a:effectRef idx="2">
+            <a:schemeClr val="accent1"/>
+          </a:effectRef>
+          <a:fontRef idx="minor">
+            <a:schemeClr val="lt1"/>
+          </a:fontRef>
+        </p:style>
+        <p:txBody>
+          <a:bodyPr rtlCol="0" anchor="ctr"/>
+          <a:lstStyle/>
+          <a:p>
+            <a:r>
+              <a:rPr lang="en-US" dirty="0">
+                <a:solidFill>
+                  <a:schemeClr val="bg1">
+                    <a:lumMod val="75000"/>
+                  </a:schemeClr>
+                </a:solidFill>
+                <a:latin typeface="Consolas"/>
+                <a:cs typeface="Consolas"/>
+              </a:rPr>
+              <a:t>from </a:t>
+            </a:r>
+            <a:r>
+              <a:rPr lang="en-US" dirty="0" err="1">
+                <a:solidFill>
+                  <a:schemeClr val="bg1">
+                    <a:lumMod val="75000"/>
+                  </a:schemeClr>
+                </a:solidFill>
+                <a:latin typeface="Consolas"/>
+                <a:cs typeface="Consolas"/>
+              </a:rPr>
+              <a:t>django.db</a:t>
+            </a:r>
+            <a:r>
+              <a:rPr lang="en-US" dirty="0">
+                <a:solidFill>
+                  <a:schemeClr val="bg1">
+                    <a:lumMod val="75000"/>
+                  </a:schemeClr>
+                </a:solidFill>
+                <a:latin typeface="Consolas"/>
+                <a:cs typeface="Consolas"/>
+              </a:rPr>
+              <a:t> import models</a:t>
+            </a:r>
+          </a:p>
+          <a:p>
+            <a:endParaRPr lang="en-US" dirty="0">
+              <a:solidFill>
+                <a:schemeClr val="bg1">
+                  <a:lumMod val="75000"/>
+                </a:schemeClr>
+              </a:solidFill>
+              <a:latin typeface="Consolas"/>
+              <a:cs typeface="Consolas"/>
+            </a:endParaRPr>
+          </a:p>
+          <a:p>
+            <a:r>
+              <a:rPr lang="en-US" dirty="0">
+                <a:solidFill>
+                  <a:schemeClr val="bg1">
+                    <a:lumMod val="75000"/>
+                  </a:schemeClr>
+                </a:solidFill>
+                <a:latin typeface="Consolas"/>
+                <a:cs typeface="Consolas"/>
+              </a:rPr>
+              <a:t>class Event(</a:t>
+            </a:r>
+            <a:r>
+              <a:rPr lang="en-US" dirty="0" err="1">
+                <a:solidFill>
+                  <a:schemeClr val="bg1">
+                    <a:lumMod val="75000"/>
+                  </a:schemeClr>
+                </a:solidFill>
+                <a:latin typeface="Consolas"/>
+                <a:cs typeface="Consolas"/>
+              </a:rPr>
+              <a:t>models.Model</a:t>
+            </a:r>
+            <a:r>
+              <a:rPr lang="en-US" dirty="0">
+                <a:solidFill>
+                  <a:schemeClr val="bg1">
+                    <a:lumMod val="75000"/>
+                  </a:schemeClr>
+                </a:solidFill>
+                <a:latin typeface="Consolas"/>
+                <a:cs typeface="Consolas"/>
+              </a:rPr>
+              <a:t>):</a:t>
+            </a:r>
+          </a:p>
+          <a:p>
+            <a:r>
+              <a:rPr lang="en-US" dirty="0">
+                <a:solidFill>
+                  <a:schemeClr val="bg1">
+                    <a:lumMod val="75000"/>
+                  </a:schemeClr>
+                </a:solidFill>
+                <a:latin typeface="Consolas"/>
+                <a:cs typeface="Consolas"/>
+              </a:rPr>
+              <a:t>    title = </a:t>
+            </a:r>
+            <a:r>
+              <a:rPr lang="en-US" dirty="0" err="1">
+                <a:solidFill>
+                  <a:schemeClr val="bg1">
+                    <a:lumMod val="75000"/>
+                  </a:schemeClr>
+                </a:solidFill>
+                <a:latin typeface="Consolas"/>
+                <a:cs typeface="Consolas"/>
+              </a:rPr>
+              <a:t>models.CharField</a:t>
+            </a:r>
+            <a:r>
+              <a:rPr lang="en-US" dirty="0">
+                <a:solidFill>
+                  <a:schemeClr val="bg1">
+                    <a:lumMod val="75000"/>
+                  </a:schemeClr>
+                </a:solidFill>
+                <a:latin typeface="Consolas"/>
+                <a:cs typeface="Consolas"/>
+              </a:rPr>
+              <a:t>(</a:t>
+            </a:r>
+            <a:r>
+              <a:rPr lang="en-US" dirty="0" err="1">
+                <a:solidFill>
+                  <a:schemeClr val="bg1">
+                    <a:lumMod val="75000"/>
+                  </a:schemeClr>
+                </a:solidFill>
+                <a:latin typeface="Consolas"/>
+                <a:cs typeface="Consolas"/>
+              </a:rPr>
+              <a:t>max_length</a:t>
+            </a:r>
+            <a:r>
+              <a:rPr lang="en-US" dirty="0">
+                <a:solidFill>
+                  <a:schemeClr val="bg1">
+                    <a:lumMod val="75000"/>
+                  </a:schemeClr>
+                </a:solidFill>
+                <a:latin typeface="Consolas"/>
+                <a:cs typeface="Consolas"/>
+              </a:rPr>
+              <a:t>=128)</a:t>
+            </a:r>
+          </a:p>
+          <a:p>
+            <a:r>
+              <a:rPr lang="en-US" dirty="0">
+                <a:solidFill>
+                  <a:schemeClr val="bg1">
+                    <a:lumMod val="75000"/>
+                  </a:schemeClr>
+                </a:solidFill>
+                <a:latin typeface="Consolas"/>
+                <a:cs typeface="Consolas"/>
+              </a:rPr>
+              <a:t>    description	= </a:t>
+            </a:r>
+            <a:r>
+              <a:rPr lang="en-US" dirty="0" err="1">
+                <a:solidFill>
+                  <a:schemeClr val="bg1">
+                    <a:lumMod val="75000"/>
+                  </a:schemeClr>
+                </a:solidFill>
+                <a:latin typeface="Consolas"/>
+                <a:cs typeface="Consolas"/>
+              </a:rPr>
+              <a:t>models.TextField</a:t>
+            </a:r>
+            <a:r>
+              <a:rPr lang="en-US" dirty="0">
+                <a:solidFill>
+                  <a:schemeClr val="bg1">
+                    <a:lumMod val="75000"/>
+                  </a:schemeClr>
+                </a:solidFill>
+                <a:latin typeface="Consolas"/>
+                <a:cs typeface="Consolas"/>
+              </a:rPr>
+              <a:t>()</a:t>
+            </a:r>
+          </a:p>
+          <a:p>
+            <a:r>
+              <a:rPr lang="en-US" dirty="0">
+                <a:solidFill>
+                  <a:schemeClr val="bg1">
+                    <a:lumMod val="75000"/>
+                  </a:schemeClr>
+                </a:solidFill>
+                <a:latin typeface="Consolas"/>
+                <a:cs typeface="Consolas"/>
+              </a:rPr>
+              <a:t>    date = </a:t>
+            </a:r>
+            <a:r>
+              <a:rPr lang="en-US" dirty="0" err="1">
+                <a:solidFill>
+                  <a:schemeClr val="bg1">
+                    <a:lumMod val="75000"/>
+                  </a:schemeClr>
+                </a:solidFill>
+                <a:latin typeface="Consolas"/>
+                <a:cs typeface="Consolas"/>
+              </a:rPr>
+              <a:t>models.DateTimeField</a:t>
+            </a:r>
+            <a:r>
+              <a:rPr lang="en-US" dirty="0">
+                <a:solidFill>
+                  <a:schemeClr val="bg1">
+                    <a:lumMod val="75000"/>
+                  </a:schemeClr>
+                </a:solidFill>
+                <a:latin typeface="Consolas"/>
+                <a:cs typeface="Consolas"/>
+              </a:rPr>
+              <a:t>()</a:t>
+            </a:r>
+          </a:p>
+          <a:p>
+            <a:endParaRPr lang="en-US" dirty="0">
+              <a:solidFill>
+                <a:schemeClr val="bg1">
+                  <a:lumMod val="75000"/>
+                </a:schemeClr>
+              </a:solidFill>
+              <a:latin typeface="Consolas"/>
+              <a:cs typeface="Consolas"/>
+            </a:endParaRPr>
+          </a:p>
+          <a:p>
+            <a:r>
+              <a:rPr lang="en-US" dirty="0">
+                <a:solidFill>
+                  <a:schemeClr val="bg1">
+                    <a:lumMod val="75000"/>
+                  </a:schemeClr>
+                </a:solidFill>
+                <a:latin typeface="Consolas"/>
+                <a:cs typeface="Consolas"/>
+              </a:rPr>
+              <a:t>    </a:t>
+            </a:r>
+            <a:r>
+              <a:rPr lang="en-US" dirty="0" err="1">
+                <a:solidFill>
+                  <a:schemeClr val="bg1">
+                    <a:lumMod val="75000"/>
+                  </a:schemeClr>
+                </a:solidFill>
+                <a:latin typeface="Consolas"/>
+                <a:cs typeface="Consolas"/>
+              </a:rPr>
+              <a:t>def</a:t>
+            </a:r>
+            <a:r>
+              <a:rPr lang="en-US" dirty="0">
+                <a:solidFill>
+                  <a:schemeClr val="bg1">
+                    <a:lumMod val="75000"/>
+                  </a:schemeClr>
+                </a:solidFill>
+                <a:latin typeface="Consolas"/>
+                <a:cs typeface="Consolas"/>
+              </a:rPr>
+              <a:t> __</a:t>
+            </a:r>
+            <a:r>
+              <a:rPr lang="en-US" dirty="0" err="1">
+                <a:solidFill>
+                  <a:schemeClr val="bg1">
+                    <a:lumMod val="75000"/>
+                  </a:schemeClr>
+                </a:solidFill>
+                <a:latin typeface="Consolas"/>
+                <a:cs typeface="Consolas"/>
+              </a:rPr>
+              <a:t>unicode</a:t>
+            </a:r>
+            <a:r>
+              <a:rPr lang="en-US" dirty="0">
+                <a:solidFill>
+                  <a:schemeClr val="bg1">
+                    <a:lumMod val="75000"/>
+                  </a:schemeClr>
+                </a:solidFill>
+                <a:latin typeface="Consolas"/>
+                <a:cs typeface="Consolas"/>
+              </a:rPr>
+              <a:t>__(self):</a:t>
+            </a:r>
+          </a:p>
+          <a:p>
+            <a:r>
+              <a:rPr lang="en-US" dirty="0">
+                <a:solidFill>
+                  <a:schemeClr val="bg1">
+                    <a:lumMod val="75000"/>
+                  </a:schemeClr>
+                </a:solidFill>
+                <a:latin typeface="Consolas"/>
+                <a:cs typeface="Consolas"/>
+              </a:rPr>
+              <a:t>	</a:t>
+            </a:r>
+            <a:r>
+              <a:rPr lang="en-US" dirty="0" smtClean="0">
+                <a:solidFill>
+                  <a:schemeClr val="bg1">
+                    <a:lumMod val="75000"/>
+                  </a:schemeClr>
+                </a:solidFill>
+                <a:latin typeface="Consolas"/>
+                <a:cs typeface="Consolas"/>
+              </a:rPr>
+              <a:t>	return </a:t>
+            </a:r>
+            <a:r>
+              <a:rPr lang="en-US" dirty="0" err="1">
+                <a:solidFill>
+                  <a:schemeClr val="bg1">
+                    <a:lumMod val="75000"/>
+                  </a:schemeClr>
+                </a:solidFill>
+                <a:latin typeface="Consolas"/>
+                <a:cs typeface="Consolas"/>
+              </a:rPr>
+              <a:t>self.title</a:t>
+            </a:r>
+            <a:endParaRPr lang="en-US" dirty="0" smtClean="0">
+              <a:solidFill>
+                <a:schemeClr val="bg1">
+                  <a:lumMod val="75000"/>
+                </a:schemeClr>
+              </a:solidFill>
+              <a:latin typeface="Consolas"/>
+              <a:cs typeface="Consolas"/>
+            </a:endParaRPr>
+          </a:p>
+        </p:txBody>
+      </p:sp>
+      <p:sp>
+        <p:nvSpPr>
+          <p:cNvPr id="9" name="TextBox 8"/>
+          <p:cNvSpPr txBox="1"/>
+          <p:nvPr/>
+        </p:nvSpPr>
+        <p:spPr>
+          <a:xfrm>
+            <a:off x="499999" y="812201"/>
+            <a:ext cx="8106786" cy="461665"/>
+          </a:xfrm>
+          <a:prstGeom prst="rect">
+            <a:avLst/>
+          </a:prstGeom>
+          <a:noFill/>
+        </p:spPr>
+        <p:txBody>
+          <a:bodyPr wrap="square" rtlCol="0">
+            <a:spAutoFit/>
+          </a:bodyPr>
+          <a:lstStyle/>
+          <a:p>
+            <a:pPr lvl="1"/>
+            <a:r>
+              <a:rPr lang="en-US" sz="2400" dirty="0" smtClean="0">
+                <a:solidFill>
+                  <a:srgbClr val="232323"/>
+                </a:solidFill>
+                <a:latin typeface="Helvetica Neue"/>
+                <a:cs typeface="Helvetica Neue"/>
+              </a:rPr>
+              <a:t>Define a model for events:</a:t>
+            </a:r>
+            <a:endParaRPr lang="en-US" sz="2400" dirty="0" smtClean="0">
+              <a:solidFill>
+                <a:srgbClr val="232323"/>
+              </a:solidFill>
+              <a:latin typeface="Helvetica Neue"/>
+              <a:cs typeface="Helvetica Neue"/>
+            </a:endParaRPr>
+          </a:p>
+        </p:txBody>
+      </p:sp>
+      <p:sp>
+        <p:nvSpPr>
+          <p:cNvPr id="13" name="Rounded Rectangle 12"/>
+          <p:cNvSpPr/>
+          <p:nvPr/>
+        </p:nvSpPr>
+        <p:spPr>
+          <a:xfrm>
+            <a:off x="1376347" y="4492565"/>
+            <a:ext cx="7230437" cy="2135627"/>
+          </a:xfrm>
+          <a:prstGeom prst="roundRect">
+            <a:avLst>
+              <a:gd name="adj" fmla="val 5260"/>
+            </a:avLst>
+          </a:prstGeom>
+          <a:solidFill>
+            <a:srgbClr val="232323"/>
+          </a:solidFill>
+          <a:ln>
+            <a:noFill/>
+          </a:ln>
+          <a:effectLst/>
+        </p:spPr>
+        <p:style>
+          <a:lnRef idx="1">
+            <a:schemeClr val="accent1"/>
+          </a:lnRef>
+          <a:fillRef idx="3">
+            <a:schemeClr val="accent1"/>
+          </a:fillRef>
+          <a:effectRef idx="2">
+            <a:schemeClr val="accent1"/>
+          </a:effectRef>
+          <a:fontRef idx="minor">
+            <a:schemeClr val="lt1"/>
+          </a:fontRef>
+        </p:style>
+        <p:txBody>
+          <a:bodyPr rtlCol="0" anchor="ctr"/>
+          <a:lstStyle/>
+          <a:p>
+            <a:r>
+              <a:rPr lang="en-US" sz="2000" dirty="0" smtClean="0">
+                <a:solidFill>
+                  <a:schemeClr val="bg1">
+                    <a:lumMod val="50000"/>
+                  </a:schemeClr>
+                </a:solidFill>
+                <a:latin typeface="Consolas"/>
+                <a:cs typeface="Consolas"/>
+              </a:rPr>
+              <a:t>&lt;your terminal&gt;</a:t>
+            </a:r>
+            <a:r>
+              <a:rPr lang="en-US" sz="2000" dirty="0" smtClean="0">
+                <a:solidFill>
+                  <a:schemeClr val="bg1">
+                    <a:lumMod val="50000"/>
+                  </a:schemeClr>
+                </a:solidFill>
+                <a:latin typeface="Consolas"/>
+                <a:cs typeface="Consolas"/>
+              </a:rPr>
+              <a:t>$ </a:t>
+            </a:r>
+            <a:r>
+              <a:rPr lang="en-US" sz="2000" dirty="0" smtClean="0">
+                <a:solidFill>
+                  <a:schemeClr val="bg1">
+                    <a:lumMod val="75000"/>
+                  </a:schemeClr>
+                </a:solidFill>
+                <a:latin typeface="Consolas"/>
+                <a:cs typeface="Consolas"/>
+              </a:rPr>
+              <a:t>python </a:t>
+            </a:r>
+            <a:r>
+              <a:rPr lang="en-US" sz="2000" dirty="0" err="1" smtClean="0">
+                <a:solidFill>
+                  <a:schemeClr val="bg1">
+                    <a:lumMod val="75000"/>
+                  </a:schemeClr>
+                </a:solidFill>
+                <a:latin typeface="Consolas"/>
+                <a:cs typeface="Consolas"/>
+              </a:rPr>
+              <a:t>manage.py</a:t>
+            </a:r>
+            <a:r>
+              <a:rPr lang="en-US" sz="2000" dirty="0" smtClean="0">
+                <a:solidFill>
+                  <a:schemeClr val="bg1">
+                    <a:lumMod val="75000"/>
+                  </a:schemeClr>
+                </a:solidFill>
+                <a:latin typeface="Consolas"/>
+                <a:cs typeface="Consolas"/>
+              </a:rPr>
+              <a:t> shell</a:t>
+            </a:r>
+          </a:p>
+          <a:p>
+            <a:pPr lvl="1"/>
+            <a:r>
+              <a:rPr lang="en-US" i="1" dirty="0" smtClean="0">
+                <a:solidFill>
+                  <a:schemeClr val="bg1">
+                    <a:lumMod val="50000"/>
+                  </a:schemeClr>
+                </a:solidFill>
+                <a:latin typeface="Consolas"/>
+                <a:cs typeface="Consolas"/>
+              </a:rPr>
+              <a:t>&gt;&gt;&gt; </a:t>
+            </a:r>
+            <a:r>
+              <a:rPr lang="en-US" i="1" dirty="0">
+                <a:solidFill>
+                  <a:schemeClr val="bg1">
+                    <a:lumMod val="75000"/>
+                  </a:schemeClr>
+                </a:solidFill>
+                <a:latin typeface="Consolas"/>
+                <a:cs typeface="Consolas"/>
+              </a:rPr>
+              <a:t>from </a:t>
+            </a:r>
+            <a:r>
+              <a:rPr lang="en-US" i="1" dirty="0" err="1">
+                <a:solidFill>
+                  <a:schemeClr val="bg1">
+                    <a:lumMod val="75000"/>
+                  </a:schemeClr>
+                </a:solidFill>
+                <a:latin typeface="Consolas"/>
+                <a:cs typeface="Consolas"/>
+              </a:rPr>
+              <a:t>event.models</a:t>
+            </a:r>
+            <a:r>
+              <a:rPr lang="en-US" i="1" dirty="0">
+                <a:solidFill>
+                  <a:schemeClr val="bg1">
+                    <a:lumMod val="75000"/>
+                  </a:schemeClr>
+                </a:solidFill>
+                <a:latin typeface="Consolas"/>
+                <a:cs typeface="Consolas"/>
+              </a:rPr>
+              <a:t> import </a:t>
+            </a:r>
+            <a:r>
+              <a:rPr lang="en-US" i="1" dirty="0" smtClean="0">
+                <a:solidFill>
+                  <a:schemeClr val="bg1">
+                    <a:lumMod val="75000"/>
+                  </a:schemeClr>
+                </a:solidFill>
+                <a:latin typeface="Consolas"/>
+                <a:cs typeface="Consolas"/>
+              </a:rPr>
+              <a:t>Event</a:t>
+            </a:r>
+          </a:p>
+          <a:p>
+            <a:pPr lvl="1"/>
+            <a:r>
+              <a:rPr lang="en-US" i="1" dirty="0">
+                <a:solidFill>
+                  <a:schemeClr val="bg1">
+                    <a:lumMod val="50000"/>
+                  </a:schemeClr>
+                </a:solidFill>
+                <a:latin typeface="Consolas"/>
+                <a:cs typeface="Consolas"/>
+              </a:rPr>
+              <a:t>&gt;&gt;&gt; </a:t>
+            </a:r>
+            <a:r>
+              <a:rPr lang="en-US" i="1" dirty="0" err="1" smtClean="0">
+                <a:solidFill>
+                  <a:schemeClr val="bg1">
+                    <a:lumMod val="75000"/>
+                  </a:schemeClr>
+                </a:solidFill>
+                <a:latin typeface="Consolas"/>
+                <a:cs typeface="Consolas"/>
+              </a:rPr>
+              <a:t>Event.objects.all</a:t>
+            </a:r>
+            <a:r>
+              <a:rPr lang="en-US" i="1" dirty="0">
+                <a:solidFill>
+                  <a:schemeClr val="bg1">
+                    <a:lumMod val="75000"/>
+                  </a:schemeClr>
+                </a:solidFill>
+                <a:latin typeface="Consolas"/>
+                <a:cs typeface="Consolas"/>
+              </a:rPr>
+              <a:t>()</a:t>
+            </a:r>
+          </a:p>
+          <a:p>
+            <a:pPr lvl="1"/>
+            <a:r>
+              <a:rPr lang="en-US" i="1" dirty="0">
+                <a:solidFill>
+                  <a:schemeClr val="bg1">
+                    <a:lumMod val="75000"/>
+                  </a:schemeClr>
+                </a:solidFill>
+                <a:latin typeface="Consolas"/>
+                <a:cs typeface="Consolas"/>
+              </a:rPr>
+              <a:t>[</a:t>
+            </a:r>
+            <a:r>
+              <a:rPr lang="en-US" i="1" dirty="0" smtClean="0">
+                <a:solidFill>
+                  <a:schemeClr val="bg1">
+                    <a:lumMod val="75000"/>
+                  </a:schemeClr>
+                </a:solidFill>
+                <a:latin typeface="Consolas"/>
+                <a:cs typeface="Consolas"/>
+              </a:rPr>
+              <a:t>]</a:t>
+            </a:r>
+          </a:p>
+          <a:p>
+            <a:pPr lvl="1"/>
+            <a:r>
+              <a:rPr lang="en-US" i="1" dirty="0">
+                <a:solidFill>
+                  <a:schemeClr val="bg1">
+                    <a:lumMod val="50000"/>
+                  </a:schemeClr>
+                </a:solidFill>
+                <a:latin typeface="Consolas"/>
+                <a:cs typeface="Consolas"/>
+              </a:rPr>
+              <a:t>&gt;&gt;&gt; </a:t>
+            </a:r>
+            <a:r>
+              <a:rPr lang="en-US" i="1" dirty="0" smtClean="0">
+                <a:solidFill>
+                  <a:schemeClr val="bg1">
+                    <a:lumMod val="75000"/>
+                  </a:schemeClr>
+                </a:solidFill>
+                <a:latin typeface="Consolas"/>
+                <a:cs typeface="Consolas"/>
+              </a:rPr>
+              <a:t>e </a:t>
+            </a:r>
+            <a:r>
+              <a:rPr lang="en-US" i="1" dirty="0">
+                <a:solidFill>
+                  <a:schemeClr val="bg1">
+                    <a:lumMod val="75000"/>
+                  </a:schemeClr>
+                </a:solidFill>
+                <a:latin typeface="Consolas"/>
+                <a:cs typeface="Consolas"/>
+              </a:rPr>
+              <a:t>= Event(title="Birthday", date="2013-01-13 07:</a:t>
+            </a:r>
+            <a:r>
+              <a:rPr lang="en-US" i="1" dirty="0" smtClean="0">
+                <a:solidFill>
+                  <a:schemeClr val="bg1">
+                    <a:lumMod val="75000"/>
+                  </a:schemeClr>
+                </a:solidFill>
+                <a:latin typeface="Consolas"/>
+                <a:cs typeface="Consolas"/>
+              </a:rPr>
+              <a:t>00"</a:t>
+            </a:r>
+            <a:r>
+              <a:rPr lang="en-US" i="1" dirty="0">
+                <a:solidFill>
+                  <a:schemeClr val="bg1">
+                    <a:lumMod val="75000"/>
+                  </a:schemeClr>
+                </a:solidFill>
+                <a:latin typeface="Consolas"/>
+                <a:cs typeface="Consolas"/>
+              </a:rPr>
+              <a:t>)</a:t>
+            </a:r>
+          </a:p>
+          <a:p>
+            <a:pPr lvl="1"/>
+            <a:r>
+              <a:rPr lang="en-US" i="1" dirty="0">
+                <a:solidFill>
+                  <a:schemeClr val="bg1">
+                    <a:lumMod val="50000"/>
+                  </a:schemeClr>
+                </a:solidFill>
+                <a:latin typeface="Consolas"/>
+                <a:cs typeface="Consolas"/>
+              </a:rPr>
+              <a:t>&gt;&gt;&gt; </a:t>
+            </a:r>
+            <a:r>
+              <a:rPr lang="en-US" i="1" dirty="0" err="1" smtClean="0">
+                <a:solidFill>
+                  <a:schemeClr val="bg1">
+                    <a:lumMod val="75000"/>
+                  </a:schemeClr>
+                </a:solidFill>
+                <a:latin typeface="Consolas"/>
+                <a:cs typeface="Consolas"/>
+              </a:rPr>
+              <a:t>e.save</a:t>
+            </a:r>
+            <a:r>
+              <a:rPr lang="en-US" i="1" dirty="0">
+                <a:solidFill>
+                  <a:schemeClr val="bg1">
+                    <a:lumMod val="75000"/>
+                  </a:schemeClr>
+                </a:solidFill>
+                <a:latin typeface="Consolas"/>
+                <a:cs typeface="Consolas"/>
+              </a:rPr>
+              <a:t>(</a:t>
+            </a:r>
+            <a:r>
+              <a:rPr lang="en-US" i="1" dirty="0" smtClean="0">
+                <a:solidFill>
+                  <a:schemeClr val="bg1">
+                    <a:lumMod val="75000"/>
+                  </a:schemeClr>
+                </a:solidFill>
+                <a:latin typeface="Consolas"/>
+                <a:cs typeface="Consolas"/>
+              </a:rPr>
+              <a:t>)</a:t>
+            </a:r>
+            <a:endParaRPr lang="en-US" i="1" dirty="0">
+              <a:solidFill>
+                <a:schemeClr val="bg1">
+                  <a:lumMod val="75000"/>
+                </a:schemeClr>
+              </a:solidFill>
+              <a:latin typeface="Consolas"/>
+              <a:cs typeface="Consolas"/>
+            </a:endParaRPr>
+          </a:p>
+        </p:txBody>
+      </p:sp>
+      <p:sp>
+        <p:nvSpPr>
+          <p:cNvPr id="14" name="TextBox 13"/>
+          <p:cNvSpPr txBox="1"/>
+          <p:nvPr/>
+        </p:nvSpPr>
+        <p:spPr>
+          <a:xfrm>
+            <a:off x="398399" y="3958330"/>
+            <a:ext cx="8106786" cy="461665"/>
+          </a:xfrm>
+          <a:prstGeom prst="rect">
+            <a:avLst/>
+          </a:prstGeom>
+          <a:noFill/>
+        </p:spPr>
+        <p:txBody>
+          <a:bodyPr wrap="square" rtlCol="0">
+            <a:spAutoFit/>
+          </a:bodyPr>
+          <a:lstStyle/>
+          <a:p>
+            <a:pPr lvl="1"/>
+            <a:r>
+              <a:rPr lang="en-US" sz="2400" dirty="0" smtClean="0">
+                <a:solidFill>
+                  <a:srgbClr val="232323"/>
+                </a:solidFill>
+                <a:latin typeface="Helvetica Neue"/>
+                <a:cs typeface="Helvetica Neue"/>
+              </a:rPr>
+              <a:t>Manually manipulate data using Django shell:</a:t>
+            </a:r>
+            <a:endParaRPr lang="en-US" sz="2400" dirty="0" smtClean="0">
+              <a:solidFill>
+                <a:srgbClr val="232323"/>
+              </a:solidFill>
+              <a:latin typeface="Helvetica Neue"/>
+              <a:cs typeface="Helvetica Neue"/>
+            </a:endParaRPr>
+          </a:p>
+        </p:txBody>
+      </p:sp>
+    </p:spTree>
+    <p:extLst>
+      <p:ext uri="{BB962C8B-B14F-4D97-AF65-F5344CB8AC3E}">
+        <p14:creationId xmlns:p14="http://schemas.microsoft.com/office/powerpoint/2010/main" val="3818790281"/>
       </p:ext>
     </p:extLst>
   </p:cSld>
@@ -10389,6 +17418,1460 @@
   <p:clrMapOvr>
     <a:masterClrMapping/>
   </p:clrMapOvr>
+  <p:timing>
+    <p:tnLst>
+      <p:par>
+        <p:cTn xmlns:p14="http://schemas.microsoft.com/office/powerpoint/2010/main" id="1" dur="indefinite" restart="never" nodeType="tmRoot"/>
+      </p:par>
+    </p:tnLst>
+  </p:timing>
+</p:sld>
+</file>
+
+<file path=ppt/slides/slide30.xml><?xml version="1.0" encoding="utf-8"?>
+<p:sld xmlns:a="http://schemas.openxmlformats.org/drawingml/2006/main" xmlns:r="http://schemas.openxmlformats.org/officeDocument/2006/relationships" xmlns:p="http://schemas.openxmlformats.org/presentationml/2006/main">
+  <p:cSld>
+    <p:bg>
+      <p:bgPr>
+        <a:gradFill flip="none" rotWithShape="1">
+          <a:gsLst>
+            <a:gs pos="94000">
+              <a:srgbClr val="232323"/>
+            </a:gs>
+            <a:gs pos="1000">
+              <a:srgbClr val="7B7B7B"/>
+            </a:gs>
+          </a:gsLst>
+          <a:path path="circle">
+            <a:fillToRect r="100000" b="100000"/>
+          </a:path>
+          <a:tileRect l="-100000" t="-100000"/>
+        </a:gradFill>
+        <a:effectLst/>
+      </p:bgPr>
+    </p:bg>
+    <p:spTree>
+      <p:nvGrpSpPr>
+        <p:cNvPr id="1" name=""/>
+        <p:cNvGrpSpPr/>
+        <p:nvPr/>
+      </p:nvGrpSpPr>
+      <p:grpSpPr>
+        <a:xfrm>
+          <a:off x="0" y="0"/>
+          <a:ext cx="0" cy="0"/>
+          <a:chOff x="0" y="0"/>
+          <a:chExt cx="0" cy="0"/>
+        </a:xfrm>
+      </p:grpSpPr>
+      <p:sp>
+        <p:nvSpPr>
+          <p:cNvPr id="2" name="Title 1"/>
+          <p:cNvSpPr>
+            <a:spLocks noGrp="1"/>
+          </p:cNvSpPr>
+          <p:nvPr>
+            <p:ph type="ctrTitle"/>
+          </p:nvPr>
+        </p:nvSpPr>
+        <p:spPr>
+          <a:xfrm>
+            <a:off x="499999" y="22679"/>
+            <a:ext cx="8644000" cy="703095"/>
+          </a:xfrm>
+        </p:spPr>
+        <p:txBody>
+          <a:bodyPr>
+            <a:normAutofit/>
+          </a:bodyPr>
+          <a:lstStyle/>
+          <a:p>
+            <a:pPr algn="l"/>
+            <a:r>
+              <a:rPr lang="en-US" sz="2400" dirty="0" smtClean="0">
+                <a:solidFill>
+                  <a:schemeClr val="bg1"/>
+                </a:solidFill>
+                <a:latin typeface="Helvetica Neue"/>
+                <a:cs typeface="Helvetica Neue"/>
+              </a:rPr>
+              <a:t>SIPB: Django Web Programming, IAP 2013</a:t>
+            </a:r>
+            <a:endParaRPr lang="en-US" sz="3600" dirty="0">
+              <a:solidFill>
+                <a:schemeClr val="bg1"/>
+              </a:solidFill>
+              <a:latin typeface="Helvetica Neue"/>
+              <a:cs typeface="Helvetica Neue"/>
+            </a:endParaRPr>
+          </a:p>
+        </p:txBody>
+      </p:sp>
+      <p:pic>
+        <p:nvPicPr>
+          <p:cNvPr id="17" name="Picture 16" descr="grumpy fuzzball.png"/>
+          <p:cNvPicPr>
+            <a:picLocks noChangeAspect="1"/>
+          </p:cNvPicPr>
+          <p:nvPr/>
+        </p:nvPicPr>
+        <p:blipFill>
+          <a:blip r:embed="rId3">
+            <a:extLst>
+              <a:ext uri="{28A0092B-C50C-407E-A947-70E740481C1C}">
+                <a14:useLocalDpi xmlns:a14="http://schemas.microsoft.com/office/drawing/2010/main" val="0"/>
+              </a:ext>
+            </a:extLst>
+          </a:blip>
+          <a:stretch>
+            <a:fillRect/>
+          </a:stretch>
+        </p:blipFill>
+        <p:spPr>
+          <a:xfrm>
+            <a:off x="148838" y="125201"/>
+            <a:ext cx="351161" cy="619465"/>
+          </a:xfrm>
+          <a:prstGeom prst="rect">
+            <a:avLst/>
+          </a:prstGeom>
+        </p:spPr>
+      </p:pic>
+      <p:sp>
+        <p:nvSpPr>
+          <p:cNvPr id="3" name="Rounded Rectangle 2"/>
+          <p:cNvSpPr/>
+          <p:nvPr/>
+        </p:nvSpPr>
+        <p:spPr>
+          <a:xfrm>
+            <a:off x="-1" y="756006"/>
+            <a:ext cx="9144000" cy="6101994"/>
+          </a:xfrm>
+          <a:prstGeom prst="roundRect">
+            <a:avLst>
+              <a:gd name="adj" fmla="val 0"/>
+            </a:avLst>
+          </a:prstGeom>
+          <a:solidFill>
+            <a:schemeClr val="bg1">
+              <a:alpha val="76000"/>
+            </a:schemeClr>
+          </a:solidFill>
+          <a:ln>
+            <a:noFill/>
+          </a:ln>
+          <a:effectLst/>
+        </p:spPr>
+        <p:style>
+          <a:lnRef idx="1">
+            <a:schemeClr val="accent1"/>
+          </a:lnRef>
+          <a:fillRef idx="3">
+            <a:schemeClr val="accent1"/>
+          </a:fillRef>
+          <a:effectRef idx="2">
+            <a:schemeClr val="accent1"/>
+          </a:effectRef>
+          <a:fontRef idx="minor">
+            <a:schemeClr val="lt1"/>
+          </a:fontRef>
+        </p:style>
+        <p:txBody>
+          <a:bodyPr rtlCol="0" anchor="ctr"/>
+          <a:lstStyle/>
+          <a:p>
+            <a:pPr algn="ctr"/>
+            <a:endParaRPr lang="en-US" dirty="0">
+              <a:solidFill>
+                <a:schemeClr val="bg1"/>
+              </a:solidFill>
+            </a:endParaRPr>
+          </a:p>
+        </p:txBody>
+      </p:sp>
+      <p:sp>
+        <p:nvSpPr>
+          <p:cNvPr id="4" name="TextBox 3"/>
+          <p:cNvSpPr txBox="1"/>
+          <p:nvPr/>
+        </p:nvSpPr>
+        <p:spPr>
+          <a:xfrm>
+            <a:off x="-918511" y="1519590"/>
+            <a:ext cx="184666" cy="369332"/>
+          </a:xfrm>
+          <a:prstGeom prst="rect">
+            <a:avLst/>
+          </a:prstGeom>
+          <a:noFill/>
+        </p:spPr>
+        <p:txBody>
+          <a:bodyPr wrap="none" rtlCol="0">
+            <a:spAutoFit/>
+          </a:bodyPr>
+          <a:lstStyle/>
+          <a:p>
+            <a:endParaRPr lang="en-US" dirty="0"/>
+          </a:p>
+        </p:txBody>
+      </p:sp>
+      <p:sp>
+        <p:nvSpPr>
+          <p:cNvPr id="7" name="Rounded Rectangle 6"/>
+          <p:cNvSpPr/>
+          <p:nvPr/>
+        </p:nvSpPr>
+        <p:spPr>
+          <a:xfrm>
+            <a:off x="1376347" y="1408289"/>
+            <a:ext cx="7230437" cy="1470378"/>
+          </a:xfrm>
+          <a:prstGeom prst="roundRect">
+            <a:avLst>
+              <a:gd name="adj" fmla="val 4908"/>
+            </a:avLst>
+          </a:prstGeom>
+          <a:solidFill>
+            <a:srgbClr val="232323"/>
+          </a:solidFill>
+          <a:ln>
+            <a:noFill/>
+          </a:ln>
+          <a:effectLst/>
+        </p:spPr>
+        <p:style>
+          <a:lnRef idx="1">
+            <a:schemeClr val="accent1"/>
+          </a:lnRef>
+          <a:fillRef idx="3">
+            <a:schemeClr val="accent1"/>
+          </a:fillRef>
+          <a:effectRef idx="2">
+            <a:schemeClr val="accent1"/>
+          </a:effectRef>
+          <a:fontRef idx="minor">
+            <a:schemeClr val="lt1"/>
+          </a:fontRef>
+        </p:style>
+        <p:txBody>
+          <a:bodyPr rtlCol="0" anchor="ctr"/>
+          <a:lstStyle/>
+          <a:p>
+            <a:r>
+              <a:rPr lang="en-US" dirty="0">
+                <a:solidFill>
+                  <a:schemeClr val="bg1">
+                    <a:lumMod val="75000"/>
+                  </a:schemeClr>
+                </a:solidFill>
+                <a:latin typeface="Consolas"/>
+                <a:cs typeface="Consolas"/>
+              </a:rPr>
+              <a:t># View to return all events                                                                                                             </a:t>
+            </a:r>
+          </a:p>
+          <a:p>
+            <a:r>
+              <a:rPr lang="en-US" dirty="0" err="1">
+                <a:solidFill>
+                  <a:schemeClr val="bg1">
+                    <a:lumMod val="75000"/>
+                  </a:schemeClr>
+                </a:solidFill>
+                <a:latin typeface="Consolas"/>
+                <a:cs typeface="Consolas"/>
+              </a:rPr>
+              <a:t>def</a:t>
+            </a:r>
+            <a:r>
+              <a:rPr lang="en-US" dirty="0">
+                <a:solidFill>
+                  <a:schemeClr val="bg1">
+                    <a:lumMod val="75000"/>
+                  </a:schemeClr>
+                </a:solidFill>
+                <a:latin typeface="Consolas"/>
+                <a:cs typeface="Consolas"/>
+              </a:rPr>
+              <a:t> </a:t>
+            </a:r>
+            <a:r>
+              <a:rPr lang="en-US" dirty="0" err="1">
+                <a:solidFill>
+                  <a:schemeClr val="bg1">
+                    <a:lumMod val="75000"/>
+                  </a:schemeClr>
+                </a:solidFill>
+                <a:latin typeface="Consolas"/>
+                <a:cs typeface="Consolas"/>
+              </a:rPr>
+              <a:t>all_events</a:t>
+            </a:r>
+            <a:r>
+              <a:rPr lang="en-US" dirty="0">
+                <a:solidFill>
+                  <a:schemeClr val="bg1">
+                    <a:lumMod val="75000"/>
+                  </a:schemeClr>
+                </a:solidFill>
+                <a:latin typeface="Consolas"/>
+                <a:cs typeface="Consolas"/>
+              </a:rPr>
+              <a:t>(request):</a:t>
+            </a:r>
+          </a:p>
+          <a:p>
+            <a:r>
+              <a:rPr lang="en-US" dirty="0">
+                <a:solidFill>
+                  <a:schemeClr val="bg1">
+                    <a:lumMod val="75000"/>
+                  </a:schemeClr>
+                </a:solidFill>
+                <a:latin typeface="Consolas"/>
+                <a:cs typeface="Consolas"/>
+              </a:rPr>
+              <a:t>    events = </a:t>
+            </a:r>
+            <a:r>
+              <a:rPr lang="en-US" dirty="0" err="1">
+                <a:solidFill>
+                  <a:schemeClr val="bg1">
+                    <a:lumMod val="75000"/>
+                  </a:schemeClr>
+                </a:solidFill>
+                <a:latin typeface="Consolas"/>
+                <a:cs typeface="Consolas"/>
+              </a:rPr>
+              <a:t>Event.objects.all</a:t>
+            </a:r>
+            <a:r>
+              <a:rPr lang="en-US" dirty="0">
+                <a:solidFill>
+                  <a:schemeClr val="bg1">
+                    <a:lumMod val="75000"/>
+                  </a:schemeClr>
+                </a:solidFill>
+                <a:latin typeface="Consolas"/>
+                <a:cs typeface="Consolas"/>
+              </a:rPr>
+              <a:t>()</a:t>
+            </a:r>
+          </a:p>
+          <a:p>
+            <a:r>
+              <a:rPr lang="en-US" dirty="0">
+                <a:solidFill>
+                  <a:schemeClr val="bg1">
+                    <a:lumMod val="75000"/>
+                  </a:schemeClr>
+                </a:solidFill>
+                <a:latin typeface="Consolas"/>
+                <a:cs typeface="Consolas"/>
+              </a:rPr>
+              <a:t>    return render(request, '</a:t>
+            </a:r>
+            <a:r>
+              <a:rPr lang="en-US" dirty="0" err="1">
+                <a:solidFill>
+                  <a:schemeClr val="bg1">
+                    <a:lumMod val="75000"/>
+                  </a:schemeClr>
+                </a:solidFill>
+                <a:latin typeface="Consolas"/>
+                <a:cs typeface="Consolas"/>
+              </a:rPr>
+              <a:t>events.html</a:t>
+            </a:r>
+            <a:r>
+              <a:rPr lang="en-US" dirty="0">
+                <a:solidFill>
+                  <a:schemeClr val="bg1">
+                    <a:lumMod val="75000"/>
+                  </a:schemeClr>
+                </a:solidFill>
+                <a:latin typeface="Consolas"/>
+                <a:cs typeface="Consolas"/>
+              </a:rPr>
+              <a:t>', {'events': events})</a:t>
+            </a:r>
+            <a:endParaRPr lang="en-US" dirty="0" smtClean="0">
+              <a:solidFill>
+                <a:schemeClr val="bg1">
+                  <a:lumMod val="75000"/>
+                </a:schemeClr>
+              </a:solidFill>
+              <a:latin typeface="Consolas"/>
+              <a:cs typeface="Consolas"/>
+            </a:endParaRPr>
+          </a:p>
+        </p:txBody>
+      </p:sp>
+      <p:sp>
+        <p:nvSpPr>
+          <p:cNvPr id="9" name="TextBox 8"/>
+          <p:cNvSpPr txBox="1"/>
+          <p:nvPr/>
+        </p:nvSpPr>
+        <p:spPr>
+          <a:xfrm>
+            <a:off x="499999" y="884771"/>
+            <a:ext cx="8106786" cy="461665"/>
+          </a:xfrm>
+          <a:prstGeom prst="rect">
+            <a:avLst/>
+          </a:prstGeom>
+          <a:noFill/>
+        </p:spPr>
+        <p:txBody>
+          <a:bodyPr wrap="square" rtlCol="0">
+            <a:spAutoFit/>
+          </a:bodyPr>
+          <a:lstStyle/>
+          <a:p>
+            <a:pPr lvl="1"/>
+            <a:r>
+              <a:rPr lang="en-US" sz="2400" dirty="0" smtClean="0">
+                <a:solidFill>
+                  <a:srgbClr val="232323"/>
+                </a:solidFill>
+                <a:latin typeface="Helvetica Neue"/>
+                <a:cs typeface="Helvetica Neue"/>
+              </a:rPr>
+              <a:t>Render </a:t>
+            </a:r>
+            <a:r>
+              <a:rPr lang="en-US" sz="2400" dirty="0" smtClean="0">
+                <a:solidFill>
+                  <a:srgbClr val="232323"/>
+                </a:solidFill>
+                <a:latin typeface="Helvetica Neue"/>
+                <a:cs typeface="Helvetica Neue"/>
+              </a:rPr>
+              <a:t>a </a:t>
+            </a:r>
+            <a:r>
+              <a:rPr lang="en-US" sz="2400" dirty="0" smtClean="0">
+                <a:solidFill>
+                  <a:srgbClr val="232323"/>
+                </a:solidFill>
+                <a:latin typeface="Helvetica Neue"/>
+                <a:cs typeface="Helvetica Neue"/>
+              </a:rPr>
+              <a:t>template</a:t>
+            </a:r>
+            <a:r>
+              <a:rPr lang="en-US" sz="2400" dirty="0">
+                <a:solidFill>
+                  <a:srgbClr val="232323"/>
+                </a:solidFill>
+                <a:latin typeface="Helvetica Neue"/>
+                <a:cs typeface="Helvetica Neue"/>
+              </a:rPr>
+              <a:t> </a:t>
+            </a:r>
+            <a:r>
+              <a:rPr lang="en-US" sz="2400" dirty="0" smtClean="0">
+                <a:solidFill>
+                  <a:srgbClr val="232323"/>
+                </a:solidFill>
+                <a:latin typeface="Helvetica Neue"/>
+                <a:cs typeface="Helvetica Neue"/>
+              </a:rPr>
+              <a:t>with data:</a:t>
+            </a:r>
+            <a:endParaRPr lang="en-US" sz="2400" dirty="0" smtClean="0">
+              <a:solidFill>
+                <a:srgbClr val="232323"/>
+              </a:solidFill>
+              <a:latin typeface="Helvetica Neue"/>
+              <a:cs typeface="Helvetica Neue"/>
+            </a:endParaRPr>
+          </a:p>
+        </p:txBody>
+      </p:sp>
+      <p:sp>
+        <p:nvSpPr>
+          <p:cNvPr id="13" name="Rounded Rectangle 12"/>
+          <p:cNvSpPr/>
+          <p:nvPr/>
+        </p:nvSpPr>
+        <p:spPr>
+          <a:xfrm>
+            <a:off x="1376347" y="3404016"/>
+            <a:ext cx="7230437" cy="3163698"/>
+          </a:xfrm>
+          <a:prstGeom prst="roundRect">
+            <a:avLst>
+              <a:gd name="adj" fmla="val 5260"/>
+            </a:avLst>
+          </a:prstGeom>
+          <a:solidFill>
+            <a:srgbClr val="232323"/>
+          </a:solidFill>
+          <a:ln>
+            <a:noFill/>
+          </a:ln>
+          <a:effectLst/>
+        </p:spPr>
+        <p:style>
+          <a:lnRef idx="1">
+            <a:schemeClr val="accent1"/>
+          </a:lnRef>
+          <a:fillRef idx="3">
+            <a:schemeClr val="accent1"/>
+          </a:fillRef>
+          <a:effectRef idx="2">
+            <a:schemeClr val="accent1"/>
+          </a:effectRef>
+          <a:fontRef idx="minor">
+            <a:schemeClr val="lt1"/>
+          </a:fontRef>
+        </p:style>
+        <p:txBody>
+          <a:bodyPr rtlCol="0" anchor="ctr"/>
+          <a:lstStyle/>
+          <a:p>
+            <a:r>
+              <a:rPr lang="en-US" dirty="0">
+                <a:solidFill>
+                  <a:srgbClr val="BFBFBF"/>
+                </a:solidFill>
+                <a:latin typeface="Consolas"/>
+                <a:cs typeface="Consolas"/>
+              </a:rPr>
+              <a:t>{% extends "</a:t>
+            </a:r>
+            <a:r>
+              <a:rPr lang="en-US" dirty="0" err="1">
+                <a:solidFill>
+                  <a:srgbClr val="BFBFBF"/>
+                </a:solidFill>
+                <a:latin typeface="Consolas"/>
+                <a:cs typeface="Consolas"/>
+              </a:rPr>
+              <a:t>base.html</a:t>
+            </a:r>
+            <a:r>
+              <a:rPr lang="en-US" dirty="0">
+                <a:solidFill>
+                  <a:srgbClr val="BFBFBF"/>
+                </a:solidFill>
+                <a:latin typeface="Consolas"/>
+                <a:cs typeface="Consolas"/>
+              </a:rPr>
+              <a:t>" %}</a:t>
+            </a:r>
+          </a:p>
+          <a:p>
+            <a:endParaRPr lang="en-US" dirty="0">
+              <a:solidFill>
+                <a:srgbClr val="BFBFBF"/>
+              </a:solidFill>
+              <a:latin typeface="Consolas"/>
+              <a:cs typeface="Consolas"/>
+            </a:endParaRPr>
+          </a:p>
+          <a:p>
+            <a:r>
+              <a:rPr lang="en-US" dirty="0">
+                <a:solidFill>
+                  <a:srgbClr val="BFBFBF"/>
+                </a:solidFill>
+                <a:latin typeface="Consolas"/>
+                <a:cs typeface="Consolas"/>
+              </a:rPr>
+              <a:t>{% block content %}</a:t>
+            </a:r>
+          </a:p>
+          <a:p>
+            <a:r>
+              <a:rPr lang="en-US" dirty="0">
+                <a:solidFill>
+                  <a:srgbClr val="BFBFBF"/>
+                </a:solidFill>
+                <a:latin typeface="Consolas"/>
+                <a:cs typeface="Consolas"/>
+              </a:rPr>
+              <a:t>      &lt;h1&gt;All Events&lt;/h1</a:t>
+            </a:r>
+            <a:r>
+              <a:rPr lang="en-US" dirty="0" smtClean="0">
+                <a:solidFill>
+                  <a:srgbClr val="BFBFBF"/>
+                </a:solidFill>
+                <a:latin typeface="Consolas"/>
+                <a:cs typeface="Consolas"/>
+              </a:rPr>
+              <a:t>&gt;</a:t>
+            </a:r>
+          </a:p>
+          <a:p>
+            <a:endParaRPr lang="en-US" dirty="0">
+              <a:solidFill>
+                <a:srgbClr val="BFBFBF"/>
+              </a:solidFill>
+              <a:latin typeface="Consolas"/>
+              <a:cs typeface="Consolas"/>
+            </a:endParaRPr>
+          </a:p>
+          <a:p>
+            <a:r>
+              <a:rPr lang="en-US" dirty="0">
+                <a:solidFill>
+                  <a:srgbClr val="BFBFBF"/>
+                </a:solidFill>
+                <a:latin typeface="Consolas"/>
+                <a:cs typeface="Consolas"/>
+              </a:rPr>
+              <a:t>      {% for event in events %}</a:t>
+            </a:r>
+          </a:p>
+          <a:p>
+            <a:r>
+              <a:rPr lang="en-US" dirty="0">
+                <a:solidFill>
+                  <a:srgbClr val="BFBFBF"/>
+                </a:solidFill>
+                <a:latin typeface="Consolas"/>
+                <a:cs typeface="Consolas"/>
+              </a:rPr>
+              <a:t>      &lt;h3&gt;{{ </a:t>
+            </a:r>
+            <a:r>
+              <a:rPr lang="en-US" dirty="0" err="1">
+                <a:solidFill>
+                  <a:srgbClr val="BFBFBF"/>
+                </a:solidFill>
+                <a:latin typeface="Consolas"/>
+                <a:cs typeface="Consolas"/>
+              </a:rPr>
+              <a:t>event.title</a:t>
+            </a:r>
+            <a:r>
+              <a:rPr lang="en-US" dirty="0">
+                <a:solidFill>
+                  <a:srgbClr val="BFBFBF"/>
+                </a:solidFill>
+                <a:latin typeface="Consolas"/>
+                <a:cs typeface="Consolas"/>
+              </a:rPr>
+              <a:t> }}&lt;/h3&gt;</a:t>
+            </a:r>
+          </a:p>
+          <a:p>
+            <a:r>
+              <a:rPr lang="en-US" dirty="0">
+                <a:solidFill>
+                  <a:srgbClr val="BFBFBF"/>
+                </a:solidFill>
+                <a:latin typeface="Consolas"/>
+                <a:cs typeface="Consolas"/>
+              </a:rPr>
+              <a:t>      &lt;p&gt;{{ </a:t>
+            </a:r>
+            <a:r>
+              <a:rPr lang="en-US" dirty="0" err="1">
+                <a:solidFill>
+                  <a:srgbClr val="BFBFBF"/>
+                </a:solidFill>
+                <a:latin typeface="Consolas"/>
+                <a:cs typeface="Consolas"/>
+              </a:rPr>
+              <a:t>event.description</a:t>
+            </a:r>
+            <a:r>
+              <a:rPr lang="en-US" dirty="0">
+                <a:solidFill>
+                  <a:srgbClr val="BFBFBF"/>
+                </a:solidFill>
+                <a:latin typeface="Consolas"/>
+                <a:cs typeface="Consolas"/>
+              </a:rPr>
+              <a:t> }}&lt;/p&gt;</a:t>
+            </a:r>
+          </a:p>
+          <a:p>
+            <a:r>
+              <a:rPr lang="en-US" dirty="0">
+                <a:solidFill>
+                  <a:srgbClr val="BFBFBF"/>
+                </a:solidFill>
+                <a:latin typeface="Consolas"/>
+                <a:cs typeface="Consolas"/>
+              </a:rPr>
+              <a:t>      {% </a:t>
+            </a:r>
+            <a:r>
+              <a:rPr lang="en-US" dirty="0" err="1">
+                <a:solidFill>
+                  <a:srgbClr val="BFBFBF"/>
+                </a:solidFill>
+                <a:latin typeface="Consolas"/>
+                <a:cs typeface="Consolas"/>
+              </a:rPr>
+              <a:t>endfor</a:t>
+            </a:r>
+            <a:r>
+              <a:rPr lang="en-US" dirty="0">
+                <a:solidFill>
+                  <a:srgbClr val="BFBFBF"/>
+                </a:solidFill>
+                <a:latin typeface="Consolas"/>
+                <a:cs typeface="Consolas"/>
+              </a:rPr>
+              <a:t> %</a:t>
+            </a:r>
+            <a:r>
+              <a:rPr lang="en-US" dirty="0" smtClean="0">
+                <a:solidFill>
+                  <a:srgbClr val="BFBFBF"/>
+                </a:solidFill>
+                <a:latin typeface="Consolas"/>
+                <a:cs typeface="Consolas"/>
+              </a:rPr>
+              <a:t>}</a:t>
+            </a:r>
+          </a:p>
+          <a:p>
+            <a:endParaRPr lang="en-US" dirty="0">
+              <a:solidFill>
+                <a:srgbClr val="BFBFBF"/>
+              </a:solidFill>
+              <a:latin typeface="Consolas"/>
+              <a:cs typeface="Consolas"/>
+            </a:endParaRPr>
+          </a:p>
+          <a:p>
+            <a:r>
+              <a:rPr lang="en-US" dirty="0">
+                <a:solidFill>
+                  <a:srgbClr val="BFBFBF"/>
+                </a:solidFill>
+                <a:latin typeface="Consolas"/>
+                <a:cs typeface="Consolas"/>
+              </a:rPr>
+              <a:t>{% </a:t>
+            </a:r>
+            <a:r>
+              <a:rPr lang="en-US" dirty="0" err="1">
+                <a:solidFill>
+                  <a:srgbClr val="BFBFBF"/>
+                </a:solidFill>
+                <a:latin typeface="Consolas"/>
+                <a:cs typeface="Consolas"/>
+              </a:rPr>
+              <a:t>endblock</a:t>
+            </a:r>
+            <a:r>
+              <a:rPr lang="en-US" dirty="0">
+                <a:solidFill>
+                  <a:srgbClr val="BFBFBF"/>
+                </a:solidFill>
+                <a:latin typeface="Consolas"/>
+                <a:cs typeface="Consolas"/>
+              </a:rPr>
+              <a:t>%}</a:t>
+            </a:r>
+            <a:endParaRPr lang="en-US" i="1" dirty="0">
+              <a:solidFill>
+                <a:srgbClr val="BFBFBF"/>
+              </a:solidFill>
+              <a:latin typeface="Consolas"/>
+              <a:cs typeface="Consolas"/>
+            </a:endParaRPr>
+          </a:p>
+        </p:txBody>
+      </p:sp>
+      <p:sp>
+        <p:nvSpPr>
+          <p:cNvPr id="14" name="TextBox 13"/>
+          <p:cNvSpPr txBox="1"/>
+          <p:nvPr/>
+        </p:nvSpPr>
+        <p:spPr>
+          <a:xfrm>
+            <a:off x="398399" y="2942350"/>
+            <a:ext cx="8106786" cy="461665"/>
+          </a:xfrm>
+          <a:prstGeom prst="rect">
+            <a:avLst/>
+          </a:prstGeom>
+          <a:noFill/>
+        </p:spPr>
+        <p:txBody>
+          <a:bodyPr wrap="square" rtlCol="0">
+            <a:spAutoFit/>
+          </a:bodyPr>
+          <a:lstStyle/>
+          <a:p>
+            <a:pPr lvl="1"/>
+            <a:r>
+              <a:rPr lang="en-US" sz="2400" dirty="0" smtClean="0">
+                <a:solidFill>
+                  <a:srgbClr val="232323"/>
+                </a:solidFill>
+                <a:latin typeface="Helvetica Neue"/>
+                <a:cs typeface="Helvetica Neue"/>
+              </a:rPr>
+              <a:t>Create a template for the events:</a:t>
+            </a:r>
+            <a:endParaRPr lang="en-US" sz="2400" dirty="0" smtClean="0">
+              <a:solidFill>
+                <a:srgbClr val="232323"/>
+              </a:solidFill>
+              <a:latin typeface="Helvetica Neue"/>
+              <a:cs typeface="Helvetica Neue"/>
+            </a:endParaRPr>
+          </a:p>
+        </p:txBody>
+      </p:sp>
+    </p:spTree>
+    <p:extLst>
+      <p:ext uri="{BB962C8B-B14F-4D97-AF65-F5344CB8AC3E}">
+        <p14:creationId xmlns:p14="http://schemas.microsoft.com/office/powerpoint/2010/main" val="2336984225"/>
+      </p:ext>
+    </p:extLst>
+  </p:cSld>
+  <p:clrMapOvr>
+    <a:masterClrMapping/>
+  </p:clrMapOvr>
+  <mc:AlternateContent xmlns:mc="http://schemas.openxmlformats.org/markup-compatibility/2006" xmlns:p14="http://schemas.microsoft.com/office/powerpoint/2010/main">
+    <mc:Choice Requires="p14">
+      <p:transition spd="slow" p14:dur="2000"/>
+    </mc:Choice>
+    <mc:Fallback xmlns="">
+      <p:transition xmlns:p14="http://schemas.microsoft.com/office/powerpoint/2010/main" spd="slow"/>
+    </mc:Fallback>
+  </mc:AlternateContent>
+  <p:timing>
+    <p:tnLst>
+      <p:par>
+        <p:cTn xmlns:p14="http://schemas.microsoft.com/office/powerpoint/2010/main" id="1" dur="indefinite" restart="never" nodeType="tmRoot"/>
+      </p:par>
+    </p:tnLst>
+  </p:timing>
+</p:sld>
+</file>
+
+<file path=ppt/slides/slide31.xml><?xml version="1.0" encoding="utf-8"?>
+<p:sld xmlns:a="http://schemas.openxmlformats.org/drawingml/2006/main" xmlns:r="http://schemas.openxmlformats.org/officeDocument/2006/relationships" xmlns:p="http://schemas.openxmlformats.org/presentationml/2006/main">
+  <p:cSld>
+    <p:bg>
+      <p:bgPr>
+        <a:gradFill flip="none" rotWithShape="1">
+          <a:gsLst>
+            <a:gs pos="94000">
+              <a:srgbClr val="232323"/>
+            </a:gs>
+            <a:gs pos="1000">
+              <a:srgbClr val="7B7B7B"/>
+            </a:gs>
+          </a:gsLst>
+          <a:path path="circle">
+            <a:fillToRect r="100000" b="100000"/>
+          </a:path>
+          <a:tileRect l="-100000" t="-100000"/>
+        </a:gradFill>
+        <a:effectLst/>
+      </p:bgPr>
+    </p:bg>
+    <p:spTree>
+      <p:nvGrpSpPr>
+        <p:cNvPr id="1" name=""/>
+        <p:cNvGrpSpPr/>
+        <p:nvPr/>
+      </p:nvGrpSpPr>
+      <p:grpSpPr>
+        <a:xfrm>
+          <a:off x="0" y="0"/>
+          <a:ext cx="0" cy="0"/>
+          <a:chOff x="0" y="0"/>
+          <a:chExt cx="0" cy="0"/>
+        </a:xfrm>
+      </p:grpSpPr>
+      <p:sp>
+        <p:nvSpPr>
+          <p:cNvPr id="2" name="Title 1"/>
+          <p:cNvSpPr>
+            <a:spLocks noGrp="1"/>
+          </p:cNvSpPr>
+          <p:nvPr>
+            <p:ph type="ctrTitle"/>
+          </p:nvPr>
+        </p:nvSpPr>
+        <p:spPr>
+          <a:xfrm>
+            <a:off x="499999" y="22679"/>
+            <a:ext cx="8644000" cy="703095"/>
+          </a:xfrm>
+        </p:spPr>
+        <p:txBody>
+          <a:bodyPr>
+            <a:normAutofit/>
+          </a:bodyPr>
+          <a:lstStyle/>
+          <a:p>
+            <a:pPr algn="l"/>
+            <a:r>
+              <a:rPr lang="en-US" sz="2400" dirty="0" smtClean="0">
+                <a:solidFill>
+                  <a:schemeClr val="bg1"/>
+                </a:solidFill>
+                <a:latin typeface="Helvetica Neue"/>
+                <a:cs typeface="Helvetica Neue"/>
+              </a:rPr>
+              <a:t>SIPB: Django Web Programming, IAP 2013</a:t>
+            </a:r>
+            <a:endParaRPr lang="en-US" sz="3600" dirty="0">
+              <a:solidFill>
+                <a:schemeClr val="bg1"/>
+              </a:solidFill>
+              <a:latin typeface="Helvetica Neue"/>
+              <a:cs typeface="Helvetica Neue"/>
+            </a:endParaRPr>
+          </a:p>
+        </p:txBody>
+      </p:sp>
+      <p:pic>
+        <p:nvPicPr>
+          <p:cNvPr id="17" name="Picture 16" descr="grumpy fuzzball.png"/>
+          <p:cNvPicPr>
+            <a:picLocks noChangeAspect="1"/>
+          </p:cNvPicPr>
+          <p:nvPr/>
+        </p:nvPicPr>
+        <p:blipFill>
+          <a:blip r:embed="rId3">
+            <a:extLst>
+              <a:ext uri="{28A0092B-C50C-407E-A947-70E740481C1C}">
+                <a14:useLocalDpi xmlns:a14="http://schemas.microsoft.com/office/drawing/2010/main" val="0"/>
+              </a:ext>
+            </a:extLst>
+          </a:blip>
+          <a:stretch>
+            <a:fillRect/>
+          </a:stretch>
+        </p:blipFill>
+        <p:spPr>
+          <a:xfrm>
+            <a:off x="148838" y="125201"/>
+            <a:ext cx="351161" cy="619465"/>
+          </a:xfrm>
+          <a:prstGeom prst="rect">
+            <a:avLst/>
+          </a:prstGeom>
+        </p:spPr>
+      </p:pic>
+      <p:sp>
+        <p:nvSpPr>
+          <p:cNvPr id="3" name="Rounded Rectangle 2"/>
+          <p:cNvSpPr/>
+          <p:nvPr/>
+        </p:nvSpPr>
+        <p:spPr>
+          <a:xfrm>
+            <a:off x="-1" y="756006"/>
+            <a:ext cx="9144000" cy="6101994"/>
+          </a:xfrm>
+          <a:prstGeom prst="roundRect">
+            <a:avLst>
+              <a:gd name="adj" fmla="val 0"/>
+            </a:avLst>
+          </a:prstGeom>
+          <a:solidFill>
+            <a:schemeClr val="bg1">
+              <a:alpha val="76000"/>
+            </a:schemeClr>
+          </a:solidFill>
+          <a:ln>
+            <a:noFill/>
+          </a:ln>
+          <a:effectLst/>
+        </p:spPr>
+        <p:style>
+          <a:lnRef idx="1">
+            <a:schemeClr val="accent1"/>
+          </a:lnRef>
+          <a:fillRef idx="3">
+            <a:schemeClr val="accent1"/>
+          </a:fillRef>
+          <a:effectRef idx="2">
+            <a:schemeClr val="accent1"/>
+          </a:effectRef>
+          <a:fontRef idx="minor">
+            <a:schemeClr val="lt1"/>
+          </a:fontRef>
+        </p:style>
+        <p:txBody>
+          <a:bodyPr rtlCol="0" anchor="ctr"/>
+          <a:lstStyle/>
+          <a:p>
+            <a:pPr algn="ctr"/>
+            <a:endParaRPr lang="en-US" dirty="0">
+              <a:solidFill>
+                <a:schemeClr val="bg1"/>
+              </a:solidFill>
+            </a:endParaRPr>
+          </a:p>
+        </p:txBody>
+      </p:sp>
+      <p:sp>
+        <p:nvSpPr>
+          <p:cNvPr id="4" name="TextBox 3"/>
+          <p:cNvSpPr txBox="1"/>
+          <p:nvPr/>
+        </p:nvSpPr>
+        <p:spPr>
+          <a:xfrm>
+            <a:off x="-918511" y="1519590"/>
+            <a:ext cx="184666" cy="369332"/>
+          </a:xfrm>
+          <a:prstGeom prst="rect">
+            <a:avLst/>
+          </a:prstGeom>
+          <a:noFill/>
+        </p:spPr>
+        <p:txBody>
+          <a:bodyPr wrap="none" rtlCol="0">
+            <a:spAutoFit/>
+          </a:bodyPr>
+          <a:lstStyle/>
+          <a:p>
+            <a:endParaRPr lang="en-US" dirty="0"/>
+          </a:p>
+        </p:txBody>
+      </p:sp>
+      <p:sp>
+        <p:nvSpPr>
+          <p:cNvPr id="11" name="TextBox 10"/>
+          <p:cNvSpPr txBox="1"/>
+          <p:nvPr/>
+        </p:nvSpPr>
+        <p:spPr>
+          <a:xfrm>
+            <a:off x="499999" y="2890391"/>
+            <a:ext cx="8106786" cy="707886"/>
+          </a:xfrm>
+          <a:prstGeom prst="rect">
+            <a:avLst/>
+          </a:prstGeom>
+          <a:noFill/>
+        </p:spPr>
+        <p:txBody>
+          <a:bodyPr wrap="square" rtlCol="0">
+            <a:spAutoFit/>
+          </a:bodyPr>
+          <a:lstStyle/>
+          <a:p>
+            <a:pPr algn="ctr"/>
+            <a:r>
+              <a:rPr lang="en-US" sz="4000" dirty="0" smtClean="0">
+                <a:solidFill>
+                  <a:srgbClr val="232323"/>
+                </a:solidFill>
+                <a:latin typeface="Helvetica Neue"/>
+                <a:cs typeface="Helvetica Neue"/>
+              </a:rPr>
+              <a:t>Adding Admin Capabilities</a:t>
+            </a:r>
+            <a:endParaRPr lang="en-US" sz="4000" dirty="0" smtClean="0">
+              <a:solidFill>
+                <a:srgbClr val="232323"/>
+              </a:solidFill>
+              <a:latin typeface="Helvetica Neue"/>
+              <a:cs typeface="Helvetica Neue"/>
+            </a:endParaRPr>
+          </a:p>
+        </p:txBody>
+      </p:sp>
+    </p:spTree>
+    <p:extLst>
+      <p:ext uri="{BB962C8B-B14F-4D97-AF65-F5344CB8AC3E}">
+        <p14:creationId xmlns:p14="http://schemas.microsoft.com/office/powerpoint/2010/main" val="556508822"/>
+      </p:ext>
+    </p:extLst>
+  </p:cSld>
+  <p:clrMapOvr>
+    <a:masterClrMapping/>
+  </p:clrMapOvr>
+  <mc:AlternateContent xmlns:mc="http://schemas.openxmlformats.org/markup-compatibility/2006" xmlns:p14="http://schemas.microsoft.com/office/powerpoint/2010/main">
+    <mc:Choice Requires="p14">
+      <p:transition spd="slow" p14:dur="2000"/>
+    </mc:Choice>
+    <mc:Fallback xmlns="">
+      <p:transition xmlns:p14="http://schemas.microsoft.com/office/powerpoint/2010/main" spd="slow"/>
+    </mc:Fallback>
+  </mc:AlternateContent>
+  <p:timing>
+    <p:tnLst>
+      <p:par>
+        <p:cTn xmlns:p14="http://schemas.microsoft.com/office/powerpoint/2010/main" id="1" dur="indefinite" restart="never" nodeType="tmRoot"/>
+      </p:par>
+    </p:tnLst>
+  </p:timing>
+</p:sld>
+</file>
+
+<file path=ppt/slides/slide32.xml><?xml version="1.0" encoding="utf-8"?>
+<p:sld xmlns:a="http://schemas.openxmlformats.org/drawingml/2006/main" xmlns:r="http://schemas.openxmlformats.org/officeDocument/2006/relationships" xmlns:p="http://schemas.openxmlformats.org/presentationml/2006/main">
+  <p:cSld>
+    <p:bg>
+      <p:bgPr>
+        <a:gradFill flip="none" rotWithShape="1">
+          <a:gsLst>
+            <a:gs pos="94000">
+              <a:srgbClr val="232323"/>
+            </a:gs>
+            <a:gs pos="1000">
+              <a:srgbClr val="7B7B7B"/>
+            </a:gs>
+          </a:gsLst>
+          <a:path path="circle">
+            <a:fillToRect r="100000" b="100000"/>
+          </a:path>
+          <a:tileRect l="-100000" t="-100000"/>
+        </a:gradFill>
+        <a:effectLst/>
+      </p:bgPr>
+    </p:bg>
+    <p:spTree>
+      <p:nvGrpSpPr>
+        <p:cNvPr id="1" name=""/>
+        <p:cNvGrpSpPr/>
+        <p:nvPr/>
+      </p:nvGrpSpPr>
+      <p:grpSpPr>
+        <a:xfrm>
+          <a:off x="0" y="0"/>
+          <a:ext cx="0" cy="0"/>
+          <a:chOff x="0" y="0"/>
+          <a:chExt cx="0" cy="0"/>
+        </a:xfrm>
+      </p:grpSpPr>
+      <p:sp>
+        <p:nvSpPr>
+          <p:cNvPr id="2" name="Title 1"/>
+          <p:cNvSpPr>
+            <a:spLocks noGrp="1"/>
+          </p:cNvSpPr>
+          <p:nvPr>
+            <p:ph type="ctrTitle"/>
+          </p:nvPr>
+        </p:nvSpPr>
+        <p:spPr>
+          <a:xfrm>
+            <a:off x="499999" y="22679"/>
+            <a:ext cx="8644000" cy="703095"/>
+          </a:xfrm>
+        </p:spPr>
+        <p:txBody>
+          <a:bodyPr>
+            <a:normAutofit/>
+          </a:bodyPr>
+          <a:lstStyle/>
+          <a:p>
+            <a:pPr algn="l"/>
+            <a:r>
+              <a:rPr lang="en-US" sz="2400" dirty="0" smtClean="0">
+                <a:solidFill>
+                  <a:schemeClr val="bg1"/>
+                </a:solidFill>
+                <a:latin typeface="Helvetica Neue"/>
+                <a:cs typeface="Helvetica Neue"/>
+              </a:rPr>
+              <a:t>SIPB: Django Web Programming, IAP 2013</a:t>
+            </a:r>
+            <a:endParaRPr lang="en-US" sz="3600" dirty="0">
+              <a:solidFill>
+                <a:schemeClr val="bg1"/>
+              </a:solidFill>
+              <a:latin typeface="Helvetica Neue"/>
+              <a:cs typeface="Helvetica Neue"/>
+            </a:endParaRPr>
+          </a:p>
+        </p:txBody>
+      </p:sp>
+      <p:pic>
+        <p:nvPicPr>
+          <p:cNvPr id="17" name="Picture 16" descr="grumpy fuzzball.png"/>
+          <p:cNvPicPr>
+            <a:picLocks noChangeAspect="1"/>
+          </p:cNvPicPr>
+          <p:nvPr/>
+        </p:nvPicPr>
+        <p:blipFill>
+          <a:blip r:embed="rId3">
+            <a:extLst>
+              <a:ext uri="{28A0092B-C50C-407E-A947-70E740481C1C}">
+                <a14:useLocalDpi xmlns:a14="http://schemas.microsoft.com/office/drawing/2010/main" val="0"/>
+              </a:ext>
+            </a:extLst>
+          </a:blip>
+          <a:stretch>
+            <a:fillRect/>
+          </a:stretch>
+        </p:blipFill>
+        <p:spPr>
+          <a:xfrm>
+            <a:off x="148838" y="125201"/>
+            <a:ext cx="351161" cy="619465"/>
+          </a:xfrm>
+          <a:prstGeom prst="rect">
+            <a:avLst/>
+          </a:prstGeom>
+        </p:spPr>
+      </p:pic>
+      <p:sp>
+        <p:nvSpPr>
+          <p:cNvPr id="3" name="Rounded Rectangle 2"/>
+          <p:cNvSpPr/>
+          <p:nvPr/>
+        </p:nvSpPr>
+        <p:spPr>
+          <a:xfrm>
+            <a:off x="-1" y="756006"/>
+            <a:ext cx="9144000" cy="6101994"/>
+          </a:xfrm>
+          <a:prstGeom prst="roundRect">
+            <a:avLst>
+              <a:gd name="adj" fmla="val 0"/>
+            </a:avLst>
+          </a:prstGeom>
+          <a:solidFill>
+            <a:schemeClr val="bg1">
+              <a:alpha val="76000"/>
+            </a:schemeClr>
+          </a:solidFill>
+          <a:ln>
+            <a:noFill/>
+          </a:ln>
+          <a:effectLst/>
+        </p:spPr>
+        <p:style>
+          <a:lnRef idx="1">
+            <a:schemeClr val="accent1"/>
+          </a:lnRef>
+          <a:fillRef idx="3">
+            <a:schemeClr val="accent1"/>
+          </a:fillRef>
+          <a:effectRef idx="2">
+            <a:schemeClr val="accent1"/>
+          </a:effectRef>
+          <a:fontRef idx="minor">
+            <a:schemeClr val="lt1"/>
+          </a:fontRef>
+        </p:style>
+        <p:txBody>
+          <a:bodyPr rtlCol="0" anchor="ctr"/>
+          <a:lstStyle/>
+          <a:p>
+            <a:pPr algn="ctr"/>
+            <a:endParaRPr lang="en-US" dirty="0">
+              <a:solidFill>
+                <a:schemeClr val="bg1"/>
+              </a:solidFill>
+            </a:endParaRPr>
+          </a:p>
+        </p:txBody>
+      </p:sp>
+      <p:sp>
+        <p:nvSpPr>
+          <p:cNvPr id="4" name="TextBox 3"/>
+          <p:cNvSpPr txBox="1"/>
+          <p:nvPr/>
+        </p:nvSpPr>
+        <p:spPr>
+          <a:xfrm>
+            <a:off x="-918511" y="1519590"/>
+            <a:ext cx="184666" cy="369332"/>
+          </a:xfrm>
+          <a:prstGeom prst="rect">
+            <a:avLst/>
+          </a:prstGeom>
+          <a:noFill/>
+        </p:spPr>
+        <p:txBody>
+          <a:bodyPr wrap="none" rtlCol="0">
+            <a:spAutoFit/>
+          </a:bodyPr>
+          <a:lstStyle/>
+          <a:p>
+            <a:endParaRPr lang="en-US" dirty="0"/>
+          </a:p>
+        </p:txBody>
+      </p:sp>
+      <p:sp>
+        <p:nvSpPr>
+          <p:cNvPr id="15" name="TextBox 14"/>
+          <p:cNvSpPr txBox="1"/>
+          <p:nvPr/>
+        </p:nvSpPr>
+        <p:spPr>
+          <a:xfrm>
+            <a:off x="499999" y="994118"/>
+            <a:ext cx="8106786" cy="3170099"/>
+          </a:xfrm>
+          <a:prstGeom prst="rect">
+            <a:avLst/>
+          </a:prstGeom>
+          <a:noFill/>
+        </p:spPr>
+        <p:txBody>
+          <a:bodyPr wrap="square" rtlCol="0">
+            <a:spAutoFit/>
+          </a:bodyPr>
+          <a:lstStyle/>
+          <a:p>
+            <a:pPr lvl="1"/>
+            <a:r>
+              <a:rPr lang="en-US" sz="3200" dirty="0" smtClean="0">
+                <a:solidFill>
+                  <a:srgbClr val="232323"/>
+                </a:solidFill>
+                <a:latin typeface="Helvetica Neue"/>
+                <a:cs typeface="Helvetica Neue"/>
+              </a:rPr>
+              <a:t>What next?</a:t>
+            </a:r>
+          </a:p>
+          <a:p>
+            <a:pPr marL="1257300" lvl="2" indent="-342900">
+              <a:buFont typeface="Arial"/>
+              <a:buChar char="•"/>
+            </a:pPr>
+            <a:r>
+              <a:rPr lang="en-US" sz="2400" dirty="0" smtClean="0">
+                <a:solidFill>
+                  <a:srgbClr val="232323"/>
+                </a:solidFill>
+                <a:latin typeface="Helvetica Neue"/>
+                <a:cs typeface="Helvetica Neue"/>
+              </a:rPr>
+              <a:t>work on personal projects</a:t>
+            </a:r>
+          </a:p>
+          <a:p>
+            <a:pPr marL="1257300" lvl="2" indent="-342900">
+              <a:buFont typeface="Arial"/>
+              <a:buChar char="•"/>
+            </a:pPr>
+            <a:r>
+              <a:rPr lang="en-US" sz="2400" dirty="0" smtClean="0">
+                <a:solidFill>
+                  <a:srgbClr val="232323"/>
+                </a:solidFill>
+                <a:latin typeface="Helvetica Neue"/>
+                <a:cs typeface="Helvetica Neue"/>
+              </a:rPr>
+              <a:t>learn algorithms (CLRS)</a:t>
+            </a:r>
+          </a:p>
+          <a:p>
+            <a:pPr marL="1714500" lvl="3" indent="-342900">
+              <a:buFont typeface="Arial"/>
+              <a:buChar char="•"/>
+            </a:pPr>
+            <a:r>
+              <a:rPr lang="en-US" sz="2400" dirty="0" smtClean="0">
+                <a:solidFill>
+                  <a:srgbClr val="232323"/>
+                </a:solidFill>
+                <a:latin typeface="Helvetica Neue"/>
+                <a:cs typeface="Helvetica Neue"/>
+              </a:rPr>
+              <a:t>performance and memory management</a:t>
+            </a:r>
+          </a:p>
+          <a:p>
+            <a:pPr marL="1257300" lvl="2" indent="-342900">
+              <a:buFont typeface="Arial"/>
+              <a:buChar char="•"/>
+            </a:pPr>
+            <a:r>
+              <a:rPr lang="en-US" sz="2400" dirty="0" smtClean="0">
+                <a:solidFill>
+                  <a:srgbClr val="232323"/>
+                </a:solidFill>
+                <a:latin typeface="Helvetica Neue"/>
+                <a:cs typeface="Helvetica Neue"/>
+              </a:rPr>
+              <a:t>grab a Python book</a:t>
+            </a:r>
+            <a:endParaRPr lang="en-US" sz="2400" dirty="0">
+              <a:solidFill>
+                <a:srgbClr val="232323"/>
+              </a:solidFill>
+              <a:latin typeface="Helvetica Neue"/>
+              <a:cs typeface="Helvetica Neue"/>
+            </a:endParaRPr>
+          </a:p>
+          <a:p>
+            <a:pPr marL="1257300" lvl="2" indent="-342900">
+              <a:buFont typeface="Arial"/>
+              <a:buChar char="•"/>
+            </a:pPr>
+            <a:r>
+              <a:rPr lang="en-US" sz="2400" dirty="0" smtClean="0">
+                <a:solidFill>
+                  <a:srgbClr val="232323"/>
+                </a:solidFill>
+                <a:latin typeface="Helvetica Neue"/>
+                <a:cs typeface="Helvetica Neue"/>
+              </a:rPr>
+              <a:t>active online community, dive in!</a:t>
+            </a:r>
+          </a:p>
+          <a:p>
+            <a:pPr marL="1257300" lvl="2" indent="-342900">
+              <a:buFont typeface="Arial"/>
+              <a:buChar char="•"/>
+            </a:pPr>
+            <a:r>
+              <a:rPr lang="en-US" sz="2400" dirty="0" smtClean="0">
+                <a:solidFill>
+                  <a:srgbClr val="232323"/>
+                </a:solidFill>
+                <a:latin typeface="Helvetica Neue"/>
+                <a:cs typeface="Helvetica Neue"/>
+              </a:rPr>
+              <a:t>SIPB, you can get involved with out projects!</a:t>
+            </a:r>
+          </a:p>
+          <a:p>
+            <a:pPr marL="1714500" lvl="3" indent="-342900">
+              <a:buFont typeface="Arial"/>
+              <a:buChar char="•"/>
+            </a:pPr>
+            <a:endParaRPr lang="en-US" sz="2400" dirty="0" smtClean="0">
+              <a:solidFill>
+                <a:srgbClr val="232323"/>
+              </a:solidFill>
+              <a:latin typeface="Helvetica Neue"/>
+              <a:cs typeface="Helvetica Neue"/>
+            </a:endParaRPr>
+          </a:p>
+        </p:txBody>
+      </p:sp>
+    </p:spTree>
+    <p:extLst>
+      <p:ext uri="{BB962C8B-B14F-4D97-AF65-F5344CB8AC3E}">
+        <p14:creationId xmlns:p14="http://schemas.microsoft.com/office/powerpoint/2010/main" val="902315384"/>
+      </p:ext>
+    </p:extLst>
+  </p:cSld>
+  <p:clrMapOvr>
+    <a:masterClrMapping/>
+  </p:clrMapOvr>
+  <mc:AlternateContent xmlns:mc="http://schemas.openxmlformats.org/markup-compatibility/2006" xmlns:p14="http://schemas.microsoft.com/office/powerpoint/2010/main">
+    <mc:Choice Requires="p14">
+      <p:transition spd="slow" p14:dur="2000"/>
+    </mc:Choice>
+    <mc:Fallback xmlns="">
+      <p:transition xmlns:p14="http://schemas.microsoft.com/office/powerpoint/2010/main" spd="slow"/>
+    </mc:Fallback>
+  </mc:AlternateContent>
   <p:timing>
     <p:tnLst>
       <p:par>

--- a/slides/django_slides.pptx
+++ b/slides/django_slides.pptx
@@ -14509,9 +14509,7 @@
             <a:r>
               <a:rPr lang="en-US" dirty="0">
                 <a:solidFill>
-                  <a:schemeClr val="bg1">
-                    <a:lumMod val="75000"/>
-                  </a:schemeClr>
+                  <a:srgbClr val="BFBFBF"/>
                 </a:solidFill>
                 <a:latin typeface="Consolas"/>
                 <a:cs typeface="Consolas"/>
@@ -14521,9 +14519,7 @@
             <a:r>
               <a:rPr lang="en-US" dirty="0" err="1">
                 <a:solidFill>
-                  <a:schemeClr val="bg1">
-                    <a:lumMod val="95000"/>
-                  </a:schemeClr>
+                  <a:srgbClr val="BFBFBF"/>
                 </a:solidFill>
                 <a:latin typeface="Consolas"/>
                 <a:cs typeface="Consolas"/>
@@ -14533,9 +14529,7 @@
             <a:r>
               <a:rPr lang="en-US" dirty="0">
                 <a:solidFill>
-                  <a:schemeClr val="bg1">
-                    <a:lumMod val="95000"/>
-                  </a:schemeClr>
+                  <a:srgbClr val="BFBFBF"/>
                 </a:solidFill>
                 <a:latin typeface="Consolas"/>
                 <a:cs typeface="Consolas"/>
@@ -14545,9 +14539,7 @@
             <a:r>
               <a:rPr lang="en-US" dirty="0" err="1">
                 <a:solidFill>
-                  <a:schemeClr val="bg1">
-                    <a:lumMod val="95000"/>
-                  </a:schemeClr>
+                  <a:srgbClr val="BFBFBF"/>
                 </a:solidFill>
                 <a:latin typeface="Consolas"/>
                 <a:cs typeface="Consolas"/>
@@ -14557,26 +14549,12 @@
             <a:r>
               <a:rPr lang="en-US" dirty="0">
                 <a:solidFill>
-                  <a:schemeClr val="bg1">
-                    <a:lumMod val="95000"/>
-                  </a:schemeClr>
-                </a:solidFill>
-                <a:latin typeface="Consolas"/>
-                <a:cs typeface="Consolas"/>
-              </a:rPr>
-              <a:t>', name='home')</a:t>
-            </a:r>
-            <a:r>
-              <a:rPr lang="en-US" dirty="0">
-                <a:solidFill>
-                  <a:schemeClr val="bg1">
-                    <a:lumMod val="75000"/>
-                  </a:schemeClr>
-                </a:solidFill>
-                <a:latin typeface="Consolas"/>
-                <a:cs typeface="Consolas"/>
-              </a:rPr>
-              <a:t>,</a:t>
+                  <a:srgbClr val="BFBFBF"/>
+                </a:solidFill>
+                <a:latin typeface="Consolas"/>
+                <a:cs typeface="Consolas"/>
+              </a:rPr>
+              <a:t>', name='home'),</a:t>
             </a:r>
           </a:p>
           <a:p>
@@ -14882,7 +14860,7 @@
                 <a:latin typeface="Consolas"/>
                 <a:cs typeface="Consolas"/>
               </a:rPr>
-              <a:t> &lt;- matches r’^$’</a:t>
+              <a:t> &lt;- matches ’^$’</a:t>
             </a:r>
             <a:endParaRPr lang="en-US" dirty="0">
               <a:solidFill>
